--- a/trunk/PROJET/Soutenance Finale/slides_Architecture_Restitution.pptx
+++ b/trunk/PROJET/Soutenance Finale/slides_Architecture_Restitution.pptx
@@ -225,7 +225,7 @@
             <a:fld id="{D867118A-B433-468F-BC32-6BD77E84A3EF}" type="datetimeFigureOut">
               <a:rPr lang="fr-FR" smtClean="0"/>
               <a:pPr/>
-              <a:t>17/02/2011</a:t>
+              <a:t>18/02/2011</a:t>
             </a:fld>
             <a:endParaRPr lang="fr-FR"/>
           </a:p>
@@ -305,7 +305,7 @@
     </p:spTree>
     <p:extLst>
       <p:ext uri="{BB962C8B-B14F-4D97-AF65-F5344CB8AC3E}">
-        <p14:creationId xmlns:p14="http://schemas.microsoft.com/office/powerpoint/2010/main" xmlns="" val="4221189785"/>
+        <p14:creationId xmlns="" xmlns:p14="http://schemas.microsoft.com/office/powerpoint/2010/main" val="4221189785"/>
       </p:ext>
     </p:extLst>
   </p:cSld>
@@ -397,7 +397,7 @@
             <a:fld id="{C0132854-3691-4D22-8194-30C18A0F86B4}" type="datetimeFigureOut">
               <a:rPr lang="fr-FR" smtClean="0"/>
               <a:pPr/>
-              <a:t>17/02/2011</a:t>
+              <a:t>18/02/2011</a:t>
             </a:fld>
             <a:endParaRPr lang="fr-FR"/>
           </a:p>
@@ -572,7 +572,7 @@
     </p:spTree>
     <p:extLst>
       <p:ext uri="{BB962C8B-B14F-4D97-AF65-F5344CB8AC3E}">
-        <p14:creationId xmlns:p14="http://schemas.microsoft.com/office/powerpoint/2010/main" xmlns="" val="3995352695"/>
+        <p14:creationId xmlns="" xmlns:p14="http://schemas.microsoft.com/office/powerpoint/2010/main" val="3995352695"/>
       </p:ext>
     </p:extLst>
   </p:cSld>
@@ -790,7 +790,7 @@
             <a:fld id="{04088408-60A7-4A69-AD55-8B4CC51DBBE4}" type="datetime1">
               <a:rPr lang="fr-FR" smtClean="0"/>
               <a:pPr/>
-              <a:t>17/02/2011</a:t>
+              <a:t>18/02/2011</a:t>
             </a:fld>
             <a:endParaRPr lang="fr-FR"/>
           </a:p>
@@ -1816,7 +1816,7 @@
             <a:fld id="{0429B0AF-5672-4113-853C-C3A4A5CC5BEA}" type="datetime1">
               <a:rPr lang="fr-FR" smtClean="0"/>
               <a:pPr/>
-              <a:t>17/02/2011</a:t>
+              <a:t>18/02/2011</a:t>
             </a:fld>
             <a:endParaRPr lang="fr-FR"/>
           </a:p>
@@ -2035,7 +2035,7 @@
             <a:fld id="{D59A88EB-FB72-4CF4-971C-BA8A2CF6FF78}" type="datetime1">
               <a:rPr lang="fr-FR" smtClean="0"/>
               <a:pPr/>
-              <a:t>17/02/2011</a:t>
+              <a:t>18/02/2011</a:t>
             </a:fld>
             <a:endParaRPr lang="fr-FR"/>
           </a:p>
@@ -2661,7 +2661,7 @@
             <a:fld id="{3E2F0B67-9623-4FD7-83CE-49ACD1045228}" type="datetime1">
               <a:rPr lang="fr-FR" smtClean="0"/>
               <a:pPr/>
-              <a:t>17/02/2011</a:t>
+              <a:t>18/02/2011</a:t>
             </a:fld>
             <a:endParaRPr lang="fr-FR"/>
           </a:p>
@@ -3257,7 +3257,7 @@
             <a:fld id="{DE31888E-7959-456A-AA95-CE92EF64A6F7}" type="datetime1">
               <a:rPr lang="fr-FR" smtClean="0"/>
               <a:pPr/>
-              <a:t>17/02/2011</a:t>
+              <a:t>18/02/2011</a:t>
             </a:fld>
             <a:endParaRPr lang="fr-FR"/>
           </a:p>
@@ -3901,7 +3901,7 @@
             <a:fld id="{839AC42C-4910-4162-8D76-EA4037F80803}" type="datetime1">
               <a:rPr lang="fr-FR" smtClean="0"/>
               <a:pPr/>
-              <a:t>17/02/2011</a:t>
+              <a:t>18/02/2011</a:t>
             </a:fld>
             <a:endParaRPr lang="fr-FR"/>
           </a:p>
@@ -4505,7 +4505,7 @@
             <a:fld id="{C9115CAE-B517-434E-85AE-842D126D49C8}" type="datetime1">
               <a:rPr lang="fr-FR" smtClean="0"/>
               <a:pPr/>
-              <a:t>17/02/2011</a:t>
+              <a:t>18/02/2011</a:t>
             </a:fld>
             <a:endParaRPr lang="fr-FR"/>
           </a:p>
@@ -5135,7 +5135,7 @@
             <a:fld id="{4461D96B-2E50-4754-B45F-0F5F669BAFFA}" type="datetime1">
               <a:rPr lang="fr-FR" smtClean="0"/>
               <a:pPr/>
-              <a:t>17/02/2011</a:t>
+              <a:t>18/02/2011</a:t>
             </a:fld>
             <a:endParaRPr lang="fr-FR"/>
           </a:p>
@@ -5733,7 +5733,7 @@
             <a:fld id="{F3677BDC-1A22-4676-9B0B-CD961956CFB0}" type="datetime1">
               <a:rPr lang="fr-FR" smtClean="0"/>
               <a:pPr/>
-              <a:t>17/02/2011</a:t>
+              <a:t>18/02/2011</a:t>
             </a:fld>
             <a:endParaRPr lang="fr-FR"/>
           </a:p>
@@ -6388,7 +6388,7 @@
             <a:fld id="{04088408-60A7-4A69-AD55-8B4CC51DBBE4}" type="datetime1">
               <a:rPr lang="fr-FR" smtClean="0"/>
               <a:pPr/>
-              <a:t>17/02/2011</a:t>
+              <a:t>18/02/2011</a:t>
             </a:fld>
             <a:endParaRPr lang="fr-FR"/>
           </a:p>
@@ -6910,26 +6910,18 @@
             <p:ph idx="1"/>
           </p:nvPr>
         </p:nvSpPr>
-        <p:spPr/>
+        <p:spPr>
+          <a:xfrm>
+            <a:off x="2267744" y="2708920"/>
+            <a:ext cx="6419056" cy="3600400"/>
+          </a:xfrm>
+        </p:spPr>
         <p:txBody>
           <a:bodyPr>
             <a:normAutofit/>
           </a:bodyPr>
           <a:lstStyle/>
           <a:p>
-            <a:pPr marL="0" lvl="1" indent="0" algn="ctr">
-              <a:buNone/>
-            </a:pPr>
-            <a:r>
-              <a:rPr lang="fr-FR" sz="3000" dirty="0" smtClean="0"/>
-              <a:t>Attentes </a:t>
-            </a:r>
-          </a:p>
-          <a:p>
-            <a:pPr lvl="0"/>
-            <a:endParaRPr lang="fr-FR" sz="2200" dirty="0" smtClean="0"/>
-          </a:p>
-          <a:p>
             <a:pPr lvl="0"/>
             <a:r>
               <a:rPr lang="fr-FR" sz="2200" dirty="0" smtClean="0"/>
@@ -7002,7 +6994,6 @@
               <a:rPr lang="fr-FR" sz="2200" dirty="0" smtClean="0"/>
               <a:t>générés</a:t>
             </a:r>
-            <a:endParaRPr lang="fr-FR" sz="2200" dirty="0" smtClean="0"/>
           </a:p>
           <a:p>
             <a:pPr lvl="0">
@@ -7039,10 +7030,59 @@
           </a:p>
         </p:txBody>
       </p:sp>
+      <p:sp>
+        <p:nvSpPr>
+          <p:cNvPr id="4" name="Espace réservé du contenu 2"/>
+          <p:cNvSpPr txBox="1">
+            <a:spLocks/>
+          </p:cNvSpPr>
+          <p:nvPr/>
+        </p:nvSpPr>
+        <p:spPr>
+          <a:xfrm>
+            <a:off x="2357422" y="1928802"/>
+            <a:ext cx="4071966" cy="642942"/>
+          </a:xfrm>
+          <a:prstGeom prst="rect">
+            <a:avLst/>
+          </a:prstGeom>
+        </p:spPr>
+        <p:txBody>
+          <a:bodyPr vert="horz" lIns="91440" tIns="45720" rIns="91440" bIns="45720" rtlCol="0">
+            <a:normAutofit/>
+          </a:bodyPr>
+          <a:lstStyle/>
+          <a:p>
+            <a:pPr marL="0" lvl="1" algn="ctr">
+              <a:spcBef>
+                <a:spcPct val="20000"/>
+              </a:spcBef>
+            </a:pPr>
+            <a:r>
+              <a:rPr lang="fr-FR" sz="3200" dirty="0" smtClean="0"/>
+              <a:t>Attentes</a:t>
+            </a:r>
+            <a:endParaRPr kumimoji="0" lang="fr-FR" sz="2600" i="0" u="none" strike="noStrike" kern="1200" cap="none" spc="0" normalizeH="0" baseline="0" noProof="0" dirty="0" smtClean="0">
+              <a:ln>
+                <a:noFill/>
+              </a:ln>
+              <a:solidFill>
+                <a:schemeClr val="tx1"/>
+              </a:solidFill>
+              <a:effectLst/>
+              <a:uLnTx/>
+              <a:uFillTx/>
+              <a:latin typeface="+mn-lt"/>
+              <a:ea typeface="+mn-ea"/>
+              <a:cs typeface="+mn-cs"/>
+            </a:endParaRPr>
+          </a:p>
+        </p:txBody>
+      </p:sp>
     </p:spTree>
     <p:extLst>
       <p:ext uri="{BB962C8B-B14F-4D97-AF65-F5344CB8AC3E}">
-        <p14:creationId xmlns:p14="http://schemas.microsoft.com/office/powerpoint/2010/main" xmlns="" val="2032910018"/>
+        <p14:creationId xmlns="" xmlns:p14="http://schemas.microsoft.com/office/powerpoint/2010/main" val="2032910018"/>
       </p:ext>
     </p:extLst>
   </p:cSld>
@@ -7236,7 +7276,7 @@
     </p:spTree>
     <p:extLst>
       <p:ext uri="{BB962C8B-B14F-4D97-AF65-F5344CB8AC3E}">
-        <p14:creationId xmlns:p14="http://schemas.microsoft.com/office/powerpoint/2010/main" xmlns="" val="1601579563"/>
+        <p14:creationId xmlns="" xmlns:p14="http://schemas.microsoft.com/office/powerpoint/2010/main" val="1601579563"/>
       </p:ext>
     </p:extLst>
   </p:cSld>
@@ -7282,7 +7322,7 @@
         </p:nvSpPr>
         <p:spPr>
           <a:xfrm>
-            <a:off x="5715008" y="2928934"/>
+            <a:off x="5715008" y="3384922"/>
             <a:ext cx="3286148" cy="3500462"/>
           </a:xfrm>
         </p:spPr>
@@ -7337,7 +7377,7 @@
         </p:nvSpPr>
         <p:spPr>
           <a:xfrm>
-            <a:off x="2051720" y="2928934"/>
+            <a:off x="2051720" y="3313484"/>
             <a:ext cx="3734726" cy="3571900"/>
           </a:xfrm>
           <a:prstGeom prst="rect">
@@ -7438,11 +7478,7 @@
             </a:r>
             <a:r>
               <a:rPr lang="fr-FR" sz="2200" dirty="0" smtClean="0"/>
-              <a:t>texte </a:t>
-            </a:r>
-            <a:r>
-              <a:rPr lang="fr-FR" sz="2200" dirty="0" smtClean="0"/>
-              <a:t>et PDF</a:t>
+              <a:t>texte et PDF</a:t>
             </a:r>
           </a:p>
           <a:p>
@@ -7568,7 +7604,7 @@
       </p:sp>
       <p:pic>
         <p:nvPicPr>
-          <p:cNvPr id="5" name="Picture 4" descr="http://www.plongeur.com/magazine/wp-content/uploads/2007/12/plus.jpg"/>
+          <p:cNvPr id="8" name="Picture 4" descr="http://www.plongeur.com/magazine/wp-content/uploads/2007/12/plus.jpg"/>
           <p:cNvPicPr>
             <a:picLocks noChangeAspect="1" noChangeArrowheads="1"/>
           </p:cNvPicPr>
@@ -7583,8 +7619,8 @@
         </p:blipFill>
         <p:spPr bwMode="auto">
           <a:xfrm>
-            <a:off x="3286116" y="2071678"/>
-            <a:ext cx="714380" cy="714380"/>
+            <a:off x="3203848" y="2492896"/>
+            <a:ext cx="648072" cy="648072"/>
           </a:xfrm>
           <a:prstGeom prst="rect">
             <a:avLst/>
@@ -7594,7 +7630,7 @@
       </p:pic>
       <p:pic>
         <p:nvPicPr>
-          <p:cNvPr id="7" name="Picture 6" descr="http://www.plongeur.com/magazine/wp-content/uploads/2007/12/moins.jpg"/>
+          <p:cNvPr id="9" name="Picture 6" descr="http://www.plongeur.com/magazine/wp-content/uploads/2007/12/moins.jpg"/>
           <p:cNvPicPr>
             <a:picLocks noChangeAspect="1" noChangeArrowheads="1"/>
           </p:cNvPicPr>
@@ -7609,8 +7645,8 @@
         </p:blipFill>
         <p:spPr bwMode="auto">
           <a:xfrm>
-            <a:off x="6929454" y="2071678"/>
-            <a:ext cx="714380" cy="714381"/>
+            <a:off x="6804248" y="2492896"/>
+            <a:ext cx="648071" cy="648073"/>
           </a:xfrm>
           <a:prstGeom prst="rect">
             <a:avLst/>
@@ -7618,10 +7654,59 @@
           <a:noFill/>
         </p:spPr>
       </p:pic>
+      <p:sp>
+        <p:nvSpPr>
+          <p:cNvPr id="10" name="Espace réservé du contenu 2"/>
+          <p:cNvSpPr txBox="1">
+            <a:spLocks/>
+          </p:cNvSpPr>
+          <p:nvPr/>
+        </p:nvSpPr>
+        <p:spPr>
+          <a:xfrm>
+            <a:off x="2357422" y="1928802"/>
+            <a:ext cx="4071966" cy="642942"/>
+          </a:xfrm>
+          <a:prstGeom prst="rect">
+            <a:avLst/>
+          </a:prstGeom>
+        </p:spPr>
+        <p:txBody>
+          <a:bodyPr vert="horz" lIns="91440" tIns="45720" rIns="91440" bIns="45720" rtlCol="0">
+            <a:normAutofit/>
+          </a:bodyPr>
+          <a:lstStyle/>
+          <a:p>
+            <a:pPr marL="0" lvl="1" algn="ctr">
+              <a:spcBef>
+                <a:spcPct val="20000"/>
+              </a:spcBef>
+            </a:pPr>
+            <a:r>
+              <a:rPr lang="fr-FR" sz="3200" dirty="0" smtClean="0"/>
+              <a:t>SAS Enterprise Guide</a:t>
+            </a:r>
+            <a:endParaRPr kumimoji="0" lang="fr-FR" sz="2600" i="0" u="none" strike="noStrike" kern="1200" cap="none" spc="0" normalizeH="0" baseline="0" noProof="0" dirty="0" smtClean="0">
+              <a:ln>
+                <a:noFill/>
+              </a:ln>
+              <a:solidFill>
+                <a:schemeClr val="tx1"/>
+              </a:solidFill>
+              <a:effectLst/>
+              <a:uLnTx/>
+              <a:uFillTx/>
+              <a:latin typeface="+mn-lt"/>
+              <a:ea typeface="+mn-ea"/>
+              <a:cs typeface="+mn-cs"/>
+            </a:endParaRPr>
+          </a:p>
+        </p:txBody>
+      </p:sp>
     </p:spTree>
     <p:extLst>
       <p:ext uri="{BB962C8B-B14F-4D97-AF65-F5344CB8AC3E}">
-        <p14:creationId xmlns:p14="http://schemas.microsoft.com/office/powerpoint/2010/main" xmlns="" val="1909113337"/>
+        <p14:creationId xmlns="" xmlns:p14="http://schemas.microsoft.com/office/powerpoint/2010/main" val="1909113337"/>
       </p:ext>
     </p:extLst>
   </p:cSld>
@@ -7665,7 +7750,7 @@
             <p:ph idx="1"/>
             <p:extLst>
               <p:ext uri="{D42A27DB-BD31-4B8C-83A1-F6EECF244321}">
-                <p14:modId xmlns:p14="http://schemas.microsoft.com/office/powerpoint/2010/main" xmlns="" val="3419318785"/>
+                <p14:modId xmlns="" xmlns:p14="http://schemas.microsoft.com/office/powerpoint/2010/main" val="3419318785"/>
               </p:ext>
             </p:extLst>
           </p:nvPr>
@@ -8193,7 +8278,7 @@
     </p:spTree>
     <p:extLst>
       <p:ext uri="{BB962C8B-B14F-4D97-AF65-F5344CB8AC3E}">
-        <p14:creationId xmlns:p14="http://schemas.microsoft.com/office/powerpoint/2010/main" xmlns="" val="2066855957"/>
+        <p14:creationId xmlns="" xmlns:p14="http://schemas.microsoft.com/office/powerpoint/2010/main" val="2066855957"/>
       </p:ext>
     </p:extLst>
   </p:cSld>
@@ -8378,7 +8463,6 @@
                         <a:rPr lang="fr-FR" dirty="0" smtClean="0"/>
                         <a:t>Oracle</a:t>
                       </a:r>
-                      <a:endParaRPr lang="fr-FR" dirty="0" smtClean="0"/>
                     </a:p>
                   </a:txBody>
                   <a:tcPr marL="73714" marR="73714" anchor="ctr"/>
@@ -8409,7 +8493,6 @@
                         <a:rPr lang="fr-FR" dirty="0" smtClean="0"/>
                         <a:t>Oracle</a:t>
                       </a:r>
-                      <a:endParaRPr lang="fr-FR" dirty="0" smtClean="0"/>
                     </a:p>
                   </a:txBody>
                   <a:tcPr marL="73714" marR="73714" anchor="ctr"/>
@@ -8494,11 +8577,7 @@
                       </a:r>
                       <a:r>
                         <a:rPr lang="fr-FR" b="1" baseline="0" dirty="0" smtClean="0"/>
-                        <a:t> graphiques</a:t>
-                      </a:r>
-                      <a:r>
-                        <a:rPr lang="fr-FR" b="1" baseline="0" dirty="0" smtClean="0"/>
-                        <a:t>/</a:t>
+                        <a:t> graphiques/</a:t>
                       </a:r>
                     </a:p>
                     <a:p>
@@ -8566,8 +8645,8 @@
                     <a:p>
                       <a:pPr algn="ctr"/>
                       <a:r>
-                        <a:rPr lang="fr-FR" b="1" dirty="0" err="1" smtClean="0"/>
-                        <a:t>Customization</a:t>
+                        <a:rPr lang="fr-FR" b="1" dirty="0" smtClean="0"/>
+                        <a:t>Customisation</a:t>
                       </a:r>
                       <a:endParaRPr lang="fr-FR" b="1" dirty="0"/>
                     </a:p>
@@ -8766,7 +8845,7 @@
     </p:spTree>
     <p:extLst>
       <p:ext uri="{BB962C8B-B14F-4D97-AF65-F5344CB8AC3E}">
-        <p14:creationId xmlns:p14="http://schemas.microsoft.com/office/powerpoint/2010/main" xmlns="" val="2495760150"/>
+        <p14:creationId xmlns="" xmlns:p14="http://schemas.microsoft.com/office/powerpoint/2010/main" val="2495760150"/>
       </p:ext>
     </p:extLst>
   </p:cSld>
@@ -8855,7 +8934,7 @@
     </p:spTree>
     <p:extLst>
       <p:ext uri="{BB962C8B-B14F-4D97-AF65-F5344CB8AC3E}">
-        <p14:creationId xmlns:p14="http://schemas.microsoft.com/office/powerpoint/2010/main" xmlns="" val="2549321091"/>
+        <p14:creationId xmlns="" xmlns:p14="http://schemas.microsoft.com/office/powerpoint/2010/main" val="2549321091"/>
       </p:ext>
     </p:extLst>
   </p:cSld>
@@ -8899,23 +8978,53 @@
             <p:ph idx="1"/>
           </p:nvPr>
         </p:nvSpPr>
-        <p:spPr/>
+        <p:spPr>
+          <a:xfrm>
+            <a:off x="1979712" y="2564904"/>
+            <a:ext cx="6707088" cy="3561259"/>
+          </a:xfrm>
+        </p:spPr>
         <p:txBody>
           <a:bodyPr>
-            <a:normAutofit fontScale="92500" lnSpcReduction="20000"/>
+            <a:normAutofit fontScale="85000" lnSpcReduction="20000"/>
           </a:bodyPr>
           <a:lstStyle/>
           <a:p>
-            <a:r>
-              <a:rPr lang="fr-FR" u="sng" dirty="0" smtClean="0"/>
-              <a:t>Jasper Soft (2001)</a:t>
-            </a:r>
-          </a:p>
-          <a:p>
             <a:pPr lvl="1"/>
             <a:r>
               <a:rPr lang="fr-FR" dirty="0" smtClean="0"/>
-              <a:t>Propose suite complète de BI</a:t>
+              <a:t>C</a:t>
+            </a:r>
+            <a:r>
+              <a:rPr lang="fr-FR" dirty="0" smtClean="0"/>
+              <a:t>réé en 2001</a:t>
+            </a:r>
+          </a:p>
+          <a:p>
+            <a:pPr lvl="1"/>
+            <a:r>
+              <a:rPr lang="fr-FR" dirty="0" smtClean="0"/>
+              <a:t>Suite </a:t>
+            </a:r>
+            <a:r>
+              <a:rPr lang="fr-FR" dirty="0" smtClean="0"/>
+              <a:t>décisionnelle open </a:t>
+            </a:r>
+            <a:r>
+              <a:rPr lang="fr-FR" dirty="0" smtClean="0"/>
+              <a:t>source la plus utilisée au monde</a:t>
+            </a:r>
+            <a:endParaRPr lang="fr-FR" dirty="0" smtClean="0"/>
+          </a:p>
+          <a:p>
+            <a:pPr lvl="1"/>
+            <a:r>
+              <a:rPr lang="fr-FR" dirty="0" smtClean="0"/>
+              <a:t>Propose </a:t>
+            </a:r>
+            <a:r>
+              <a:rPr lang="fr-FR" dirty="0" smtClean="0"/>
+              <a:t>suite complète de BI</a:t>
             </a:r>
           </a:p>
           <a:p>
@@ -8950,14 +9059,19 @@
             <a:pPr lvl="1"/>
             <a:r>
               <a:rPr lang="fr-FR" dirty="0" smtClean="0"/>
-              <a:t>Open Source</a:t>
-            </a:r>
-          </a:p>
-          <a:p>
-            <a:pPr lvl="1"/>
+              <a:t>Solution </a:t>
+            </a:r>
             <a:r>
               <a:rPr lang="fr-FR" dirty="0" smtClean="0"/>
-              <a:t>Solution d’analyse et de reporting performante</a:t>
+              <a:t>d’analyse et de </a:t>
+            </a:r>
+            <a:r>
+              <a:rPr lang="fr-FR" dirty="0" err="1" smtClean="0"/>
+              <a:t>reporting</a:t>
+            </a:r>
+            <a:r>
+              <a:rPr lang="fr-FR" dirty="0" smtClean="0"/>
+              <a:t> performante</a:t>
             </a:r>
           </a:p>
           <a:p>
@@ -8994,10 +9108,85 @@
           </a:p>
         </p:txBody>
       </p:sp>
+      <p:sp>
+        <p:nvSpPr>
+          <p:cNvPr id="4" name="Espace réservé du contenu 2"/>
+          <p:cNvSpPr txBox="1">
+            <a:spLocks/>
+          </p:cNvSpPr>
+          <p:nvPr/>
+        </p:nvSpPr>
+        <p:spPr>
+          <a:xfrm>
+            <a:off x="2357422" y="1928802"/>
+            <a:ext cx="4071966" cy="642942"/>
+          </a:xfrm>
+          <a:prstGeom prst="rect">
+            <a:avLst/>
+          </a:prstGeom>
+        </p:spPr>
+        <p:txBody>
+          <a:bodyPr vert="horz" lIns="91440" tIns="45720" rIns="91440" bIns="45720" rtlCol="0">
+            <a:normAutofit/>
+          </a:bodyPr>
+          <a:lstStyle/>
+          <a:p>
+            <a:pPr marL="0" lvl="1" algn="ctr">
+              <a:spcBef>
+                <a:spcPct val="20000"/>
+              </a:spcBef>
+            </a:pPr>
+            <a:r>
+              <a:rPr lang="fr-FR" sz="3200" dirty="0" err="1" smtClean="0"/>
+              <a:t>JasperSoft</a:t>
+            </a:r>
+            <a:endParaRPr kumimoji="0" lang="fr-FR" sz="2600" i="0" u="none" strike="noStrike" kern="1200" cap="none" spc="0" normalizeH="0" baseline="0" noProof="0" dirty="0" smtClean="0">
+              <a:ln>
+                <a:noFill/>
+              </a:ln>
+              <a:solidFill>
+                <a:schemeClr val="tx1"/>
+              </a:solidFill>
+              <a:effectLst/>
+              <a:uLnTx/>
+              <a:uFillTx/>
+              <a:latin typeface="+mn-lt"/>
+              <a:ea typeface="+mn-ea"/>
+              <a:cs typeface="+mn-cs"/>
+            </a:endParaRPr>
+          </a:p>
+        </p:txBody>
+      </p:sp>
+      <p:pic>
+        <p:nvPicPr>
+          <p:cNvPr id="5" name="Picture 4" descr="http://www.talend.com/img/logos/P01-P1-P-jaspersoft.jpg"/>
+          <p:cNvPicPr>
+            <a:picLocks noChangeAspect="1" noChangeArrowheads="1"/>
+          </p:cNvPicPr>
+          <p:nvPr/>
+        </p:nvPicPr>
+        <p:blipFill>
+          <a:blip r:embed="rId2" cstate="print"/>
+          <a:srcRect t="30770" b="26923"/>
+          <a:stretch>
+            <a:fillRect/>
+          </a:stretch>
+        </p:blipFill>
+        <p:spPr bwMode="auto">
+          <a:xfrm>
+            <a:off x="6228183" y="1700808"/>
+            <a:ext cx="2399543" cy="998791"/>
+          </a:xfrm>
+          <a:prstGeom prst="rect">
+            <a:avLst/>
+          </a:prstGeom>
+          <a:noFill/>
+        </p:spPr>
+      </p:pic>
     </p:spTree>
     <p:extLst>
       <p:ext uri="{BB962C8B-B14F-4D97-AF65-F5344CB8AC3E}">
-        <p14:creationId xmlns:p14="http://schemas.microsoft.com/office/powerpoint/2010/main" xmlns="" val="3094988837"/>
+        <p14:creationId xmlns="" xmlns:p14="http://schemas.microsoft.com/office/powerpoint/2010/main" val="3094988837"/>
       </p:ext>
     </p:extLst>
   </p:cSld>
@@ -9041,30 +9230,45 @@
             <p:ph idx="1"/>
           </p:nvPr>
         </p:nvSpPr>
-        <p:spPr/>
+        <p:spPr>
+          <a:xfrm>
+            <a:off x="1979712" y="2636912"/>
+            <a:ext cx="6707088" cy="3489251"/>
+          </a:xfrm>
+        </p:spPr>
         <p:txBody>
           <a:bodyPr>
-            <a:normAutofit lnSpcReduction="10000"/>
+            <a:normAutofit fontScale="92500" lnSpcReduction="10000"/>
           </a:bodyPr>
           <a:lstStyle/>
           <a:p>
-            <a:r>
-              <a:rPr lang="fr-FR" u="sng" dirty="0" smtClean="0"/>
-              <a:t>iReport permet</a:t>
-            </a:r>
-          </a:p>
-          <a:p>
             <a:pPr lvl="1"/>
             <a:r>
               <a:rPr lang="fr-FR" dirty="0" smtClean="0"/>
-              <a:t>De créer un modèle de rapport</a:t>
+              <a:t>C</a:t>
+            </a:r>
+            <a:r>
+              <a:rPr lang="fr-FR" dirty="0" smtClean="0"/>
+              <a:t>réer </a:t>
+            </a:r>
+            <a:r>
+              <a:rPr lang="fr-FR" dirty="0" smtClean="0"/>
+              <a:t>un modèle de rapport</a:t>
             </a:r>
           </a:p>
           <a:p>
             <a:pPr lvl="1"/>
             <a:r>
               <a:rPr lang="fr-FR" dirty="0" smtClean="0"/>
-              <a:t>D’obtenir un fichier XML</a:t>
+              <a:t>O</a:t>
+            </a:r>
+            <a:r>
+              <a:rPr lang="fr-FR" dirty="0" smtClean="0"/>
+              <a:t>btenir </a:t>
+            </a:r>
+            <a:r>
+              <a:rPr lang="fr-FR" dirty="0" smtClean="0"/>
+              <a:t>un fichier XML</a:t>
             </a:r>
           </a:p>
           <a:p>
@@ -9125,10 +9329,59 @@
           </a:p>
         </p:txBody>
       </p:sp>
+      <p:sp>
+        <p:nvSpPr>
+          <p:cNvPr id="5" name="Espace réservé du contenu 2"/>
+          <p:cNvSpPr txBox="1">
+            <a:spLocks/>
+          </p:cNvSpPr>
+          <p:nvPr/>
+        </p:nvSpPr>
+        <p:spPr>
+          <a:xfrm>
+            <a:off x="2357422" y="1928802"/>
+            <a:ext cx="4071966" cy="642942"/>
+          </a:xfrm>
+          <a:prstGeom prst="rect">
+            <a:avLst/>
+          </a:prstGeom>
+        </p:spPr>
+        <p:txBody>
+          <a:bodyPr vert="horz" lIns="91440" tIns="45720" rIns="91440" bIns="45720" rtlCol="0">
+            <a:normAutofit/>
+          </a:bodyPr>
+          <a:lstStyle/>
+          <a:p>
+            <a:pPr marL="0" lvl="1" algn="ctr">
+              <a:spcBef>
+                <a:spcPct val="20000"/>
+              </a:spcBef>
+            </a:pPr>
+            <a:r>
+              <a:rPr lang="fr-FR" sz="3200" dirty="0" err="1" smtClean="0"/>
+              <a:t>iReport</a:t>
+            </a:r>
+            <a:endParaRPr kumimoji="0" lang="fr-FR" sz="2600" i="0" u="none" strike="noStrike" kern="1200" cap="none" spc="0" normalizeH="0" baseline="0" noProof="0" dirty="0" smtClean="0">
+              <a:ln>
+                <a:noFill/>
+              </a:ln>
+              <a:solidFill>
+                <a:schemeClr val="tx1"/>
+              </a:solidFill>
+              <a:effectLst/>
+              <a:uLnTx/>
+              <a:uFillTx/>
+              <a:latin typeface="+mn-lt"/>
+              <a:ea typeface="+mn-ea"/>
+              <a:cs typeface="+mn-cs"/>
+            </a:endParaRPr>
+          </a:p>
+        </p:txBody>
+      </p:sp>
     </p:spTree>
     <p:extLst>
       <p:ext uri="{BB962C8B-B14F-4D97-AF65-F5344CB8AC3E}">
-        <p14:creationId xmlns:p14="http://schemas.microsoft.com/office/powerpoint/2010/main" xmlns="" val="35597220"/>
+        <p14:creationId xmlns="" xmlns:p14="http://schemas.microsoft.com/office/powerpoint/2010/main" val="35597220"/>
       </p:ext>
     </p:extLst>
   </p:cSld>
@@ -9174,13 +9427,13 @@
         </p:nvSpPr>
         <p:spPr>
           <a:xfrm>
-            <a:off x="251520" y="3165048"/>
-            <a:ext cx="6707088" cy="4209331"/>
+            <a:off x="1907704" y="2780928"/>
+            <a:ext cx="3456384" cy="3729355"/>
           </a:xfrm>
         </p:spPr>
         <p:txBody>
           <a:bodyPr>
-            <a:normAutofit/>
+            <a:normAutofit fontScale="92500" lnSpcReduction="10000"/>
           </a:bodyPr>
           <a:lstStyle/>
           <a:p>
@@ -9190,12 +9443,8 @@
           <a:p>
             <a:pPr lvl="1"/>
             <a:r>
-              <a:rPr lang="fr-FR" sz="2400" dirty="0" err="1" smtClean="0"/>
-              <a:t>Reporting</a:t>
-            </a:r>
-            <a:r>
               <a:rPr lang="fr-FR" sz="2400" dirty="0" smtClean="0"/>
-              <a:t> complet</a:t>
+              <a:t>Reporting complet</a:t>
             </a:r>
           </a:p>
           <a:p>
@@ -9289,8 +9538,8 @@
         </p:blipFill>
         <p:spPr bwMode="auto">
           <a:xfrm>
-            <a:off x="3851920" y="2060848"/>
-            <a:ext cx="864096" cy="864096"/>
+            <a:off x="3203848" y="2492896"/>
+            <a:ext cx="648072" cy="648072"/>
           </a:xfrm>
           <a:prstGeom prst="rect">
             <a:avLst/>
@@ -9315,8 +9564,8 @@
         </p:blipFill>
         <p:spPr bwMode="auto">
           <a:xfrm>
-            <a:off x="7180007" y="2060848"/>
-            <a:ext cx="864096" cy="864098"/>
+            <a:off x="6804248" y="2492896"/>
+            <a:ext cx="648071" cy="648073"/>
           </a:xfrm>
           <a:prstGeom prst="rect">
             <a:avLst/>
@@ -9334,7 +9583,7 @@
         </p:nvSpPr>
         <p:spPr>
           <a:xfrm>
-            <a:off x="5940152" y="3140968"/>
+            <a:off x="5327576" y="3140968"/>
             <a:ext cx="3816424" cy="4525963"/>
           </a:xfrm>
           <a:prstGeom prst="rect">
@@ -9535,10 +9784,59 @@
           </a:p>
         </p:txBody>
       </p:sp>
+      <p:sp>
+        <p:nvSpPr>
+          <p:cNvPr id="9" name="Espace réservé du contenu 2"/>
+          <p:cNvSpPr txBox="1">
+            <a:spLocks/>
+          </p:cNvSpPr>
+          <p:nvPr/>
+        </p:nvSpPr>
+        <p:spPr>
+          <a:xfrm>
+            <a:off x="2357422" y="1928802"/>
+            <a:ext cx="4071966" cy="642942"/>
+          </a:xfrm>
+          <a:prstGeom prst="rect">
+            <a:avLst/>
+          </a:prstGeom>
+        </p:spPr>
+        <p:txBody>
+          <a:bodyPr vert="horz" lIns="91440" tIns="45720" rIns="91440" bIns="45720" rtlCol="0">
+            <a:normAutofit/>
+          </a:bodyPr>
+          <a:lstStyle/>
+          <a:p>
+            <a:pPr marL="0" lvl="1" algn="ctr">
+              <a:spcBef>
+                <a:spcPct val="20000"/>
+              </a:spcBef>
+            </a:pPr>
+            <a:r>
+              <a:rPr lang="fr-FR" sz="3200" dirty="0" err="1" smtClean="0"/>
+              <a:t>iReport</a:t>
+            </a:r>
+            <a:endParaRPr kumimoji="0" lang="fr-FR" sz="2600" i="0" u="none" strike="noStrike" kern="1200" cap="none" spc="0" normalizeH="0" baseline="0" noProof="0" dirty="0" smtClean="0">
+              <a:ln>
+                <a:noFill/>
+              </a:ln>
+              <a:solidFill>
+                <a:schemeClr val="tx1"/>
+              </a:solidFill>
+              <a:effectLst/>
+              <a:uLnTx/>
+              <a:uFillTx/>
+              <a:latin typeface="+mn-lt"/>
+              <a:ea typeface="+mn-ea"/>
+              <a:cs typeface="+mn-cs"/>
+            </a:endParaRPr>
+          </a:p>
+        </p:txBody>
+      </p:sp>
     </p:spTree>
     <p:extLst>
       <p:ext uri="{BB962C8B-B14F-4D97-AF65-F5344CB8AC3E}">
-        <p14:creationId xmlns:p14="http://schemas.microsoft.com/office/powerpoint/2010/main" xmlns="" val="2641382308"/>
+        <p14:creationId xmlns="" xmlns:p14="http://schemas.microsoft.com/office/powerpoint/2010/main" val="2641382308"/>
       </p:ext>
     </p:extLst>
   </p:cSld>
@@ -9582,14 +9880,24 @@
             <p:ph idx="1"/>
           </p:nvPr>
         </p:nvSpPr>
-        <p:spPr/>
-        <p:txBody>
-          <a:bodyPr/>
-          <a:lstStyle/>
-          <a:p>
-            <a:r>
-              <a:rPr lang="fr-FR" u="sng" dirty="0" err="1" smtClean="0"/>
-              <a:t>QlikTech</a:t>
+        <p:spPr>
+          <a:xfrm>
+            <a:off x="1979712" y="2348880"/>
+            <a:ext cx="6707088" cy="3777283"/>
+          </a:xfrm>
+        </p:spPr>
+        <p:txBody>
+          <a:bodyPr>
+            <a:normAutofit fontScale="92500" lnSpcReduction="10000"/>
+          </a:bodyPr>
+          <a:lstStyle/>
+          <a:p>
+            <a:pPr>
+              <a:buNone/>
+            </a:pPr>
+            <a:r>
+              <a:rPr lang="fr-FR" dirty="0" smtClean="0"/>
+              <a:t>			</a:t>
             </a:r>
             <a:endParaRPr lang="fr-FR" u="sng" dirty="0" smtClean="0"/>
           </a:p>
@@ -9597,8 +9905,24 @@
             <a:pPr lvl="1"/>
             <a:r>
               <a:rPr lang="fr-FR" dirty="0" smtClean="0"/>
-              <a:t>Créé en 1993 en Suède</a:t>
-            </a:r>
+              <a:t>Créé </a:t>
+            </a:r>
+            <a:r>
+              <a:rPr lang="fr-FR" dirty="0" smtClean="0"/>
+              <a:t>en 1993 en </a:t>
+            </a:r>
+            <a:r>
+              <a:rPr lang="fr-FR" dirty="0" smtClean="0"/>
+              <a:t>Suède</a:t>
+            </a:r>
+          </a:p>
+          <a:p>
+            <a:pPr lvl="1"/>
+            <a:r>
+              <a:rPr lang="fr-FR" dirty="0" smtClean="0"/>
+              <a:t>Plus de 500 partenaires au monde</a:t>
+            </a:r>
+            <a:endParaRPr lang="fr-FR" dirty="0" smtClean="0"/>
           </a:p>
           <a:p>
             <a:pPr lvl="1"/>
@@ -9611,8 +9935,20 @@
             <a:pPr lvl="1"/>
             <a:r>
               <a:rPr lang="fr-FR" dirty="0" smtClean="0"/>
-              <a:t>A développé des approches innovantes en matière d'accès, de gestion et d'interaction avec les données</a:t>
-            </a:r>
+              <a:t>A développé des approches innovantes en matière d'accès, de gestion et d'interaction avec les </a:t>
+            </a:r>
+            <a:r>
+              <a:rPr lang="fr-FR" dirty="0" smtClean="0"/>
+              <a:t>données</a:t>
+            </a:r>
+          </a:p>
+          <a:p>
+            <a:pPr lvl="2"/>
+            <a:r>
+              <a:rPr lang="fr-FR" dirty="0" err="1" smtClean="0"/>
+              <a:t>Qlikview</a:t>
+            </a:r>
+            <a:endParaRPr lang="fr-FR" dirty="0" smtClean="0"/>
           </a:p>
           <a:p>
             <a:pPr lvl="1"/>
@@ -9652,10 +9988,59 @@
           </a:p>
         </p:txBody>
       </p:sp>
+      <p:sp>
+        <p:nvSpPr>
+          <p:cNvPr id="5" name="Espace réservé du contenu 2"/>
+          <p:cNvSpPr txBox="1">
+            <a:spLocks/>
+          </p:cNvSpPr>
+          <p:nvPr/>
+        </p:nvSpPr>
+        <p:spPr>
+          <a:xfrm>
+            <a:off x="2357422" y="1928802"/>
+            <a:ext cx="4071966" cy="642942"/>
+          </a:xfrm>
+          <a:prstGeom prst="rect">
+            <a:avLst/>
+          </a:prstGeom>
+        </p:spPr>
+        <p:txBody>
+          <a:bodyPr vert="horz" lIns="91440" tIns="45720" rIns="91440" bIns="45720" rtlCol="0">
+            <a:normAutofit/>
+          </a:bodyPr>
+          <a:lstStyle/>
+          <a:p>
+            <a:pPr marL="0" lvl="1" algn="ctr">
+              <a:spcBef>
+                <a:spcPct val="20000"/>
+              </a:spcBef>
+            </a:pPr>
+            <a:r>
+              <a:rPr lang="fr-FR" sz="3200" dirty="0" err="1" smtClean="0"/>
+              <a:t>QlikTech</a:t>
+            </a:r>
+            <a:endParaRPr kumimoji="0" lang="fr-FR" sz="2600" i="0" u="none" strike="noStrike" kern="1200" cap="none" spc="0" normalizeH="0" baseline="0" noProof="0" dirty="0" smtClean="0">
+              <a:ln>
+                <a:noFill/>
+              </a:ln>
+              <a:solidFill>
+                <a:schemeClr val="tx1"/>
+              </a:solidFill>
+              <a:effectLst/>
+              <a:uLnTx/>
+              <a:uFillTx/>
+              <a:latin typeface="+mn-lt"/>
+              <a:ea typeface="+mn-ea"/>
+              <a:cs typeface="+mn-cs"/>
+            </a:endParaRPr>
+          </a:p>
+        </p:txBody>
+      </p:sp>
     </p:spTree>
     <p:extLst>
       <p:ext uri="{BB962C8B-B14F-4D97-AF65-F5344CB8AC3E}">
-        <p14:creationId xmlns:p14="http://schemas.microsoft.com/office/powerpoint/2010/main" xmlns="" val="2289717005"/>
+        <p14:creationId xmlns="" xmlns:p14="http://schemas.microsoft.com/office/powerpoint/2010/main" val="2289717005"/>
       </p:ext>
     </p:extLst>
   </p:cSld>
@@ -9699,22 +10084,17 @@
             <p:ph idx="1"/>
           </p:nvPr>
         </p:nvSpPr>
-        <p:spPr/>
+        <p:spPr>
+          <a:xfrm>
+            <a:off x="1979712" y="2708920"/>
+            <a:ext cx="6707088" cy="3417243"/>
+          </a:xfrm>
+        </p:spPr>
         <p:txBody>
           <a:bodyPr>
-            <a:normAutofit fontScale="92500" lnSpcReduction="10000"/>
+            <a:normAutofit fontScale="92500" lnSpcReduction="20000"/>
           </a:bodyPr>
           <a:lstStyle/>
-          <a:p>
-            <a:r>
-              <a:rPr lang="fr-FR" u="sng" dirty="0" err="1" smtClean="0"/>
-              <a:t>Qlikview</a:t>
-            </a:r>
-            <a:r>
-              <a:rPr lang="fr-FR" u="sng" dirty="0" smtClean="0"/>
-              <a:t> (1996)</a:t>
-            </a:r>
-          </a:p>
           <a:p>
             <a:pPr lvl="1"/>
             <a:r>
@@ -9726,7 +10106,11 @@
             <a:pPr lvl="1"/>
             <a:r>
               <a:rPr lang="fr-FR" dirty="0" smtClean="0"/>
-              <a:t>Rendu de l’analyse facile, utile et passionnante</a:t>
+              <a:t>Rendu </a:t>
+            </a:r>
+            <a:r>
+              <a:rPr lang="fr-FR" dirty="0" smtClean="0"/>
+              <a:t>de l’analyse facile, utile et passionnante</a:t>
             </a:r>
           </a:p>
           <a:p>
@@ -9790,10 +10174,89 @@
           </a:p>
         </p:txBody>
       </p:sp>
+      <p:sp>
+        <p:nvSpPr>
+          <p:cNvPr id="5" name="Espace réservé du contenu 2"/>
+          <p:cNvSpPr txBox="1">
+            <a:spLocks/>
+          </p:cNvSpPr>
+          <p:nvPr/>
+        </p:nvSpPr>
+        <p:spPr>
+          <a:xfrm>
+            <a:off x="2357422" y="1928802"/>
+            <a:ext cx="4071966" cy="642942"/>
+          </a:xfrm>
+          <a:prstGeom prst="rect">
+            <a:avLst/>
+          </a:prstGeom>
+        </p:spPr>
+        <p:txBody>
+          <a:bodyPr vert="horz" lIns="91440" tIns="45720" rIns="91440" bIns="45720" rtlCol="0">
+            <a:normAutofit/>
+          </a:bodyPr>
+          <a:lstStyle/>
+          <a:p>
+            <a:pPr marL="0" lvl="1" algn="ctr">
+              <a:spcBef>
+                <a:spcPct val="20000"/>
+              </a:spcBef>
+            </a:pPr>
+            <a:r>
+              <a:rPr lang="fr-FR" sz="3200" dirty="0" err="1" smtClean="0"/>
+              <a:t>Qlikview</a:t>
+            </a:r>
+            <a:r>
+              <a:rPr lang="fr-FR" sz="3200" dirty="0" smtClean="0"/>
+              <a:t> (1996)</a:t>
+            </a:r>
+            <a:endParaRPr kumimoji="0" lang="fr-FR" sz="2600" i="0" u="none" strike="noStrike" kern="1200" cap="none" spc="0" normalizeH="0" baseline="0" noProof="0" dirty="0" smtClean="0">
+              <a:ln>
+                <a:noFill/>
+              </a:ln>
+              <a:solidFill>
+                <a:schemeClr val="tx1"/>
+              </a:solidFill>
+              <a:effectLst/>
+              <a:uLnTx/>
+              <a:uFillTx/>
+              <a:latin typeface="+mn-lt"/>
+              <a:ea typeface="+mn-ea"/>
+              <a:cs typeface="+mn-cs"/>
+            </a:endParaRPr>
+          </a:p>
+        </p:txBody>
+      </p:sp>
+      <p:pic>
+        <p:nvPicPr>
+          <p:cNvPr id="6" name="Picture 2" descr="http://ntek.com.mx/wp-content/uploads/2010/11/qlikview-logo.jpg"/>
+          <p:cNvPicPr>
+            <a:picLocks noChangeAspect="1" noChangeArrowheads="1"/>
+          </p:cNvPicPr>
+          <p:nvPr/>
+        </p:nvPicPr>
+        <p:blipFill>
+          <a:blip r:embed="rId2" cstate="print"/>
+          <a:srcRect t="30665" b="23338"/>
+          <a:stretch>
+            <a:fillRect/>
+          </a:stretch>
+        </p:blipFill>
+        <p:spPr bwMode="auto">
+          <a:xfrm>
+            <a:off x="6228184" y="1772816"/>
+            <a:ext cx="2313946" cy="798262"/>
+          </a:xfrm>
+          <a:prstGeom prst="rect">
+            <a:avLst/>
+          </a:prstGeom>
+          <a:noFill/>
+        </p:spPr>
+      </p:pic>
     </p:spTree>
     <p:extLst>
       <p:ext uri="{BB962C8B-B14F-4D97-AF65-F5344CB8AC3E}">
-        <p14:creationId xmlns:p14="http://schemas.microsoft.com/office/powerpoint/2010/main" xmlns="" val="2084448623"/>
+        <p14:creationId xmlns="" xmlns:p14="http://schemas.microsoft.com/office/powerpoint/2010/main" val="2084448623"/>
       </p:ext>
     </p:extLst>
   </p:cSld>
@@ -9837,10 +10300,15 @@
             <p:ph idx="1"/>
           </p:nvPr>
         </p:nvSpPr>
-        <p:spPr/>
+        <p:spPr>
+          <a:xfrm>
+            <a:off x="1763688" y="3212976"/>
+            <a:ext cx="4464496" cy="3456384"/>
+          </a:xfrm>
+        </p:spPr>
         <p:txBody>
           <a:bodyPr>
-            <a:normAutofit fontScale="92500" lnSpcReduction="10000"/>
+            <a:normAutofit fontScale="62500" lnSpcReduction="20000"/>
           </a:bodyPr>
           <a:lstStyle/>
           <a:p>
@@ -9865,12 +10333,8 @@
           <a:p>
             <a:pPr lvl="1"/>
             <a:r>
-              <a:rPr lang="fr-FR" dirty="0" err="1" smtClean="0"/>
-              <a:t>Reporting</a:t>
-            </a:r>
-            <a:r>
               <a:rPr lang="fr-FR" dirty="0" smtClean="0"/>
-              <a:t> très complet : offre beaucoup de possibilités</a:t>
+              <a:t>Reporting très complet : offre beaucoup de possibilités</a:t>
             </a:r>
           </a:p>
           <a:p>
@@ -9936,78 +10400,26 @@
           </a:p>
         </p:txBody>
       </p:sp>
-      <p:pic>
-        <p:nvPicPr>
-          <p:cNvPr id="6" name="Picture 4" descr="http://www.plongeur.com/magazine/wp-content/uploads/2007/12/plus.jpg"/>
-          <p:cNvPicPr>
-            <a:picLocks noChangeAspect="1" noChangeArrowheads="1"/>
-          </p:cNvPicPr>
+      <p:sp>
+        <p:nvSpPr>
+          <p:cNvPr id="9" name="Espace réservé du contenu 2"/>
+          <p:cNvSpPr txBox="1">
+            <a:spLocks/>
+          </p:cNvSpPr>
           <p:nvPr/>
-        </p:nvPicPr>
-        <p:blipFill>
-          <a:blip r:embed="rId2" cstate="print"/>
-          <a:srcRect/>
-          <a:stretch>
-            <a:fillRect/>
-          </a:stretch>
-        </p:blipFill>
-        <p:spPr bwMode="auto">
-          <a:xfrm>
-            <a:off x="1835696" y="1124744"/>
-            <a:ext cx="864096" cy="864096"/>
+        </p:nvSpPr>
+        <p:spPr>
+          <a:xfrm>
+            <a:off x="5832648" y="3140968"/>
+            <a:ext cx="3131840" cy="648072"/>
           </a:xfrm>
           <a:prstGeom prst="rect">
             <a:avLst/>
           </a:prstGeom>
-          <a:noFill/>
-        </p:spPr>
-      </p:pic>
-      <p:pic>
-        <p:nvPicPr>
-          <p:cNvPr id="8" name="Picture 6" descr="http://www.plongeur.com/magazine/wp-content/uploads/2007/12/moins.jpg"/>
-          <p:cNvPicPr>
-            <a:picLocks noChangeAspect="1" noChangeArrowheads="1"/>
-          </p:cNvPicPr>
-          <p:nvPr/>
-        </p:nvPicPr>
-        <p:blipFill>
-          <a:blip r:embed="rId3" cstate="print"/>
-          <a:srcRect/>
-          <a:stretch>
-            <a:fillRect/>
-          </a:stretch>
-        </p:blipFill>
-        <p:spPr bwMode="auto">
-          <a:xfrm>
-            <a:off x="6444208" y="1196752"/>
-            <a:ext cx="864096" cy="864098"/>
-          </a:xfrm>
-          <a:prstGeom prst="rect">
-            <a:avLst/>
-          </a:prstGeom>
-          <a:noFill/>
-        </p:spPr>
-      </p:pic>
-      <p:sp>
-        <p:nvSpPr>
-          <p:cNvPr id="9" name="Espace réservé du contenu 2"/>
-          <p:cNvSpPr txBox="1">
-            <a:spLocks/>
-          </p:cNvSpPr>
-          <p:nvPr/>
-        </p:nvSpPr>
-        <p:spPr>
-          <a:xfrm>
-            <a:off x="4561656" y="1556792"/>
-            <a:ext cx="4546848" cy="4525963"/>
-          </a:xfrm>
-          <a:prstGeom prst="rect">
-            <a:avLst/>
-          </a:prstGeom>
         </p:spPr>
         <p:txBody>
           <a:bodyPr vert="horz" lIns="91440" tIns="45720" rIns="91440" bIns="45720" rtlCol="0">
-            <a:normAutofit/>
+            <a:normAutofit fontScale="70000" lnSpcReduction="20000"/>
           </a:bodyPr>
           <a:lstStyle/>
           <a:p>
@@ -10095,10 +10507,111 @@
           </a:p>
         </p:txBody>
       </p:sp>
+      <p:pic>
+        <p:nvPicPr>
+          <p:cNvPr id="10" name="Picture 4" descr="http://www.plongeur.com/magazine/wp-content/uploads/2007/12/plus.jpg"/>
+          <p:cNvPicPr>
+            <a:picLocks noChangeAspect="1" noChangeArrowheads="1"/>
+          </p:cNvPicPr>
+          <p:nvPr/>
+        </p:nvPicPr>
+        <p:blipFill>
+          <a:blip r:embed="rId2" cstate="print"/>
+          <a:srcRect/>
+          <a:stretch>
+            <a:fillRect/>
+          </a:stretch>
+        </p:blipFill>
+        <p:spPr bwMode="auto">
+          <a:xfrm>
+            <a:off x="3203848" y="2492896"/>
+            <a:ext cx="648072" cy="648072"/>
+          </a:xfrm>
+          <a:prstGeom prst="rect">
+            <a:avLst/>
+          </a:prstGeom>
+          <a:noFill/>
+        </p:spPr>
+      </p:pic>
+      <p:pic>
+        <p:nvPicPr>
+          <p:cNvPr id="11" name="Picture 6" descr="http://www.plongeur.com/magazine/wp-content/uploads/2007/12/moins.jpg"/>
+          <p:cNvPicPr>
+            <a:picLocks noChangeAspect="1" noChangeArrowheads="1"/>
+          </p:cNvPicPr>
+          <p:nvPr/>
+        </p:nvPicPr>
+        <p:blipFill>
+          <a:blip r:embed="rId3" cstate="print"/>
+          <a:srcRect/>
+          <a:stretch>
+            <a:fillRect/>
+          </a:stretch>
+        </p:blipFill>
+        <p:spPr bwMode="auto">
+          <a:xfrm>
+            <a:off x="6804248" y="2492896"/>
+            <a:ext cx="648071" cy="648073"/>
+          </a:xfrm>
+          <a:prstGeom prst="rect">
+            <a:avLst/>
+          </a:prstGeom>
+          <a:noFill/>
+        </p:spPr>
+      </p:pic>
+      <p:sp>
+        <p:nvSpPr>
+          <p:cNvPr id="13" name="Espace réservé du contenu 2"/>
+          <p:cNvSpPr txBox="1">
+            <a:spLocks/>
+          </p:cNvSpPr>
+          <p:nvPr/>
+        </p:nvSpPr>
+        <p:spPr>
+          <a:xfrm>
+            <a:off x="2357422" y="1928802"/>
+            <a:ext cx="4071966" cy="642942"/>
+          </a:xfrm>
+          <a:prstGeom prst="rect">
+            <a:avLst/>
+          </a:prstGeom>
+        </p:spPr>
+        <p:txBody>
+          <a:bodyPr vert="horz" lIns="91440" tIns="45720" rIns="91440" bIns="45720" rtlCol="0">
+            <a:normAutofit/>
+          </a:bodyPr>
+          <a:lstStyle/>
+          <a:p>
+            <a:pPr marL="0" lvl="1" algn="ctr">
+              <a:spcBef>
+                <a:spcPct val="20000"/>
+              </a:spcBef>
+            </a:pPr>
+            <a:r>
+              <a:rPr lang="fr-FR" sz="3200" dirty="0" err="1" smtClean="0"/>
+              <a:t>Qlikview</a:t>
+            </a:r>
+            <a:endParaRPr kumimoji="0" lang="fr-FR" sz="2600" i="0" u="none" strike="noStrike" kern="1200" cap="none" spc="0" normalizeH="0" baseline="0" noProof="0" dirty="0" smtClean="0">
+              <a:ln>
+                <a:noFill/>
+              </a:ln>
+              <a:solidFill>
+                <a:schemeClr val="tx1"/>
+              </a:solidFill>
+              <a:effectLst/>
+              <a:uLnTx/>
+              <a:uFillTx/>
+              <a:latin typeface="+mn-lt"/>
+              <a:ea typeface="+mn-ea"/>
+              <a:cs typeface="+mn-cs"/>
+            </a:endParaRPr>
+          </a:p>
+        </p:txBody>
+      </p:sp>
     </p:spTree>
     <p:extLst>
       <p:ext uri="{BB962C8B-B14F-4D97-AF65-F5344CB8AC3E}">
-        <p14:creationId xmlns:p14="http://schemas.microsoft.com/office/powerpoint/2010/main" xmlns="" val="3544314285"/>
+        <p14:creationId xmlns="" xmlns:p14="http://schemas.microsoft.com/office/powerpoint/2010/main" val="3544314285"/>
       </p:ext>
     </p:extLst>
   </p:cSld>
@@ -10160,7 +10673,11 @@
             </a:pPr>
             <a:r>
               <a:rPr lang="fr-FR" sz="2200" dirty="0" smtClean="0"/>
-              <a:t>Entreprise française</a:t>
+              <a:t>Entreprise </a:t>
+            </a:r>
+            <a:r>
+              <a:rPr lang="fr-FR" sz="2200" dirty="0" smtClean="0"/>
+              <a:t>française créée en 1983</a:t>
             </a:r>
             <a:endParaRPr lang="fr-FR" sz="2200" dirty="0" smtClean="0"/>
           </a:p>
@@ -10194,11 +10711,7 @@
             </a:r>
             <a:r>
               <a:rPr lang="fr-FR" sz="2200" dirty="0" smtClean="0"/>
-              <a:t>de l’informatique </a:t>
-            </a:r>
-            <a:r>
-              <a:rPr lang="fr-FR" sz="2200" dirty="0" smtClean="0"/>
-              <a:t>décisionnelle</a:t>
+              <a:t>de l’informatique décisionnelle</a:t>
             </a:r>
           </a:p>
           <a:p>
@@ -10237,11 +10750,7 @@
             <a:pPr lvl="2"/>
             <a:r>
               <a:rPr lang="fr-FR" sz="1800" dirty="0" smtClean="0"/>
-              <a:t>SAS/GRAPH, </a:t>
-            </a:r>
-            <a:r>
-              <a:rPr lang="fr-FR" sz="1800" dirty="0" smtClean="0"/>
-              <a:t>SAS/STAT</a:t>
+              <a:t>SAS/GRAPH, SAS/STAT</a:t>
             </a:r>
             <a:endParaRPr lang="fr-FR" sz="2200" dirty="0" smtClean="0"/>
           </a:p>
@@ -10449,18 +10958,24 @@
                 <a:ea typeface="+mn-ea"/>
                 <a:cs typeface="+mn-cs"/>
               </a:rPr>
-              <a:t> System</a:t>
-            </a:r>
-          </a:p>
-          <a:p>
-            <a:pPr marL="0" lvl="1" algn="ctr">
-              <a:spcBef>
-                <a:spcPct val="20000"/>
-              </a:spcBef>
-            </a:pPr>
-            <a:r>
-              <a:rPr lang="fr-FR" sz="2600" dirty="0" smtClean="0"/>
-              <a:t>(1983)</a:t>
+              <a:t> </a:t>
+            </a:r>
+            <a:r>
+              <a:rPr kumimoji="0" lang="fr-FR" sz="2600" i="0" u="none" strike="noStrike" kern="1200" cap="none" spc="0" normalizeH="0" baseline="0" noProof="0" dirty="0" smtClean="0">
+                <a:ln>
+                  <a:noFill/>
+                </a:ln>
+                <a:solidFill>
+                  <a:schemeClr val="tx1"/>
+                </a:solidFill>
+                <a:effectLst/>
+                <a:uLnTx/>
+                <a:uFillTx/>
+                <a:latin typeface="+mn-lt"/>
+                <a:ea typeface="+mn-ea"/>
+                <a:cs typeface="+mn-cs"/>
+              </a:rPr>
+              <a:t>System</a:t>
             </a:r>
             <a:endParaRPr kumimoji="0" lang="fr-FR" sz="2600" i="0" u="none" strike="noStrike" kern="1200" cap="none" spc="0" normalizeH="0" baseline="0" noProof="0" dirty="0" smtClean="0">
               <a:ln>
@@ -10482,7 +10997,7 @@
     </p:spTree>
     <p:extLst>
       <p:ext uri="{BB962C8B-B14F-4D97-AF65-F5344CB8AC3E}">
-        <p14:creationId xmlns:p14="http://schemas.microsoft.com/office/powerpoint/2010/main" xmlns="" val="2994739759"/>
+        <p14:creationId xmlns="" xmlns:p14="http://schemas.microsoft.com/office/powerpoint/2010/main" val="2994739759"/>
       </p:ext>
     </p:extLst>
   </p:cSld>
@@ -10679,7 +11194,7 @@
     </p:spTree>
     <p:extLst>
       <p:ext uri="{BB962C8B-B14F-4D97-AF65-F5344CB8AC3E}">
-        <p14:creationId xmlns:p14="http://schemas.microsoft.com/office/powerpoint/2010/main" xmlns="" val="2433743007"/>
+        <p14:creationId xmlns="" xmlns:p14="http://schemas.microsoft.com/office/powerpoint/2010/main" val="2433743007"/>
       </p:ext>
     </p:extLst>
   </p:cSld>

--- a/trunk/PROJET/Soutenance Finale/slides_Architecture_Restitution.pptx
+++ b/trunk/PROJET/Soutenance Finale/slides_Architecture_Restitution.pptx
@@ -225,7 +225,7 @@
             <a:fld id="{D867118A-B433-468F-BC32-6BD77E84A3EF}" type="datetimeFigureOut">
               <a:rPr lang="fr-FR" smtClean="0"/>
               <a:pPr/>
-              <a:t>18/02/2011</a:t>
+              <a:t>19/02/2011</a:t>
             </a:fld>
             <a:endParaRPr lang="fr-FR"/>
           </a:p>
@@ -305,7 +305,7 @@
     </p:spTree>
     <p:extLst>
       <p:ext uri="{BB962C8B-B14F-4D97-AF65-F5344CB8AC3E}">
-        <p14:creationId xmlns="" xmlns:p14="http://schemas.microsoft.com/office/powerpoint/2010/main" val="4221189785"/>
+        <p14:creationId xmlns:p14="http://schemas.microsoft.com/office/powerpoint/2010/main" xmlns="" val="4221189785"/>
       </p:ext>
     </p:extLst>
   </p:cSld>
@@ -397,7 +397,7 @@
             <a:fld id="{C0132854-3691-4D22-8194-30C18A0F86B4}" type="datetimeFigureOut">
               <a:rPr lang="fr-FR" smtClean="0"/>
               <a:pPr/>
-              <a:t>18/02/2011</a:t>
+              <a:t>19/02/2011</a:t>
             </a:fld>
             <a:endParaRPr lang="fr-FR"/>
           </a:p>
@@ -572,7 +572,7 @@
     </p:spTree>
     <p:extLst>
       <p:ext uri="{BB962C8B-B14F-4D97-AF65-F5344CB8AC3E}">
-        <p14:creationId xmlns="" xmlns:p14="http://schemas.microsoft.com/office/powerpoint/2010/main" val="3995352695"/>
+        <p14:creationId xmlns:p14="http://schemas.microsoft.com/office/powerpoint/2010/main" xmlns="" val="3995352695"/>
       </p:ext>
     </p:extLst>
   </p:cSld>
@@ -790,7 +790,7 @@
             <a:fld id="{04088408-60A7-4A69-AD55-8B4CC51DBBE4}" type="datetime1">
               <a:rPr lang="fr-FR" smtClean="0"/>
               <a:pPr/>
-              <a:t>18/02/2011</a:t>
+              <a:t>19/02/2011</a:t>
             </a:fld>
             <a:endParaRPr lang="fr-FR"/>
           </a:p>
@@ -1816,7 +1816,7 @@
             <a:fld id="{0429B0AF-5672-4113-853C-C3A4A5CC5BEA}" type="datetime1">
               <a:rPr lang="fr-FR" smtClean="0"/>
               <a:pPr/>
-              <a:t>18/02/2011</a:t>
+              <a:t>19/02/2011</a:t>
             </a:fld>
             <a:endParaRPr lang="fr-FR"/>
           </a:p>
@@ -2035,7 +2035,7 @@
             <a:fld id="{D59A88EB-FB72-4CF4-971C-BA8A2CF6FF78}" type="datetime1">
               <a:rPr lang="fr-FR" smtClean="0"/>
               <a:pPr/>
-              <a:t>18/02/2011</a:t>
+              <a:t>19/02/2011</a:t>
             </a:fld>
             <a:endParaRPr lang="fr-FR"/>
           </a:p>
@@ -2661,7 +2661,7 @@
             <a:fld id="{3E2F0B67-9623-4FD7-83CE-49ACD1045228}" type="datetime1">
               <a:rPr lang="fr-FR" smtClean="0"/>
               <a:pPr/>
-              <a:t>18/02/2011</a:t>
+              <a:t>19/02/2011</a:t>
             </a:fld>
             <a:endParaRPr lang="fr-FR"/>
           </a:p>
@@ -3257,7 +3257,7 @@
             <a:fld id="{DE31888E-7959-456A-AA95-CE92EF64A6F7}" type="datetime1">
               <a:rPr lang="fr-FR" smtClean="0"/>
               <a:pPr/>
-              <a:t>18/02/2011</a:t>
+              <a:t>19/02/2011</a:t>
             </a:fld>
             <a:endParaRPr lang="fr-FR"/>
           </a:p>
@@ -3901,7 +3901,7 @@
             <a:fld id="{839AC42C-4910-4162-8D76-EA4037F80803}" type="datetime1">
               <a:rPr lang="fr-FR" smtClean="0"/>
               <a:pPr/>
-              <a:t>18/02/2011</a:t>
+              <a:t>19/02/2011</a:t>
             </a:fld>
             <a:endParaRPr lang="fr-FR"/>
           </a:p>
@@ -4505,7 +4505,7 @@
             <a:fld id="{C9115CAE-B517-434E-85AE-842D126D49C8}" type="datetime1">
               <a:rPr lang="fr-FR" smtClean="0"/>
               <a:pPr/>
-              <a:t>18/02/2011</a:t>
+              <a:t>19/02/2011</a:t>
             </a:fld>
             <a:endParaRPr lang="fr-FR"/>
           </a:p>
@@ -5135,7 +5135,7 @@
             <a:fld id="{4461D96B-2E50-4754-B45F-0F5F669BAFFA}" type="datetime1">
               <a:rPr lang="fr-FR" smtClean="0"/>
               <a:pPr/>
-              <a:t>18/02/2011</a:t>
+              <a:t>19/02/2011</a:t>
             </a:fld>
             <a:endParaRPr lang="fr-FR"/>
           </a:p>
@@ -5733,7 +5733,7 @@
             <a:fld id="{F3677BDC-1A22-4676-9B0B-CD961956CFB0}" type="datetime1">
               <a:rPr lang="fr-FR" smtClean="0"/>
               <a:pPr/>
-              <a:t>18/02/2011</a:t>
+              <a:t>19/02/2011</a:t>
             </a:fld>
             <a:endParaRPr lang="fr-FR"/>
           </a:p>
@@ -6388,7 +6388,7 @@
             <a:fld id="{04088408-60A7-4A69-AD55-8B4CC51DBBE4}" type="datetime1">
               <a:rPr lang="fr-FR" smtClean="0"/>
               <a:pPr/>
-              <a:t>18/02/2011</a:t>
+              <a:t>19/02/2011</a:t>
             </a:fld>
             <a:endParaRPr lang="fr-FR"/>
           </a:p>
@@ -7082,7 +7082,7 @@
     </p:spTree>
     <p:extLst>
       <p:ext uri="{BB962C8B-B14F-4D97-AF65-F5344CB8AC3E}">
-        <p14:creationId xmlns="" xmlns:p14="http://schemas.microsoft.com/office/powerpoint/2010/main" val="2032910018"/>
+        <p14:creationId xmlns:p14="http://schemas.microsoft.com/office/powerpoint/2010/main" xmlns="" val="2032910018"/>
       </p:ext>
     </p:extLst>
   </p:cSld>
@@ -7276,7 +7276,7 @@
     </p:spTree>
     <p:extLst>
       <p:ext uri="{BB962C8B-B14F-4D97-AF65-F5344CB8AC3E}">
-        <p14:creationId xmlns="" xmlns:p14="http://schemas.microsoft.com/office/powerpoint/2010/main" val="1601579563"/>
+        <p14:creationId xmlns:p14="http://schemas.microsoft.com/office/powerpoint/2010/main" xmlns="" val="1601579563"/>
       </p:ext>
     </p:extLst>
   </p:cSld>
@@ -7706,7 +7706,7 @@
     </p:spTree>
     <p:extLst>
       <p:ext uri="{BB962C8B-B14F-4D97-AF65-F5344CB8AC3E}">
-        <p14:creationId xmlns="" xmlns:p14="http://schemas.microsoft.com/office/powerpoint/2010/main" val="1909113337"/>
+        <p14:creationId xmlns:p14="http://schemas.microsoft.com/office/powerpoint/2010/main" xmlns="" val="1909113337"/>
       </p:ext>
     </p:extLst>
   </p:cSld>
@@ -7750,28 +7750,28 @@
             <p:ph idx="1"/>
             <p:extLst>
               <p:ext uri="{D42A27DB-BD31-4B8C-83A1-F6EECF244321}">
-                <p14:modId xmlns="" xmlns:p14="http://schemas.microsoft.com/office/powerpoint/2010/main" val="3419318785"/>
+                <p14:modId xmlns:p14="http://schemas.microsoft.com/office/powerpoint/2010/main" xmlns="" val="3419318785"/>
               </p:ext>
             </p:extLst>
           </p:nvPr>
         </p:nvGraphicFramePr>
         <p:xfrm>
-          <a:off x="2143108" y="1928802"/>
-          <a:ext cx="6786612" cy="4643470"/>
+          <a:off x="2123728" y="2564903"/>
+          <a:ext cx="6805992" cy="4104458"/>
         </p:xfrm>
         <a:graphic>
           <a:graphicData uri="http://schemas.openxmlformats.org/drawingml/2006/table">
             <a:tbl>
-              <a:tblPr firstRow="1" bandRow="1">
+              <a:tblPr firstRow="1" firstCol="1" bandRow="1">
                 <a:tableStyleId>{5C22544A-7EE6-4342-B048-85BDC9FD1C3A}</a:tableStyleId>
               </a:tblPr>
               <a:tblGrid>
-                <a:gridCol w="1696653"/>
-                <a:gridCol w="1696653"/>
-                <a:gridCol w="1696653"/>
-                <a:gridCol w="1696653"/>
+                <a:gridCol w="1701498"/>
+                <a:gridCol w="1701498"/>
+                <a:gridCol w="1701498"/>
+                <a:gridCol w="1701498"/>
               </a:tblGrid>
-              <a:tr h="748583">
+              <a:tr h="661688">
                 <a:tc>
                   <a:txBody>
                     <a:bodyPr/>
@@ -7843,7 +7843,7 @@
                   </a:tcPr>
                 </a:tc>
               </a:tr>
-              <a:tr h="748583">
+              <a:tr h="661688">
                 <a:tc>
                   <a:txBody>
                     <a:bodyPr/>
@@ -7921,7 +7921,7 @@
                   <a:tcPr marL="74010" marR="74010" anchor="ctr"/>
                 </a:tc>
               </a:tr>
-              <a:tr h="900555">
+              <a:tr h="796018">
                 <a:tc>
                   <a:txBody>
                     <a:bodyPr/>
@@ -7983,7 +7983,7 @@
                   <a:tcPr marL="74010" marR="74010" anchor="ctr"/>
                 </a:tc>
               </a:tr>
-              <a:tr h="748583">
+              <a:tr h="661688">
                 <a:tc>
                   <a:txBody>
                     <a:bodyPr/>
@@ -8069,7 +8069,7 @@
                   <a:tcPr marL="74010" marR="74010" anchor="ctr"/>
                 </a:tc>
               </a:tr>
-              <a:tr h="748583">
+              <a:tr h="661688">
                 <a:tc>
                   <a:txBody>
                     <a:bodyPr/>
@@ -8131,7 +8131,7 @@
                   <a:tcPr marL="74010" marR="74010" anchor="ctr"/>
                 </a:tc>
               </a:tr>
-              <a:tr h="748583">
+              <a:tr h="661688">
                 <a:tc>
                   <a:txBody>
                     <a:bodyPr/>
@@ -8214,7 +8214,7 @@
         </p:blipFill>
         <p:spPr bwMode="auto">
           <a:xfrm>
-            <a:off x="7429520" y="1952615"/>
+            <a:off x="7452320" y="2420888"/>
             <a:ext cx="1143008" cy="762005"/>
           </a:xfrm>
           <a:prstGeom prst="rect">
@@ -8240,7 +8240,7 @@
         </p:blipFill>
         <p:spPr bwMode="auto">
           <a:xfrm>
-            <a:off x="5786446" y="2112636"/>
+            <a:off x="5724128" y="2636912"/>
             <a:ext cx="1242477" cy="428628"/>
           </a:xfrm>
           <a:prstGeom prst="rect">
@@ -8266,7 +8266,7 @@
         </p:blipFill>
         <p:spPr bwMode="auto">
           <a:xfrm>
-            <a:off x="3857620" y="2000240"/>
+            <a:off x="3851920" y="2492896"/>
             <a:ext cx="1670055" cy="695147"/>
           </a:xfrm>
           <a:prstGeom prst="rect">
@@ -8275,10 +8275,59 @@
           <a:noFill/>
         </p:spPr>
       </p:pic>
+      <p:sp>
+        <p:nvSpPr>
+          <p:cNvPr id="6" name="Espace réservé du contenu 2"/>
+          <p:cNvSpPr txBox="1">
+            <a:spLocks/>
+          </p:cNvSpPr>
+          <p:nvPr/>
+        </p:nvSpPr>
+        <p:spPr>
+          <a:xfrm>
+            <a:off x="2357422" y="1928802"/>
+            <a:ext cx="4071966" cy="642942"/>
+          </a:xfrm>
+          <a:prstGeom prst="rect">
+            <a:avLst/>
+          </a:prstGeom>
+        </p:spPr>
+        <p:txBody>
+          <a:bodyPr vert="horz" lIns="91440" tIns="45720" rIns="91440" bIns="45720" rtlCol="0">
+            <a:normAutofit/>
+          </a:bodyPr>
+          <a:lstStyle/>
+          <a:p>
+            <a:pPr marL="0" lvl="1" algn="ctr">
+              <a:spcBef>
+                <a:spcPct val="20000"/>
+              </a:spcBef>
+            </a:pPr>
+            <a:r>
+              <a:rPr lang="fr-FR" sz="3200" dirty="0" smtClean="0"/>
+              <a:t>Tableau comparatif</a:t>
+            </a:r>
+            <a:endParaRPr kumimoji="0" lang="fr-FR" sz="2600" i="0" u="none" strike="noStrike" kern="1200" cap="none" spc="0" normalizeH="0" baseline="0" noProof="0" dirty="0" smtClean="0">
+              <a:ln>
+                <a:noFill/>
+              </a:ln>
+              <a:solidFill>
+                <a:schemeClr val="tx1"/>
+              </a:solidFill>
+              <a:effectLst/>
+              <a:uLnTx/>
+              <a:uFillTx/>
+              <a:latin typeface="+mn-lt"/>
+              <a:ea typeface="+mn-ea"/>
+              <a:cs typeface="+mn-cs"/>
+            </a:endParaRPr>
+          </a:p>
+        </p:txBody>
+      </p:sp>
     </p:spTree>
     <p:extLst>
       <p:ext uri="{BB962C8B-B14F-4D97-AF65-F5344CB8AC3E}">
-        <p14:creationId xmlns="" xmlns:p14="http://schemas.microsoft.com/office/powerpoint/2010/main" val="2066855957"/>
+        <p14:creationId xmlns:p14="http://schemas.microsoft.com/office/powerpoint/2010/main" xmlns="" val="2066855957"/>
       </p:ext>
     </p:extLst>
   </p:cSld>
@@ -8323,22 +8372,22 @@
           </p:nvPr>
         </p:nvGraphicFramePr>
         <p:xfrm>
-          <a:off x="2143109" y="1916113"/>
-          <a:ext cx="6715171" cy="4749830"/>
+          <a:off x="2123729" y="2557650"/>
+          <a:ext cx="6768000" cy="4111710"/>
         </p:xfrm>
         <a:graphic>
           <a:graphicData uri="http://schemas.openxmlformats.org/drawingml/2006/table">
             <a:tbl>
-              <a:tblPr firstRow="1" bandRow="1">
+              <a:tblPr firstRow="1" firstCol="1" bandRow="1">
                 <a:tableStyleId>{5C22544A-7EE6-4342-B048-85BDC9FD1C3A}</a:tableStyleId>
               </a:tblPr>
               <a:tblGrid>
-                <a:gridCol w="1672122"/>
-                <a:gridCol w="1672122"/>
-                <a:gridCol w="1672122"/>
-                <a:gridCol w="1698805"/>
+                <a:gridCol w="1692000"/>
+                <a:gridCol w="1692000"/>
+                <a:gridCol w="1692000"/>
+                <a:gridCol w="1692000"/>
               </a:tblGrid>
-              <a:tr h="767086">
+              <a:tr h="639050">
                 <a:tc>
                   <a:txBody>
                     <a:bodyPr/>
@@ -8406,7 +8455,7 @@
                   </a:tcPr>
                 </a:tc>
               </a:tr>
-              <a:tr h="767086">
+              <a:tr h="639050">
                 <a:tc>
                   <a:txBody>
                     <a:bodyPr/>
@@ -8498,7 +8547,7 @@
                   <a:tcPr marL="73714" marR="73714" anchor="ctr"/>
                 </a:tc>
               </a:tr>
-              <a:tr h="767086">
+              <a:tr h="639050">
                 <a:tc>
                   <a:txBody>
                     <a:bodyPr/>
@@ -8564,7 +8613,7 @@
                   <a:tcPr marL="73714" marR="73714" anchor="ctr"/>
                 </a:tc>
               </a:tr>
-              <a:tr h="892165">
+              <a:tr h="761775">
                 <a:tc>
                   <a:txBody>
                     <a:bodyPr/>
@@ -8637,7 +8686,7 @@
                   <a:tcPr marL="73714" marR="73714" anchor="ctr"/>
                 </a:tc>
               </a:tr>
-              <a:tr h="767086">
+              <a:tr h="639050">
                 <a:tc>
                   <a:txBody>
                     <a:bodyPr/>
@@ -8699,7 +8748,7 @@
                   <a:tcPr marL="73714" marR="73714" anchor="ctr"/>
                 </a:tc>
               </a:tr>
-              <a:tr h="767086">
+              <a:tr h="639050">
                 <a:tc>
                   <a:txBody>
                     <a:bodyPr/>
@@ -8781,7 +8830,7 @@
         </p:blipFill>
         <p:spPr bwMode="auto">
           <a:xfrm>
-            <a:off x="7429520" y="1952615"/>
+            <a:off x="7452320" y="2420888"/>
             <a:ext cx="1143008" cy="762005"/>
           </a:xfrm>
           <a:prstGeom prst="rect">
@@ -8807,7 +8856,7 @@
         </p:blipFill>
         <p:spPr bwMode="auto">
           <a:xfrm>
-            <a:off x="5786446" y="2112636"/>
+            <a:off x="5652120" y="2636912"/>
             <a:ext cx="1242477" cy="428628"/>
           </a:xfrm>
           <a:prstGeom prst="rect">
@@ -8833,7 +8882,7 @@
         </p:blipFill>
         <p:spPr bwMode="auto">
           <a:xfrm>
-            <a:off x="3857620" y="2000240"/>
+            <a:off x="3838049" y="2492896"/>
             <a:ext cx="1670055" cy="695147"/>
           </a:xfrm>
           <a:prstGeom prst="rect">
@@ -8842,10 +8891,59 @@
           <a:noFill/>
         </p:spPr>
       </p:pic>
+      <p:sp>
+        <p:nvSpPr>
+          <p:cNvPr id="6" name="Espace réservé du contenu 2"/>
+          <p:cNvSpPr txBox="1">
+            <a:spLocks/>
+          </p:cNvSpPr>
+          <p:nvPr/>
+        </p:nvSpPr>
+        <p:spPr>
+          <a:xfrm>
+            <a:off x="2357422" y="1928802"/>
+            <a:ext cx="4071966" cy="642942"/>
+          </a:xfrm>
+          <a:prstGeom prst="rect">
+            <a:avLst/>
+          </a:prstGeom>
+        </p:spPr>
+        <p:txBody>
+          <a:bodyPr vert="horz" lIns="91440" tIns="45720" rIns="91440" bIns="45720" rtlCol="0">
+            <a:normAutofit/>
+          </a:bodyPr>
+          <a:lstStyle/>
+          <a:p>
+            <a:pPr marL="0" lvl="1" algn="ctr">
+              <a:spcBef>
+                <a:spcPct val="20000"/>
+              </a:spcBef>
+            </a:pPr>
+            <a:r>
+              <a:rPr lang="fr-FR" sz="3200" dirty="0" smtClean="0"/>
+              <a:t>Tableau comparatif</a:t>
+            </a:r>
+            <a:endParaRPr kumimoji="0" lang="fr-FR" sz="2600" i="0" u="none" strike="noStrike" kern="1200" cap="none" spc="0" normalizeH="0" baseline="0" noProof="0" dirty="0" smtClean="0">
+              <a:ln>
+                <a:noFill/>
+              </a:ln>
+              <a:solidFill>
+                <a:schemeClr val="tx1"/>
+              </a:solidFill>
+              <a:effectLst/>
+              <a:uLnTx/>
+              <a:uFillTx/>
+              <a:latin typeface="+mn-lt"/>
+              <a:ea typeface="+mn-ea"/>
+              <a:cs typeface="+mn-cs"/>
+            </a:endParaRPr>
+          </a:p>
+        </p:txBody>
+      </p:sp>
     </p:spTree>
     <p:extLst>
       <p:ext uri="{BB962C8B-B14F-4D97-AF65-F5344CB8AC3E}">
-        <p14:creationId xmlns="" xmlns:p14="http://schemas.microsoft.com/office/powerpoint/2010/main" val="2495760150"/>
+        <p14:creationId xmlns:p14="http://schemas.microsoft.com/office/powerpoint/2010/main" xmlns="" val="2495760150"/>
       </p:ext>
     </p:extLst>
   </p:cSld>
@@ -8931,10 +9029,59 @@
           <a:noFill/>
         </p:spPr>
       </p:pic>
+      <p:sp>
+        <p:nvSpPr>
+          <p:cNvPr id="4" name="Espace réservé du contenu 2"/>
+          <p:cNvSpPr txBox="1">
+            <a:spLocks/>
+          </p:cNvSpPr>
+          <p:nvPr/>
+        </p:nvSpPr>
+        <p:spPr>
+          <a:xfrm>
+            <a:off x="2357422" y="1928802"/>
+            <a:ext cx="4071966" cy="642942"/>
+          </a:xfrm>
+          <a:prstGeom prst="rect">
+            <a:avLst/>
+          </a:prstGeom>
+        </p:spPr>
+        <p:txBody>
+          <a:bodyPr vert="horz" lIns="91440" tIns="45720" rIns="91440" bIns="45720" rtlCol="0">
+            <a:normAutofit/>
+          </a:bodyPr>
+          <a:lstStyle/>
+          <a:p>
+            <a:pPr marL="0" lvl="1" algn="ctr">
+              <a:spcBef>
+                <a:spcPct val="20000"/>
+              </a:spcBef>
+            </a:pPr>
+            <a:r>
+              <a:rPr lang="fr-FR" sz="3200" dirty="0" smtClean="0"/>
+              <a:t>Les choix</a:t>
+            </a:r>
+            <a:endParaRPr kumimoji="0" lang="fr-FR" sz="2600" i="0" u="none" strike="noStrike" kern="1200" cap="none" spc="0" normalizeH="0" baseline="0" noProof="0" dirty="0" smtClean="0">
+              <a:ln>
+                <a:noFill/>
+              </a:ln>
+              <a:solidFill>
+                <a:schemeClr val="tx1"/>
+              </a:solidFill>
+              <a:effectLst/>
+              <a:uLnTx/>
+              <a:uFillTx/>
+              <a:latin typeface="+mn-lt"/>
+              <a:ea typeface="+mn-ea"/>
+              <a:cs typeface="+mn-cs"/>
+            </a:endParaRPr>
+          </a:p>
+        </p:txBody>
+      </p:sp>
     </p:spTree>
     <p:extLst>
       <p:ext uri="{BB962C8B-B14F-4D97-AF65-F5344CB8AC3E}">
-        <p14:creationId xmlns="" xmlns:p14="http://schemas.microsoft.com/office/powerpoint/2010/main" val="2549321091"/>
+        <p14:creationId xmlns:p14="http://schemas.microsoft.com/office/powerpoint/2010/main" xmlns="" val="2549321091"/>
       </p:ext>
     </p:extLst>
   </p:cSld>
@@ -8993,38 +9140,21 @@
             <a:pPr lvl="1"/>
             <a:r>
               <a:rPr lang="fr-FR" dirty="0" smtClean="0"/>
-              <a:t>C</a:t>
-            </a:r>
+              <a:t>Créé en 2001</a:t>
+            </a:r>
+          </a:p>
+          <a:p>
+            <a:pPr lvl="1"/>
             <a:r>
               <a:rPr lang="fr-FR" dirty="0" smtClean="0"/>
-              <a:t>réé en 2001</a:t>
+              <a:t>Suite décisionnelle open source la plus utilisée au monde</a:t>
             </a:r>
           </a:p>
           <a:p>
             <a:pPr lvl="1"/>
             <a:r>
               <a:rPr lang="fr-FR" dirty="0" smtClean="0"/>
-              <a:t>Suite </a:t>
-            </a:r>
-            <a:r>
-              <a:rPr lang="fr-FR" dirty="0" smtClean="0"/>
-              <a:t>décisionnelle open </a:t>
-            </a:r>
-            <a:r>
-              <a:rPr lang="fr-FR" dirty="0" smtClean="0"/>
-              <a:t>source la plus utilisée au monde</a:t>
-            </a:r>
-            <a:endParaRPr lang="fr-FR" dirty="0" smtClean="0"/>
-          </a:p>
-          <a:p>
-            <a:pPr lvl="1"/>
-            <a:r>
-              <a:rPr lang="fr-FR" dirty="0" smtClean="0"/>
-              <a:t>Propose </a:t>
-            </a:r>
-            <a:r>
-              <a:rPr lang="fr-FR" dirty="0" smtClean="0"/>
-              <a:t>suite complète de BI</a:t>
+              <a:t>Propose suite complète de BI</a:t>
             </a:r>
           </a:p>
           <a:p>
@@ -9059,11 +9189,7 @@
             <a:pPr lvl="1"/>
             <a:r>
               <a:rPr lang="fr-FR" dirty="0" smtClean="0"/>
-              <a:t>Solution </a:t>
-            </a:r>
-            <a:r>
-              <a:rPr lang="fr-FR" dirty="0" smtClean="0"/>
-              <a:t>d’analyse et de </a:t>
+              <a:t>Solution d’analyse et de </a:t>
             </a:r>
             <a:r>
               <a:rPr lang="fr-FR" dirty="0" err="1" smtClean="0"/>
@@ -9186,7 +9312,7 @@
     </p:spTree>
     <p:extLst>
       <p:ext uri="{BB962C8B-B14F-4D97-AF65-F5344CB8AC3E}">
-        <p14:creationId xmlns="" xmlns:p14="http://schemas.microsoft.com/office/powerpoint/2010/main" val="3094988837"/>
+        <p14:creationId xmlns:p14="http://schemas.microsoft.com/office/powerpoint/2010/main" xmlns="" val="3094988837"/>
       </p:ext>
     </p:extLst>
   </p:cSld>
@@ -9245,30 +9371,14 @@
             <a:pPr lvl="1"/>
             <a:r>
               <a:rPr lang="fr-FR" dirty="0" smtClean="0"/>
-              <a:t>C</a:t>
-            </a:r>
+              <a:t>Créer un modèle de rapport</a:t>
+            </a:r>
+          </a:p>
+          <a:p>
+            <a:pPr lvl="1"/>
             <a:r>
               <a:rPr lang="fr-FR" dirty="0" smtClean="0"/>
-              <a:t>réer </a:t>
-            </a:r>
-            <a:r>
-              <a:rPr lang="fr-FR" dirty="0" smtClean="0"/>
-              <a:t>un modèle de rapport</a:t>
-            </a:r>
-          </a:p>
-          <a:p>
-            <a:pPr lvl="1"/>
-            <a:r>
-              <a:rPr lang="fr-FR" dirty="0" smtClean="0"/>
-              <a:t>O</a:t>
-            </a:r>
-            <a:r>
-              <a:rPr lang="fr-FR" dirty="0" smtClean="0"/>
-              <a:t>btenir </a:t>
-            </a:r>
-            <a:r>
-              <a:rPr lang="fr-FR" dirty="0" smtClean="0"/>
-              <a:t>un fichier XML</a:t>
+              <a:t>Obtenir un fichier XML</a:t>
             </a:r>
           </a:p>
           <a:p>
@@ -9381,7 +9491,7 @@
     </p:spTree>
     <p:extLst>
       <p:ext uri="{BB962C8B-B14F-4D97-AF65-F5344CB8AC3E}">
-        <p14:creationId xmlns="" xmlns:p14="http://schemas.microsoft.com/office/powerpoint/2010/main" val="35597220"/>
+        <p14:creationId xmlns:p14="http://schemas.microsoft.com/office/powerpoint/2010/main" xmlns="" val="35597220"/>
       </p:ext>
     </p:extLst>
   </p:cSld>
@@ -9836,7 +9946,7 @@
     </p:spTree>
     <p:extLst>
       <p:ext uri="{BB962C8B-B14F-4D97-AF65-F5344CB8AC3E}">
-        <p14:creationId xmlns="" xmlns:p14="http://schemas.microsoft.com/office/powerpoint/2010/main" val="2641382308"/>
+        <p14:creationId xmlns:p14="http://schemas.microsoft.com/office/powerpoint/2010/main" xmlns="" val="2641382308"/>
       </p:ext>
     </p:extLst>
   </p:cSld>
@@ -9905,15 +10015,7 @@
             <a:pPr lvl="1"/>
             <a:r>
               <a:rPr lang="fr-FR" dirty="0" smtClean="0"/>
-              <a:t>Créé </a:t>
-            </a:r>
-            <a:r>
-              <a:rPr lang="fr-FR" dirty="0" smtClean="0"/>
-              <a:t>en 1993 en </a:t>
-            </a:r>
-            <a:r>
-              <a:rPr lang="fr-FR" dirty="0" smtClean="0"/>
-              <a:t>Suède</a:t>
+              <a:t>Créé en 1993 en Suède</a:t>
             </a:r>
           </a:p>
           <a:p>
@@ -9922,7 +10024,6 @@
               <a:rPr lang="fr-FR" dirty="0" smtClean="0"/>
               <a:t>Plus de 500 partenaires au monde</a:t>
             </a:r>
-            <a:endParaRPr lang="fr-FR" dirty="0" smtClean="0"/>
           </a:p>
           <a:p>
             <a:pPr lvl="1"/>
@@ -9935,11 +10036,7 @@
             <a:pPr lvl="1"/>
             <a:r>
               <a:rPr lang="fr-FR" dirty="0" smtClean="0"/>
-              <a:t>A développé des approches innovantes en matière d'accès, de gestion et d'interaction avec les </a:t>
-            </a:r>
-            <a:r>
-              <a:rPr lang="fr-FR" dirty="0" smtClean="0"/>
-              <a:t>données</a:t>
+              <a:t>A développé des approches innovantes en matière d'accès, de gestion et d'interaction avec les données</a:t>
             </a:r>
           </a:p>
           <a:p>
@@ -10040,7 +10137,7 @@
     </p:spTree>
     <p:extLst>
       <p:ext uri="{BB962C8B-B14F-4D97-AF65-F5344CB8AC3E}">
-        <p14:creationId xmlns="" xmlns:p14="http://schemas.microsoft.com/office/powerpoint/2010/main" val="2289717005"/>
+        <p14:creationId xmlns:p14="http://schemas.microsoft.com/office/powerpoint/2010/main" xmlns="" val="2289717005"/>
       </p:ext>
     </p:extLst>
   </p:cSld>
@@ -10106,11 +10203,7 @@
             <a:pPr lvl="1"/>
             <a:r>
               <a:rPr lang="fr-FR" dirty="0" smtClean="0"/>
-              <a:t>Rendu </a:t>
-            </a:r>
-            <a:r>
-              <a:rPr lang="fr-FR" dirty="0" smtClean="0"/>
-              <a:t>de l’analyse facile, utile et passionnante</a:t>
+              <a:t>Rendu de l’analyse facile, utile et passionnante</a:t>
             </a:r>
           </a:p>
           <a:p>
@@ -10256,7 +10349,7 @@
     </p:spTree>
     <p:extLst>
       <p:ext uri="{BB962C8B-B14F-4D97-AF65-F5344CB8AC3E}">
-        <p14:creationId xmlns="" xmlns:p14="http://schemas.microsoft.com/office/powerpoint/2010/main" val="2084448623"/>
+        <p14:creationId xmlns:p14="http://schemas.microsoft.com/office/powerpoint/2010/main" xmlns="" val="2084448623"/>
       </p:ext>
     </p:extLst>
   </p:cSld>
@@ -10611,7 +10704,7 @@
     </p:spTree>
     <p:extLst>
       <p:ext uri="{BB962C8B-B14F-4D97-AF65-F5344CB8AC3E}">
-        <p14:creationId xmlns="" xmlns:p14="http://schemas.microsoft.com/office/powerpoint/2010/main" val="3544314285"/>
+        <p14:creationId xmlns:p14="http://schemas.microsoft.com/office/powerpoint/2010/main" xmlns="" val="3544314285"/>
       </p:ext>
     </p:extLst>
   </p:cSld>
@@ -10673,13 +10766,8 @@
             </a:pPr>
             <a:r>
               <a:rPr lang="fr-FR" sz="2200" dirty="0" smtClean="0"/>
-              <a:t>Entreprise </a:t>
-            </a:r>
-            <a:r>
-              <a:rPr lang="fr-FR" sz="2200" dirty="0" smtClean="0"/>
-              <a:t>française créée en 1983</a:t>
-            </a:r>
-            <a:endParaRPr lang="fr-FR" sz="2200" dirty="0" smtClean="0"/>
+              <a:t>Entreprise française créée en 1983</a:t>
+            </a:r>
           </a:p>
           <a:p>
             <a:pPr marL="342900" lvl="1" indent="-342900">
@@ -10958,46 +11046,15 @@
                 <a:ea typeface="+mn-ea"/>
                 <a:cs typeface="+mn-cs"/>
               </a:rPr>
-              <a:t> </a:t>
-            </a:r>
-            <a:r>
-              <a:rPr kumimoji="0" lang="fr-FR" sz="2600" i="0" u="none" strike="noStrike" kern="1200" cap="none" spc="0" normalizeH="0" baseline="0" noProof="0" dirty="0" smtClean="0">
-                <a:ln>
-                  <a:noFill/>
-                </a:ln>
-                <a:solidFill>
-                  <a:schemeClr val="tx1"/>
-                </a:solidFill>
-                <a:effectLst/>
-                <a:uLnTx/>
-                <a:uFillTx/>
-                <a:latin typeface="+mn-lt"/>
-                <a:ea typeface="+mn-ea"/>
-                <a:cs typeface="+mn-cs"/>
-              </a:rPr>
-              <a:t>System</a:t>
-            </a:r>
-            <a:endParaRPr kumimoji="0" lang="fr-FR" sz="2600" i="0" u="none" strike="noStrike" kern="1200" cap="none" spc="0" normalizeH="0" baseline="0" noProof="0" dirty="0" smtClean="0">
-              <a:ln>
-                <a:noFill/>
-              </a:ln>
-              <a:solidFill>
-                <a:schemeClr val="tx1"/>
-              </a:solidFill>
-              <a:effectLst/>
-              <a:uLnTx/>
-              <a:uFillTx/>
-              <a:latin typeface="+mn-lt"/>
-              <a:ea typeface="+mn-ea"/>
-              <a:cs typeface="+mn-cs"/>
-            </a:endParaRPr>
+              <a:t> System</a:t>
+            </a:r>
           </a:p>
         </p:txBody>
       </p:sp>
     </p:spTree>
     <p:extLst>
       <p:ext uri="{BB962C8B-B14F-4D97-AF65-F5344CB8AC3E}">
-        <p14:creationId xmlns="" xmlns:p14="http://schemas.microsoft.com/office/powerpoint/2010/main" val="2994739759"/>
+        <p14:creationId xmlns:p14="http://schemas.microsoft.com/office/powerpoint/2010/main" xmlns="" val="2994739759"/>
       </p:ext>
     </p:extLst>
   </p:cSld>
@@ -11194,7 +11251,7 @@
     </p:spTree>
     <p:extLst>
       <p:ext uri="{BB962C8B-B14F-4D97-AF65-F5344CB8AC3E}">
-        <p14:creationId xmlns="" xmlns:p14="http://schemas.microsoft.com/office/powerpoint/2010/main" val="2433743007"/>
+        <p14:creationId xmlns:p14="http://schemas.microsoft.com/office/powerpoint/2010/main" xmlns="" val="2433743007"/>
       </p:ext>
     </p:extLst>
   </p:cSld>

--- a/trunk/PROJET/Soutenance Finale/slides_Architecture_Restitution.pptx
+++ b/trunk/PROJET/Soutenance Finale/slides_Architecture_Restitution.pptx
@@ -305,7 +305,7 @@
     </p:spTree>
     <p:extLst>
       <p:ext uri="{BB962C8B-B14F-4D97-AF65-F5344CB8AC3E}">
-        <p14:creationId xmlns:p14="http://schemas.microsoft.com/office/powerpoint/2010/main" xmlns="" val="4221189785"/>
+        <p14:creationId xmlns="" xmlns:p14="http://schemas.microsoft.com/office/powerpoint/2010/main" val="4221189785"/>
       </p:ext>
     </p:extLst>
   </p:cSld>
@@ -572,7 +572,7 @@
     </p:spTree>
     <p:extLst>
       <p:ext uri="{BB962C8B-B14F-4D97-AF65-F5344CB8AC3E}">
-        <p14:creationId xmlns:p14="http://schemas.microsoft.com/office/powerpoint/2010/main" xmlns="" val="3995352695"/>
+        <p14:creationId xmlns="" xmlns:p14="http://schemas.microsoft.com/office/powerpoint/2010/main" val="3995352695"/>
       </p:ext>
     </p:extLst>
   </p:cSld>
@@ -7008,30 +7008,6 @@
       </p:sp>
       <p:sp>
         <p:nvSpPr>
-          <p:cNvPr id="2" name="Titre 1"/>
-          <p:cNvSpPr>
-            <a:spLocks noGrp="1"/>
-          </p:cNvSpPr>
-          <p:nvPr>
-            <p:ph type="title" idx="4294967295"/>
-          </p:nvPr>
-        </p:nvSpPr>
-        <p:spPr>
-          <a:xfrm>
-            <a:off x="0" y="274638"/>
-            <a:ext cx="8229600" cy="1143000"/>
-          </a:xfrm>
-        </p:spPr>
-        <p:txBody>
-          <a:bodyPr/>
-          <a:lstStyle/>
-          <a:p>
-            <a:endParaRPr lang="fr-FR" dirty="0"/>
-          </a:p>
-        </p:txBody>
-      </p:sp>
-      <p:sp>
-        <p:nvSpPr>
           <p:cNvPr id="4" name="Espace réservé du contenu 2"/>
           <p:cNvSpPr txBox="1">
             <a:spLocks/>
@@ -7082,7 +7058,7 @@
     </p:spTree>
     <p:extLst>
       <p:ext uri="{BB962C8B-B14F-4D97-AF65-F5344CB8AC3E}">
-        <p14:creationId xmlns:p14="http://schemas.microsoft.com/office/powerpoint/2010/main" xmlns="" val="2032910018"/>
+        <p14:creationId xmlns="" xmlns:p14="http://schemas.microsoft.com/office/powerpoint/2010/main" val="2032910018"/>
       </p:ext>
     </p:extLst>
   </p:cSld>
@@ -7170,34 +7146,6 @@
           </a:p>
         </p:txBody>
       </p:sp>
-      <p:sp>
-        <p:nvSpPr>
-          <p:cNvPr id="2" name="Titre 1"/>
-          <p:cNvSpPr>
-            <a:spLocks noGrp="1"/>
-          </p:cNvSpPr>
-          <p:nvPr>
-            <p:ph type="title" idx="4294967295"/>
-          </p:nvPr>
-        </p:nvSpPr>
-        <p:spPr>
-          <a:xfrm>
-            <a:off x="0" y="274638"/>
-            <a:ext cx="8229600" cy="1143000"/>
-          </a:xfrm>
-        </p:spPr>
-        <p:txBody>
-          <a:bodyPr/>
-          <a:lstStyle/>
-          <a:p>
-            <a:r>
-              <a:rPr lang="fr-FR" dirty="0" smtClean="0"/>
-              <a:t>Présentation logiciels -SAS</a:t>
-            </a:r>
-            <a:endParaRPr lang="fr-FR" dirty="0"/>
-          </a:p>
-        </p:txBody>
-      </p:sp>
       <p:pic>
         <p:nvPicPr>
           <p:cNvPr id="4" name="Picture 2" descr="http://www.formations-sas.fr/wp-content/gallery/cache/2__350x226_cycle-sas-seg.png"/>
@@ -7276,7 +7224,7 @@
     </p:spTree>
     <p:extLst>
       <p:ext uri="{BB962C8B-B14F-4D97-AF65-F5344CB8AC3E}">
-        <p14:creationId xmlns:p14="http://schemas.microsoft.com/office/powerpoint/2010/main" xmlns="" val="1601579563"/>
+        <p14:creationId xmlns="" xmlns:p14="http://schemas.microsoft.com/office/powerpoint/2010/main" val="1601579563"/>
       </p:ext>
     </p:extLst>
   </p:cSld>
@@ -7706,7 +7654,7 @@
     </p:spTree>
     <p:extLst>
       <p:ext uri="{BB962C8B-B14F-4D97-AF65-F5344CB8AC3E}">
-        <p14:creationId xmlns:p14="http://schemas.microsoft.com/office/powerpoint/2010/main" xmlns="" val="1909113337"/>
+        <p14:creationId xmlns="" xmlns:p14="http://schemas.microsoft.com/office/powerpoint/2010/main" val="1909113337"/>
       </p:ext>
     </p:extLst>
   </p:cSld>
@@ -7750,7 +7698,7 @@
             <p:ph idx="1"/>
             <p:extLst>
               <p:ext uri="{D42A27DB-BD31-4B8C-83A1-F6EECF244321}">
-                <p14:modId xmlns:p14="http://schemas.microsoft.com/office/powerpoint/2010/main" xmlns="" val="3419318785"/>
+                <p14:modId xmlns="" xmlns:p14="http://schemas.microsoft.com/office/powerpoint/2010/main" val="3419318785"/>
               </p:ext>
             </p:extLst>
           </p:nvPr>
@@ -8327,7 +8275,7 @@
     </p:spTree>
     <p:extLst>
       <p:ext uri="{BB962C8B-B14F-4D97-AF65-F5344CB8AC3E}">
-        <p14:creationId xmlns:p14="http://schemas.microsoft.com/office/powerpoint/2010/main" xmlns="" val="2066855957"/>
+        <p14:creationId xmlns="" xmlns:p14="http://schemas.microsoft.com/office/powerpoint/2010/main" val="2066855957"/>
       </p:ext>
     </p:extLst>
   </p:cSld>
@@ -8943,7 +8891,7 @@
     </p:spTree>
     <p:extLst>
       <p:ext uri="{BB962C8B-B14F-4D97-AF65-F5344CB8AC3E}">
-        <p14:creationId xmlns:p14="http://schemas.microsoft.com/office/powerpoint/2010/main" xmlns="" val="2495760150"/>
+        <p14:creationId xmlns="" xmlns:p14="http://schemas.microsoft.com/office/powerpoint/2010/main" val="2495760150"/>
       </p:ext>
     </p:extLst>
   </p:cSld>
@@ -9059,7 +9007,15 @@
             </a:pPr>
             <a:r>
               <a:rPr lang="fr-FR" sz="3200" dirty="0" smtClean="0"/>
-              <a:t>Les choix</a:t>
+              <a:t>No</a:t>
+            </a:r>
+            <a:r>
+              <a:rPr lang="fr-FR" sz="3200" dirty="0" smtClean="0"/>
+              <a:t>s </a:t>
+            </a:r>
+            <a:r>
+              <a:rPr lang="fr-FR" sz="3200" dirty="0" smtClean="0"/>
+              <a:t>choix</a:t>
             </a:r>
             <a:endParaRPr kumimoji="0" lang="fr-FR" sz="2600" i="0" u="none" strike="noStrike" kern="1200" cap="none" spc="0" normalizeH="0" baseline="0" noProof="0" dirty="0" smtClean="0">
               <a:ln>
@@ -9081,7 +9037,7 @@
     </p:spTree>
     <p:extLst>
       <p:ext uri="{BB962C8B-B14F-4D97-AF65-F5344CB8AC3E}">
-        <p14:creationId xmlns:p14="http://schemas.microsoft.com/office/powerpoint/2010/main" xmlns="" val="2549321091"/>
+        <p14:creationId xmlns="" xmlns:p14="http://schemas.microsoft.com/office/powerpoint/2010/main" val="2549321091"/>
       </p:ext>
     </p:extLst>
   </p:cSld>
@@ -9208,34 +9164,6 @@
       </p:sp>
       <p:sp>
         <p:nvSpPr>
-          <p:cNvPr id="2" name="Titre 1"/>
-          <p:cNvSpPr>
-            <a:spLocks noGrp="1"/>
-          </p:cNvSpPr>
-          <p:nvPr>
-            <p:ph type="title" idx="4294967295"/>
-          </p:nvPr>
-        </p:nvSpPr>
-        <p:spPr>
-          <a:xfrm>
-            <a:off x="0" y="274638"/>
-            <a:ext cx="8229600" cy="1143000"/>
-          </a:xfrm>
-        </p:spPr>
-        <p:txBody>
-          <a:bodyPr/>
-          <a:lstStyle/>
-          <a:p>
-            <a:r>
-              <a:rPr lang="fr-FR" dirty="0" smtClean="0"/>
-              <a:t>Présentation logiciels -Jasper</a:t>
-            </a:r>
-            <a:endParaRPr lang="fr-FR" dirty="0"/>
-          </a:p>
-        </p:txBody>
-      </p:sp>
-      <p:sp>
-        <p:nvSpPr>
           <p:cNvPr id="4" name="Espace réservé du contenu 2"/>
           <p:cNvSpPr txBox="1">
             <a:spLocks/>
@@ -9312,7 +9240,7 @@
     </p:spTree>
     <p:extLst>
       <p:ext uri="{BB962C8B-B14F-4D97-AF65-F5344CB8AC3E}">
-        <p14:creationId xmlns:p14="http://schemas.microsoft.com/office/powerpoint/2010/main" xmlns="" val="3094988837"/>
+        <p14:creationId xmlns="" xmlns:p14="http://schemas.microsoft.com/office/powerpoint/2010/main" val="3094988837"/>
       </p:ext>
     </p:extLst>
   </p:cSld>
@@ -9413,34 +9341,6 @@
       </p:sp>
       <p:sp>
         <p:nvSpPr>
-          <p:cNvPr id="4" name="Titre 1"/>
-          <p:cNvSpPr>
-            <a:spLocks noGrp="1"/>
-          </p:cNvSpPr>
-          <p:nvPr>
-            <p:ph type="title" idx="4294967295"/>
-          </p:nvPr>
-        </p:nvSpPr>
-        <p:spPr>
-          <a:xfrm>
-            <a:off x="0" y="274638"/>
-            <a:ext cx="8229600" cy="1143000"/>
-          </a:xfrm>
-        </p:spPr>
-        <p:txBody>
-          <a:bodyPr/>
-          <a:lstStyle/>
-          <a:p>
-            <a:r>
-              <a:rPr lang="fr-FR" dirty="0" smtClean="0"/>
-              <a:t>Présentation logiciels -Jasper</a:t>
-            </a:r>
-            <a:endParaRPr lang="fr-FR" dirty="0"/>
-          </a:p>
-        </p:txBody>
-      </p:sp>
-      <p:sp>
-        <p:nvSpPr>
           <p:cNvPr id="5" name="Espace réservé du contenu 2"/>
           <p:cNvSpPr txBox="1">
             <a:spLocks/>
@@ -9491,7 +9391,7 @@
     </p:spTree>
     <p:extLst>
       <p:ext uri="{BB962C8B-B14F-4D97-AF65-F5344CB8AC3E}">
-        <p14:creationId xmlns:p14="http://schemas.microsoft.com/office/powerpoint/2010/main" xmlns="" val="35597220"/>
+        <p14:creationId xmlns="" xmlns:p14="http://schemas.microsoft.com/office/powerpoint/2010/main" val="35597220"/>
       </p:ext>
     </p:extLst>
   </p:cSld>
@@ -9603,34 +9503,6 @@
           </a:p>
         </p:txBody>
       </p:sp>
-      <p:sp>
-        <p:nvSpPr>
-          <p:cNvPr id="4" name="Titre 1"/>
-          <p:cNvSpPr>
-            <a:spLocks noGrp="1"/>
-          </p:cNvSpPr>
-          <p:nvPr>
-            <p:ph type="title" idx="4294967295"/>
-          </p:nvPr>
-        </p:nvSpPr>
-        <p:spPr>
-          <a:xfrm>
-            <a:off x="0" y="274638"/>
-            <a:ext cx="8229600" cy="1143000"/>
-          </a:xfrm>
-        </p:spPr>
-        <p:txBody>
-          <a:bodyPr/>
-          <a:lstStyle/>
-          <a:p>
-            <a:r>
-              <a:rPr lang="fr-FR" dirty="0" smtClean="0"/>
-              <a:t>Présentation logiciels -Jasper</a:t>
-            </a:r>
-            <a:endParaRPr lang="fr-FR" dirty="0"/>
-          </a:p>
-        </p:txBody>
-      </p:sp>
       <p:pic>
         <p:nvPicPr>
           <p:cNvPr id="5" name="Picture 4" descr="http://www.plongeur.com/magazine/wp-content/uploads/2007/12/plus.jpg"/>
@@ -9946,7 +9818,7 @@
     </p:spTree>
     <p:extLst>
       <p:ext uri="{BB962C8B-B14F-4D97-AF65-F5344CB8AC3E}">
-        <p14:creationId xmlns:p14="http://schemas.microsoft.com/office/powerpoint/2010/main" xmlns="" val="2641382308"/>
+        <p14:creationId xmlns="" xmlns:p14="http://schemas.microsoft.com/office/powerpoint/2010/main" val="2641382308"/>
       </p:ext>
     </p:extLst>
   </p:cSld>
@@ -10055,38 +9927,6 @@
       </p:sp>
       <p:sp>
         <p:nvSpPr>
-          <p:cNvPr id="4" name="Titre 1"/>
-          <p:cNvSpPr>
-            <a:spLocks noGrp="1"/>
-          </p:cNvSpPr>
-          <p:nvPr>
-            <p:ph type="title" idx="4294967295"/>
-          </p:nvPr>
-        </p:nvSpPr>
-        <p:spPr>
-          <a:xfrm>
-            <a:off x="0" y="274638"/>
-            <a:ext cx="8229600" cy="1143000"/>
-          </a:xfrm>
-        </p:spPr>
-        <p:txBody>
-          <a:bodyPr/>
-          <a:lstStyle/>
-          <a:p>
-            <a:r>
-              <a:rPr lang="fr-FR" dirty="0" smtClean="0"/>
-              <a:t>Présentation logiciels -</a:t>
-            </a:r>
-            <a:r>
-              <a:rPr lang="fr-FR" dirty="0" err="1" smtClean="0"/>
-              <a:t>Qlikview</a:t>
-            </a:r>
-            <a:endParaRPr lang="fr-FR" dirty="0"/>
-          </a:p>
-        </p:txBody>
-      </p:sp>
-      <p:sp>
-        <p:nvSpPr>
           <p:cNvPr id="5" name="Espace réservé du contenu 2"/>
           <p:cNvSpPr txBox="1">
             <a:spLocks/>
@@ -10137,7 +9977,7 @@
     </p:spTree>
     <p:extLst>
       <p:ext uri="{BB962C8B-B14F-4D97-AF65-F5344CB8AC3E}">
-        <p14:creationId xmlns:p14="http://schemas.microsoft.com/office/powerpoint/2010/main" xmlns="" val="2289717005"/>
+        <p14:creationId xmlns="" xmlns:p14="http://schemas.microsoft.com/office/powerpoint/2010/main" val="2289717005"/>
       </p:ext>
     </p:extLst>
   </p:cSld>
@@ -10237,38 +10077,6 @@
       </p:sp>
       <p:sp>
         <p:nvSpPr>
-          <p:cNvPr id="4" name="Titre 1"/>
-          <p:cNvSpPr>
-            <a:spLocks noGrp="1"/>
-          </p:cNvSpPr>
-          <p:nvPr>
-            <p:ph type="title" idx="4294967295"/>
-          </p:nvPr>
-        </p:nvSpPr>
-        <p:spPr>
-          <a:xfrm>
-            <a:off x="0" y="274638"/>
-            <a:ext cx="8229600" cy="1143000"/>
-          </a:xfrm>
-        </p:spPr>
-        <p:txBody>
-          <a:bodyPr/>
-          <a:lstStyle/>
-          <a:p>
-            <a:r>
-              <a:rPr lang="fr-FR" dirty="0" smtClean="0"/>
-              <a:t>Présentation logiciels -</a:t>
-            </a:r>
-            <a:r>
-              <a:rPr lang="fr-FR" dirty="0" err="1" smtClean="0"/>
-              <a:t>Qlikview</a:t>
-            </a:r>
-            <a:endParaRPr lang="fr-FR" dirty="0"/>
-          </a:p>
-        </p:txBody>
-      </p:sp>
-      <p:sp>
-        <p:nvSpPr>
           <p:cNvPr id="5" name="Espace réservé du contenu 2"/>
           <p:cNvSpPr txBox="1">
             <a:spLocks/>
@@ -10349,7 +10157,7 @@
     </p:spTree>
     <p:extLst>
       <p:ext uri="{BB962C8B-B14F-4D97-AF65-F5344CB8AC3E}">
-        <p14:creationId xmlns:p14="http://schemas.microsoft.com/office/powerpoint/2010/main" xmlns="" val="2084448623"/>
+        <p14:creationId xmlns="" xmlns:p14="http://schemas.microsoft.com/office/powerpoint/2010/main" val="2084448623"/>
       </p:ext>
     </p:extLst>
   </p:cSld>
@@ -10463,38 +10271,6 @@
       </p:sp>
       <p:sp>
         <p:nvSpPr>
-          <p:cNvPr id="4" name="Titre 1"/>
-          <p:cNvSpPr>
-            <a:spLocks noGrp="1"/>
-          </p:cNvSpPr>
-          <p:nvPr>
-            <p:ph type="title" idx="4294967295"/>
-          </p:nvPr>
-        </p:nvSpPr>
-        <p:spPr>
-          <a:xfrm>
-            <a:off x="0" y="274638"/>
-            <a:ext cx="8229600" cy="1143000"/>
-          </a:xfrm>
-        </p:spPr>
-        <p:txBody>
-          <a:bodyPr/>
-          <a:lstStyle/>
-          <a:p>
-            <a:r>
-              <a:rPr lang="fr-FR" dirty="0" smtClean="0"/>
-              <a:t>Présentation logiciels -</a:t>
-            </a:r>
-            <a:r>
-              <a:rPr lang="fr-FR" dirty="0" err="1" smtClean="0"/>
-              <a:t>Qlikview</a:t>
-            </a:r>
-            <a:endParaRPr lang="fr-FR" dirty="0"/>
-          </a:p>
-        </p:txBody>
-      </p:sp>
-      <p:sp>
-        <p:nvSpPr>
           <p:cNvPr id="9" name="Espace réservé du contenu 2"/>
           <p:cNvSpPr txBox="1">
             <a:spLocks/>
@@ -10704,7 +10480,7 @@
     </p:spTree>
     <p:extLst>
       <p:ext uri="{BB962C8B-B14F-4D97-AF65-F5344CB8AC3E}">
-        <p14:creationId xmlns:p14="http://schemas.microsoft.com/office/powerpoint/2010/main" xmlns="" val="3544314285"/>
+        <p14:creationId xmlns="" xmlns:p14="http://schemas.microsoft.com/office/powerpoint/2010/main" val="3544314285"/>
       </p:ext>
     </p:extLst>
   </p:cSld>
@@ -11054,7 +10830,7 @@
     </p:spTree>
     <p:extLst>
       <p:ext uri="{BB962C8B-B14F-4D97-AF65-F5344CB8AC3E}">
-        <p14:creationId xmlns:p14="http://schemas.microsoft.com/office/powerpoint/2010/main" xmlns="" val="2994739759"/>
+        <p14:creationId xmlns="" xmlns:p14="http://schemas.microsoft.com/office/powerpoint/2010/main" val="2994739759"/>
       </p:ext>
     </p:extLst>
   </p:cSld>
@@ -11251,7 +11027,7 @@
     </p:spTree>
     <p:extLst>
       <p:ext uri="{BB962C8B-B14F-4D97-AF65-F5344CB8AC3E}">
-        <p14:creationId xmlns:p14="http://schemas.microsoft.com/office/powerpoint/2010/main" xmlns="" val="2433743007"/>
+        <p14:creationId xmlns="" xmlns:p14="http://schemas.microsoft.com/office/powerpoint/2010/main" val="2433743007"/>
       </p:ext>
     </p:extLst>
   </p:cSld>

--- a/trunk/PROJET/Soutenance Finale/slides_Architecture_Restitution.pptx
+++ b/trunk/PROJET/Soutenance Finale/slides_Architecture_Restitution.pptx
@@ -132,16 +132,6 @@
 </p:cmAuthorLst>
 </file>
 
-<file path=ppt/comments/comment1.xml><?xml version="1.0" encoding="utf-8"?>
-<p:cmLst xmlns:a="http://schemas.openxmlformats.org/drawingml/2006/main" xmlns:r="http://schemas.openxmlformats.org/officeDocument/2006/relationships" xmlns:p="http://schemas.openxmlformats.org/presentationml/2006/main">
-  <p:cm authorId="0" dt="2011-02-16T11:39:20.959" idx="36">
-    <p:pos x="4341" y="2571"/>
-    <p:text>attentes bdd
-titre</p:text>
-  </p:cm>
-</p:cmLst>
-</file>
-
 <file path=ppt/handoutMasters/handoutMaster1.xml><?xml version="1.0" encoding="utf-8"?>
 <p:handoutMaster xmlns:a="http://schemas.openxmlformats.org/drawingml/2006/main" xmlns:r="http://schemas.openxmlformats.org/officeDocument/2006/relationships" xmlns:p="http://schemas.openxmlformats.org/presentationml/2006/main">
   <p:cSld>
@@ -305,7 +295,7 @@
     </p:spTree>
     <p:extLst>
       <p:ext uri="{BB962C8B-B14F-4D97-AF65-F5344CB8AC3E}">
-        <p14:creationId xmlns="" xmlns:p14="http://schemas.microsoft.com/office/powerpoint/2010/main" val="4221189785"/>
+        <p14:creationId xmlns:p14="http://schemas.microsoft.com/office/powerpoint/2010/main" xmlns="" val="4221189785"/>
       </p:ext>
     </p:extLst>
   </p:cSld>
@@ -572,7 +562,7 @@
     </p:spTree>
     <p:extLst>
       <p:ext uri="{BB962C8B-B14F-4D97-AF65-F5344CB8AC3E}">
-        <p14:creationId xmlns="" xmlns:p14="http://schemas.microsoft.com/office/powerpoint/2010/main" val="3995352695"/>
+        <p14:creationId xmlns:p14="http://schemas.microsoft.com/office/powerpoint/2010/main" xmlns="" val="3995352695"/>
       </p:ext>
     </p:extLst>
   </p:cSld>
@@ -7058,7 +7048,7 @@
     </p:spTree>
     <p:extLst>
       <p:ext uri="{BB962C8B-B14F-4D97-AF65-F5344CB8AC3E}">
-        <p14:creationId xmlns="" xmlns:p14="http://schemas.microsoft.com/office/powerpoint/2010/main" val="2032910018"/>
+        <p14:creationId xmlns:p14="http://schemas.microsoft.com/office/powerpoint/2010/main" xmlns="" val="2032910018"/>
       </p:ext>
     </p:extLst>
   </p:cSld>
@@ -7224,7 +7214,7 @@
     </p:spTree>
     <p:extLst>
       <p:ext uri="{BB962C8B-B14F-4D97-AF65-F5344CB8AC3E}">
-        <p14:creationId xmlns="" xmlns:p14="http://schemas.microsoft.com/office/powerpoint/2010/main" val="1601579563"/>
+        <p14:creationId xmlns:p14="http://schemas.microsoft.com/office/powerpoint/2010/main" xmlns="" val="1601579563"/>
       </p:ext>
     </p:extLst>
   </p:cSld>
@@ -7654,7 +7644,7 @@
     </p:spTree>
     <p:extLst>
       <p:ext uri="{BB962C8B-B14F-4D97-AF65-F5344CB8AC3E}">
-        <p14:creationId xmlns="" xmlns:p14="http://schemas.microsoft.com/office/powerpoint/2010/main" val="1909113337"/>
+        <p14:creationId xmlns:p14="http://schemas.microsoft.com/office/powerpoint/2010/main" xmlns="" val="1909113337"/>
       </p:ext>
     </p:extLst>
   </p:cSld>
@@ -7698,7 +7688,7 @@
             <p:ph idx="1"/>
             <p:extLst>
               <p:ext uri="{D42A27DB-BD31-4B8C-83A1-F6EECF244321}">
-                <p14:modId xmlns="" xmlns:p14="http://schemas.microsoft.com/office/powerpoint/2010/main" val="3419318785"/>
+                <p14:modId xmlns:p14="http://schemas.microsoft.com/office/powerpoint/2010/main" xmlns="" val="3419318785"/>
               </p:ext>
             </p:extLst>
           </p:nvPr>
@@ -8275,7 +8265,7 @@
     </p:spTree>
     <p:extLst>
       <p:ext uri="{BB962C8B-B14F-4D97-AF65-F5344CB8AC3E}">
-        <p14:creationId xmlns="" xmlns:p14="http://schemas.microsoft.com/office/powerpoint/2010/main" val="2066855957"/>
+        <p14:creationId xmlns:p14="http://schemas.microsoft.com/office/powerpoint/2010/main" xmlns="" val="2066855957"/>
       </p:ext>
     </p:extLst>
   </p:cSld>
@@ -8891,7 +8881,7 @@
     </p:spTree>
     <p:extLst>
       <p:ext uri="{BB962C8B-B14F-4D97-AF65-F5344CB8AC3E}">
-        <p14:creationId xmlns="" xmlns:p14="http://schemas.microsoft.com/office/powerpoint/2010/main" val="2495760150"/>
+        <p14:creationId xmlns:p14="http://schemas.microsoft.com/office/powerpoint/2010/main" xmlns="" val="2495760150"/>
       </p:ext>
     </p:extLst>
   </p:cSld>
@@ -9007,15 +8997,7 @@
             </a:pPr>
             <a:r>
               <a:rPr lang="fr-FR" sz="3200" dirty="0" smtClean="0"/>
-              <a:t>No</a:t>
-            </a:r>
-            <a:r>
-              <a:rPr lang="fr-FR" sz="3200" dirty="0" smtClean="0"/>
-              <a:t>s </a:t>
-            </a:r>
-            <a:r>
-              <a:rPr lang="fr-FR" sz="3200" dirty="0" smtClean="0"/>
-              <a:t>choix</a:t>
+              <a:t>Nos choix</a:t>
             </a:r>
             <a:endParaRPr kumimoji="0" lang="fr-FR" sz="2600" i="0" u="none" strike="noStrike" kern="1200" cap="none" spc="0" normalizeH="0" baseline="0" noProof="0" dirty="0" smtClean="0">
               <a:ln>
@@ -9037,7 +9019,7 @@
     </p:spTree>
     <p:extLst>
       <p:ext uri="{BB962C8B-B14F-4D97-AF65-F5344CB8AC3E}">
-        <p14:creationId xmlns="" xmlns:p14="http://schemas.microsoft.com/office/powerpoint/2010/main" val="2549321091"/>
+        <p14:creationId xmlns:p14="http://schemas.microsoft.com/office/powerpoint/2010/main" xmlns="" val="2549321091"/>
       </p:ext>
     </p:extLst>
   </p:cSld>
@@ -9240,7 +9222,7 @@
     </p:spTree>
     <p:extLst>
       <p:ext uri="{BB962C8B-B14F-4D97-AF65-F5344CB8AC3E}">
-        <p14:creationId xmlns="" xmlns:p14="http://schemas.microsoft.com/office/powerpoint/2010/main" val="3094988837"/>
+        <p14:creationId xmlns:p14="http://schemas.microsoft.com/office/powerpoint/2010/main" xmlns="" val="3094988837"/>
       </p:ext>
     </p:extLst>
   </p:cSld>
@@ -9391,7 +9373,7 @@
     </p:spTree>
     <p:extLst>
       <p:ext uri="{BB962C8B-B14F-4D97-AF65-F5344CB8AC3E}">
-        <p14:creationId xmlns="" xmlns:p14="http://schemas.microsoft.com/office/powerpoint/2010/main" val="35597220"/>
+        <p14:creationId xmlns:p14="http://schemas.microsoft.com/office/powerpoint/2010/main" xmlns="" val="35597220"/>
       </p:ext>
     </p:extLst>
   </p:cSld>
@@ -9818,7 +9800,7 @@
     </p:spTree>
     <p:extLst>
       <p:ext uri="{BB962C8B-B14F-4D97-AF65-F5344CB8AC3E}">
-        <p14:creationId xmlns="" xmlns:p14="http://schemas.microsoft.com/office/powerpoint/2010/main" val="2641382308"/>
+        <p14:creationId xmlns:p14="http://schemas.microsoft.com/office/powerpoint/2010/main" xmlns="" val="2641382308"/>
       </p:ext>
     </p:extLst>
   </p:cSld>
@@ -9977,7 +9959,7 @@
     </p:spTree>
     <p:extLst>
       <p:ext uri="{BB962C8B-B14F-4D97-AF65-F5344CB8AC3E}">
-        <p14:creationId xmlns="" xmlns:p14="http://schemas.microsoft.com/office/powerpoint/2010/main" val="2289717005"/>
+        <p14:creationId xmlns:p14="http://schemas.microsoft.com/office/powerpoint/2010/main" xmlns="" val="2289717005"/>
       </p:ext>
     </p:extLst>
   </p:cSld>
@@ -10157,7 +10139,7 @@
     </p:spTree>
     <p:extLst>
       <p:ext uri="{BB962C8B-B14F-4D97-AF65-F5344CB8AC3E}">
-        <p14:creationId xmlns="" xmlns:p14="http://schemas.microsoft.com/office/powerpoint/2010/main" val="2084448623"/>
+        <p14:creationId xmlns:p14="http://schemas.microsoft.com/office/powerpoint/2010/main" xmlns="" val="2084448623"/>
       </p:ext>
     </p:extLst>
   </p:cSld>
@@ -10480,7 +10462,7 @@
     </p:spTree>
     <p:extLst>
       <p:ext uri="{BB962C8B-B14F-4D97-AF65-F5344CB8AC3E}">
-        <p14:creationId xmlns="" xmlns:p14="http://schemas.microsoft.com/office/powerpoint/2010/main" val="3544314285"/>
+        <p14:creationId xmlns:p14="http://schemas.microsoft.com/office/powerpoint/2010/main" xmlns="" val="3544314285"/>
       </p:ext>
     </p:extLst>
   </p:cSld>
@@ -10830,7 +10812,7 @@
     </p:spTree>
     <p:extLst>
       <p:ext uri="{BB962C8B-B14F-4D97-AF65-F5344CB8AC3E}">
-        <p14:creationId xmlns="" xmlns:p14="http://schemas.microsoft.com/office/powerpoint/2010/main" val="2994739759"/>
+        <p14:creationId xmlns:p14="http://schemas.microsoft.com/office/powerpoint/2010/main" xmlns="" val="2994739759"/>
       </p:ext>
     </p:extLst>
   </p:cSld>
@@ -11027,7 +11009,7 @@
     </p:spTree>
     <p:extLst>
       <p:ext uri="{BB962C8B-B14F-4D97-AF65-F5344CB8AC3E}">
-        <p14:creationId xmlns="" xmlns:p14="http://schemas.microsoft.com/office/powerpoint/2010/main" val="2433743007"/>
+        <p14:creationId xmlns:p14="http://schemas.microsoft.com/office/powerpoint/2010/main" xmlns="" val="2433743007"/>
       </p:ext>
     </p:extLst>
   </p:cSld>

--- a/trunk/PROJET/Soutenance Finale/slides_Architecture_Restitution.pptx
+++ b/trunk/PROJET/Soutenance Finale/slides_Architecture_Restitution.pptx
@@ -11,17 +11,17 @@
     <p:handoutMasterId r:id="rId17"/>
   </p:handoutMasterIdLst>
   <p:sldIdLst>
-    <p:sldId id="348" r:id="rId2"/>
-    <p:sldId id="349" r:id="rId3"/>
-    <p:sldId id="350" r:id="rId4"/>
-    <p:sldId id="351" r:id="rId5"/>
-    <p:sldId id="352" r:id="rId6"/>
-    <p:sldId id="353" r:id="rId7"/>
-    <p:sldId id="354" r:id="rId8"/>
+    <p:sldId id="363" r:id="rId2"/>
+    <p:sldId id="364" r:id="rId3"/>
+    <p:sldId id="365" r:id="rId4"/>
+    <p:sldId id="366" r:id="rId5"/>
+    <p:sldId id="367" r:id="rId6"/>
+    <p:sldId id="368" r:id="rId7"/>
+    <p:sldId id="369" r:id="rId8"/>
     <p:sldId id="355" r:id="rId9"/>
     <p:sldId id="357" r:id="rId10"/>
     <p:sldId id="358" r:id="rId11"/>
-    <p:sldId id="359" r:id="rId12"/>
+    <p:sldId id="370" r:id="rId12"/>
     <p:sldId id="360" r:id="rId13"/>
     <p:sldId id="361" r:id="rId14"/>
     <p:sldId id="362" r:id="rId15"/>
@@ -215,7 +215,7 @@
             <a:fld id="{D867118A-B433-468F-BC32-6BD77E84A3EF}" type="datetimeFigureOut">
               <a:rPr lang="fr-FR" smtClean="0"/>
               <a:pPr/>
-              <a:t>19/02/2011</a:t>
+              <a:t>20/02/2011</a:t>
             </a:fld>
             <a:endParaRPr lang="fr-FR"/>
           </a:p>
@@ -295,7 +295,7 @@
     </p:spTree>
     <p:extLst>
       <p:ext uri="{BB962C8B-B14F-4D97-AF65-F5344CB8AC3E}">
-        <p14:creationId xmlns:p14="http://schemas.microsoft.com/office/powerpoint/2010/main" xmlns="" val="4221189785"/>
+        <p14:creationId xmlns="" xmlns:p14="http://schemas.microsoft.com/office/powerpoint/2010/main" val="4221189785"/>
       </p:ext>
     </p:extLst>
   </p:cSld>
@@ -387,7 +387,7 @@
             <a:fld id="{C0132854-3691-4D22-8194-30C18A0F86B4}" type="datetimeFigureOut">
               <a:rPr lang="fr-FR" smtClean="0"/>
               <a:pPr/>
-              <a:t>19/02/2011</a:t>
+              <a:t>20/02/2011</a:t>
             </a:fld>
             <a:endParaRPr lang="fr-FR"/>
           </a:p>
@@ -562,7 +562,7 @@
     </p:spTree>
     <p:extLst>
       <p:ext uri="{BB962C8B-B14F-4D97-AF65-F5344CB8AC3E}">
-        <p14:creationId xmlns:p14="http://schemas.microsoft.com/office/powerpoint/2010/main" xmlns="" val="3995352695"/>
+        <p14:creationId xmlns="" xmlns:p14="http://schemas.microsoft.com/office/powerpoint/2010/main" val="3995352695"/>
       </p:ext>
     </p:extLst>
   </p:cSld>
@@ -780,7 +780,7 @@
             <a:fld id="{04088408-60A7-4A69-AD55-8B4CC51DBBE4}" type="datetime1">
               <a:rPr lang="fr-FR" smtClean="0"/>
               <a:pPr/>
-              <a:t>19/02/2011</a:t>
+              <a:t>20/02/2011</a:t>
             </a:fld>
             <a:endParaRPr lang="fr-FR"/>
           </a:p>
@@ -1806,7 +1806,7 @@
             <a:fld id="{0429B0AF-5672-4113-853C-C3A4A5CC5BEA}" type="datetime1">
               <a:rPr lang="fr-FR" smtClean="0"/>
               <a:pPr/>
-              <a:t>19/02/2011</a:t>
+              <a:t>20/02/2011</a:t>
             </a:fld>
             <a:endParaRPr lang="fr-FR"/>
           </a:p>
@@ -2025,7 +2025,7 @@
             <a:fld id="{D59A88EB-FB72-4CF4-971C-BA8A2CF6FF78}" type="datetime1">
               <a:rPr lang="fr-FR" smtClean="0"/>
               <a:pPr/>
-              <a:t>19/02/2011</a:t>
+              <a:t>20/02/2011</a:t>
             </a:fld>
             <a:endParaRPr lang="fr-FR"/>
           </a:p>
@@ -2651,7 +2651,7 @@
             <a:fld id="{3E2F0B67-9623-4FD7-83CE-49ACD1045228}" type="datetime1">
               <a:rPr lang="fr-FR" smtClean="0"/>
               <a:pPr/>
-              <a:t>19/02/2011</a:t>
+              <a:t>20/02/2011</a:t>
             </a:fld>
             <a:endParaRPr lang="fr-FR"/>
           </a:p>
@@ -3247,7 +3247,7 @@
             <a:fld id="{DE31888E-7959-456A-AA95-CE92EF64A6F7}" type="datetime1">
               <a:rPr lang="fr-FR" smtClean="0"/>
               <a:pPr/>
-              <a:t>19/02/2011</a:t>
+              <a:t>20/02/2011</a:t>
             </a:fld>
             <a:endParaRPr lang="fr-FR"/>
           </a:p>
@@ -3891,7 +3891,7 @@
             <a:fld id="{839AC42C-4910-4162-8D76-EA4037F80803}" type="datetime1">
               <a:rPr lang="fr-FR" smtClean="0"/>
               <a:pPr/>
-              <a:t>19/02/2011</a:t>
+              <a:t>20/02/2011</a:t>
             </a:fld>
             <a:endParaRPr lang="fr-FR"/>
           </a:p>
@@ -4495,7 +4495,7 @@
             <a:fld id="{C9115CAE-B517-434E-85AE-842D126D49C8}" type="datetime1">
               <a:rPr lang="fr-FR" smtClean="0"/>
               <a:pPr/>
-              <a:t>19/02/2011</a:t>
+              <a:t>20/02/2011</a:t>
             </a:fld>
             <a:endParaRPr lang="fr-FR"/>
           </a:p>
@@ -5125,7 +5125,7 @@
             <a:fld id="{4461D96B-2E50-4754-B45F-0F5F669BAFFA}" type="datetime1">
               <a:rPr lang="fr-FR" smtClean="0"/>
               <a:pPr/>
-              <a:t>19/02/2011</a:t>
+              <a:t>20/02/2011</a:t>
             </a:fld>
             <a:endParaRPr lang="fr-FR"/>
           </a:p>
@@ -5723,7 +5723,7 @@
             <a:fld id="{F3677BDC-1A22-4676-9B0B-CD961956CFB0}" type="datetime1">
               <a:rPr lang="fr-FR" smtClean="0"/>
               <a:pPr/>
-              <a:t>19/02/2011</a:t>
+              <a:t>20/02/2011</a:t>
             </a:fld>
             <a:endParaRPr lang="fr-FR"/>
           </a:p>
@@ -6378,7 +6378,7 @@
             <a:fld id="{04088408-60A7-4A69-AD55-8B4CC51DBBE4}" type="datetime1">
               <a:rPr lang="fr-FR" smtClean="0"/>
               <a:pPr/>
-              <a:t>19/02/2011</a:t>
+              <a:t>20/02/2011</a:t>
             </a:fld>
             <a:endParaRPr lang="fr-FR"/>
           </a:p>
@@ -6892,7 +6892,7 @@
       </p:grpSpPr>
       <p:sp>
         <p:nvSpPr>
-          <p:cNvPr id="3" name="Espace réservé du contenu 2"/>
+          <p:cNvPr id="7" name="Espace réservé du contenu 3"/>
           <p:cNvSpPr>
             <a:spLocks noGrp="1"/>
           </p:cNvSpPr>
@@ -6902,153 +6902,65 @@
         </p:nvSpPr>
         <p:spPr>
           <a:xfrm>
-            <a:off x="2267744" y="2708920"/>
-            <a:ext cx="6419056" cy="3600400"/>
-          </a:xfrm>
-        </p:spPr>
-        <p:txBody>
-          <a:bodyPr>
-            <a:normAutofit/>
-          </a:bodyPr>
-          <a:lstStyle/>
-          <a:p>
-            <a:pPr lvl="0"/>
-            <a:r>
-              <a:rPr lang="fr-FR" sz="2200" dirty="0" smtClean="0"/>
-              <a:t>Outils </a:t>
-            </a:r>
-            <a:r>
-              <a:rPr lang="fr-FR" sz="2200" dirty="0"/>
-              <a:t>d’aide à la </a:t>
-            </a:r>
-            <a:r>
-              <a:rPr lang="fr-FR" sz="2200" dirty="0" smtClean="0"/>
-              <a:t>décision</a:t>
-            </a:r>
-            <a:endParaRPr lang="fr-FR" sz="2200" dirty="0"/>
-          </a:p>
-          <a:p>
-            <a:r>
-              <a:rPr lang="fr-FR" sz="2200" dirty="0"/>
-              <a:t>Générateur de tableaux, </a:t>
-            </a:r>
-            <a:r>
-              <a:rPr lang="fr-FR" sz="2200" dirty="0" smtClean="0"/>
-              <a:t>graphiques </a:t>
-            </a:r>
-            <a:r>
-              <a:rPr lang="fr-FR" sz="2200" dirty="0"/>
-              <a:t>(tous genres</a:t>
-            </a:r>
-            <a:r>
-              <a:rPr lang="fr-FR" sz="2200" dirty="0" smtClean="0"/>
-              <a:t>)</a:t>
-            </a:r>
-          </a:p>
-          <a:p>
-            <a:r>
-              <a:rPr lang="fr-FR" sz="2200" dirty="0" smtClean="0"/>
-              <a:t>Modifications en temps réel</a:t>
-            </a:r>
-            <a:endParaRPr lang="fr-FR" sz="2200" dirty="0"/>
-          </a:p>
-          <a:p>
-            <a:r>
-              <a:rPr lang="fr-FR" sz="2200" dirty="0" smtClean="0"/>
-              <a:t>Liaison </a:t>
-            </a:r>
-            <a:r>
-              <a:rPr lang="fr-FR" sz="2200" dirty="0"/>
-              <a:t>base données (</a:t>
-            </a:r>
-            <a:r>
-              <a:rPr lang="fr-FR" sz="2200" dirty="0" smtClean="0"/>
-              <a:t>Oracle)</a:t>
-            </a:r>
-            <a:endParaRPr lang="fr-FR" sz="2200" dirty="0"/>
-          </a:p>
-          <a:p>
-            <a:r>
-              <a:rPr lang="fr-FR" sz="2200" dirty="0"/>
-              <a:t>Génération </a:t>
-            </a:r>
-            <a:r>
-              <a:rPr lang="fr-FR" sz="2200" dirty="0" smtClean="0"/>
-              <a:t>en PDF et  HTML des </a:t>
-            </a:r>
-            <a:r>
-              <a:rPr lang="fr-FR" sz="2200" dirty="0"/>
-              <a:t>rapports </a:t>
-            </a:r>
-            <a:r>
-              <a:rPr lang="fr-FR" sz="2200" dirty="0" smtClean="0"/>
-              <a:t>générés</a:t>
-            </a:r>
-          </a:p>
-          <a:p>
-            <a:pPr lvl="0">
+            <a:off x="1979712" y="1916832"/>
+            <a:ext cx="6707088" cy="4441126"/>
+          </a:xfrm>
+        </p:spPr>
+        <p:txBody>
+          <a:bodyPr/>
+          <a:lstStyle/>
+          <a:p>
+            <a:pPr algn="ctr">
               <a:buNone/>
             </a:pPr>
-            <a:endParaRPr lang="fr-FR" dirty="0"/>
-          </a:p>
-          <a:p>
-            <a:endParaRPr lang="fr-FR" dirty="0"/>
-          </a:p>
-        </p:txBody>
-      </p:sp>
-      <p:sp>
-        <p:nvSpPr>
-          <p:cNvPr id="4" name="Espace réservé du contenu 2"/>
-          <p:cNvSpPr txBox="1">
-            <a:spLocks/>
-          </p:cNvSpPr>
-          <p:nvPr/>
-        </p:nvSpPr>
-        <p:spPr>
-          <a:xfrm>
-            <a:off x="2357422" y="1928802"/>
-            <a:ext cx="4071966" cy="642942"/>
-          </a:xfrm>
-          <a:prstGeom prst="rect">
-            <a:avLst/>
-          </a:prstGeom>
-        </p:spPr>
-        <p:txBody>
-          <a:bodyPr vert="horz" lIns="91440" tIns="45720" rIns="91440" bIns="45720" rtlCol="0">
-            <a:normAutofit/>
-          </a:bodyPr>
-          <a:lstStyle/>
-          <a:p>
-            <a:pPr marL="0" lvl="1" algn="ctr">
-              <a:spcBef>
-                <a:spcPct val="20000"/>
-              </a:spcBef>
-            </a:pPr>
-            <a:r>
-              <a:rPr lang="fr-FR" sz="3200" dirty="0" smtClean="0"/>
+            <a:r>
+              <a:rPr lang="fr-FR" dirty="0" smtClean="0"/>
               <a:t>Attentes</a:t>
             </a:r>
-            <a:endParaRPr kumimoji="0" lang="fr-FR" sz="2600" i="0" u="none" strike="noStrike" kern="1200" cap="none" spc="0" normalizeH="0" baseline="0" noProof="0" dirty="0" smtClean="0">
-              <a:ln>
-                <a:noFill/>
-              </a:ln>
-              <a:solidFill>
-                <a:schemeClr val="tx1"/>
-              </a:solidFill>
-              <a:effectLst/>
-              <a:uLnTx/>
-              <a:uFillTx/>
-              <a:latin typeface="+mn-lt"/>
-              <a:ea typeface="+mn-ea"/>
-              <a:cs typeface="+mn-cs"/>
-            </a:endParaRPr>
+            <a:endParaRPr lang="fr-FR" dirty="0" smtClean="0"/>
+          </a:p>
+          <a:p>
+            <a:pPr lvl="0"/>
+            <a:r>
+              <a:rPr lang="fr-FR" sz="2400" dirty="0" smtClean="0"/>
+              <a:t>Outils d’aide à la décision</a:t>
+            </a:r>
+          </a:p>
+          <a:p>
+            <a:r>
+              <a:rPr lang="fr-FR" sz="2400" dirty="0" smtClean="0"/>
+              <a:t>Générateur de tableaux, graphiques (tous genres)</a:t>
+            </a:r>
+          </a:p>
+          <a:p>
+            <a:r>
+              <a:rPr lang="fr-FR" sz="2400" dirty="0" smtClean="0"/>
+              <a:t>Modifications en temps réel</a:t>
+            </a:r>
+          </a:p>
+          <a:p>
+            <a:r>
+              <a:rPr lang="fr-FR" sz="2400" dirty="0" smtClean="0"/>
+              <a:t>Liaison base données (Oracle)</a:t>
+            </a:r>
+          </a:p>
+          <a:p>
+            <a:r>
+              <a:rPr lang="fr-FR" sz="2400" dirty="0" smtClean="0"/>
+              <a:t>Génération en PDF et  HTML des rapports </a:t>
+            </a:r>
+            <a:r>
+              <a:rPr lang="fr-FR" sz="2400" dirty="0" smtClean="0"/>
+              <a:t>générés</a:t>
+            </a:r>
+            <a:endParaRPr lang="fr-FR" sz="2400" dirty="0" smtClean="0"/>
           </a:p>
         </p:txBody>
       </p:sp>
     </p:spTree>
     <p:extLst>
       <p:ext uri="{BB962C8B-B14F-4D97-AF65-F5344CB8AC3E}">
-        <p14:creationId xmlns:p14="http://schemas.microsoft.com/office/powerpoint/2010/main" xmlns="" val="2032910018"/>
+        <p14:creationId xmlns="" xmlns:p14="http://schemas.microsoft.com/office/powerpoint/2010/main" val="2032910018"/>
       </p:ext>
     </p:extLst>
   </p:cSld>
@@ -7082,60 +6994,6 @@
           <a:chExt cx="0" cy="0"/>
         </a:xfrm>
       </p:grpSpPr>
-      <p:sp>
-        <p:nvSpPr>
-          <p:cNvPr id="3" name="Espace réservé du contenu 2"/>
-          <p:cNvSpPr>
-            <a:spLocks noGrp="1"/>
-          </p:cNvSpPr>
-          <p:nvPr>
-            <p:ph idx="1"/>
-          </p:nvPr>
-        </p:nvSpPr>
-        <p:spPr>
-          <a:xfrm>
-            <a:off x="2436912" y="4857760"/>
-            <a:ext cx="6707088" cy="1785950"/>
-          </a:xfrm>
-        </p:spPr>
-        <p:txBody>
-          <a:bodyPr/>
-          <a:lstStyle/>
-          <a:p>
-            <a:pPr marL="342900" lvl="1" indent="-342900">
-              <a:buFont typeface="Arial" pitchFamily="34" charset="0"/>
-              <a:buChar char="•"/>
-            </a:pPr>
-            <a:r>
-              <a:rPr lang="fr-FR" sz="2200" dirty="0" smtClean="0"/>
-              <a:t>Modifier directement le code SAS pour utiliser des options plus pointues.</a:t>
-            </a:r>
-          </a:p>
-          <a:p>
-            <a:pPr marL="342900" lvl="1" indent="-342900">
-              <a:buFont typeface="Arial" pitchFamily="34" charset="0"/>
-              <a:buChar char="•"/>
-            </a:pPr>
-            <a:r>
-              <a:rPr lang="fr-FR" sz="2200" dirty="0" smtClean="0"/>
-              <a:t>Utiliser du SQL</a:t>
-            </a:r>
-          </a:p>
-          <a:p>
-            <a:pPr marL="342900" lvl="1" indent="-342900">
-              <a:buFont typeface="Arial" pitchFamily="34" charset="0"/>
-              <a:buChar char="•"/>
-            </a:pPr>
-            <a:r>
-              <a:rPr lang="fr-FR" sz="2200" dirty="0" smtClean="0"/>
-              <a:t>Créer des procédures stockées appelables à distance.</a:t>
-            </a:r>
-          </a:p>
-          <a:p>
-            <a:endParaRPr lang="fr-FR" dirty="0"/>
-          </a:p>
-        </p:txBody>
-      </p:sp>
       <p:pic>
         <p:nvPicPr>
           <p:cNvPr id="4" name="Picture 2" descr="http://www.formations-sas.fr/wp-content/gallery/cache/2__350x226_cycle-sas-seg.png"/>
@@ -7164,7 +7022,7 @@
       </p:pic>
       <p:sp>
         <p:nvSpPr>
-          <p:cNvPr id="5" name="Espace réservé du contenu 2"/>
+          <p:cNvPr id="6" name="Espace réservé du contenu 2"/>
           <p:cNvSpPr txBox="1">
             <a:spLocks/>
           </p:cNvSpPr>
@@ -7172,7 +7030,7 @@
         </p:nvSpPr>
         <p:spPr>
           <a:xfrm>
-            <a:off x="2357422" y="1928802"/>
+            <a:off x="3347864" y="1916832"/>
             <a:ext cx="4071966" cy="642942"/>
           </a:xfrm>
           <a:prstGeom prst="rect">
@@ -7211,10 +7069,67 @@
           </a:p>
         </p:txBody>
       </p:sp>
+      <p:sp>
+        <p:nvSpPr>
+          <p:cNvPr id="7" name="Espace réservé du contenu 3"/>
+          <p:cNvSpPr txBox="1">
+            <a:spLocks/>
+          </p:cNvSpPr>
+          <p:nvPr/>
+        </p:nvSpPr>
+        <p:spPr>
+          <a:xfrm>
+            <a:off x="1979712" y="4820522"/>
+            <a:ext cx="6984776" cy="2037478"/>
+          </a:xfrm>
+          <a:prstGeom prst="rect">
+            <a:avLst/>
+          </a:prstGeom>
+        </p:spPr>
+        <p:txBody>
+          <a:bodyPr vert="horz" lIns="91440" tIns="45720" rIns="91440" bIns="45720" rtlCol="0">
+            <a:normAutofit/>
+          </a:bodyPr>
+          <a:lstStyle/>
+          <a:p>
+            <a:pPr marL="342900" lvl="1" indent="-342900">
+              <a:buFont typeface="Arial" pitchFamily="34" charset="0"/>
+              <a:buChar char="•"/>
+            </a:pPr>
+            <a:r>
+              <a:rPr lang="fr-FR" sz="2400" dirty="0" smtClean="0"/>
+              <a:t>Modifier directement le code SAS pour utiliser des options plus pointues.</a:t>
+            </a:r>
+          </a:p>
+          <a:p>
+            <a:pPr marL="342900" lvl="1" indent="-342900">
+              <a:buFont typeface="Arial" pitchFamily="34" charset="0"/>
+              <a:buChar char="•"/>
+            </a:pPr>
+            <a:r>
+              <a:rPr lang="fr-FR" sz="2400" dirty="0" smtClean="0"/>
+              <a:t>Utiliser du SQL</a:t>
+            </a:r>
+          </a:p>
+          <a:p>
+            <a:pPr marL="342900" lvl="1" indent="-342900">
+              <a:buFont typeface="Arial" pitchFamily="34" charset="0"/>
+              <a:buChar char="•"/>
+            </a:pPr>
+            <a:r>
+              <a:rPr lang="fr-FR" sz="2400" dirty="0" smtClean="0"/>
+              <a:t>Créer des procédures stockées appelables à distance</a:t>
+            </a:r>
+          </a:p>
+          <a:p>
+            <a:endParaRPr lang="fr-FR" dirty="0"/>
+          </a:p>
+        </p:txBody>
+      </p:sp>
     </p:spTree>
     <p:extLst>
       <p:ext uri="{BB962C8B-B14F-4D97-AF65-F5344CB8AC3E}">
-        <p14:creationId xmlns:p14="http://schemas.microsoft.com/office/powerpoint/2010/main" xmlns="" val="1601579563"/>
+        <p14:creationId xmlns="" xmlns:p14="http://schemas.microsoft.com/office/powerpoint/2010/main" val="1601579563"/>
       </p:ext>
     </p:extLst>
   </p:cSld>
@@ -7250,7 +7165,7 @@
       </p:grpSpPr>
       <p:sp>
         <p:nvSpPr>
-          <p:cNvPr id="4" name="Espace réservé du contenu 2"/>
+          <p:cNvPr id="7" name="Espace réservé du contenu 3"/>
           <p:cNvSpPr>
             <a:spLocks noGrp="1"/>
           </p:cNvSpPr>
@@ -7260,54 +7175,122 @@
         </p:nvSpPr>
         <p:spPr>
           <a:xfrm>
-            <a:off x="5715008" y="3384922"/>
-            <a:ext cx="3286148" cy="3500462"/>
+            <a:off x="1979712" y="3356992"/>
+            <a:ext cx="3384376" cy="3501008"/>
           </a:xfrm>
         </p:spPr>
         <p:txBody>
           <a:bodyPr>
-            <a:normAutofit/>
+            <a:normAutofit lnSpcReduction="10000"/>
           </a:bodyPr>
           <a:lstStyle/>
           <a:p>
-            <a:pPr marL="342900" lvl="1" indent="-342900">
-              <a:buFont typeface="Arial" pitchFamily="34" charset="0"/>
-              <a:buChar char="•"/>
-              <a:defRPr/>
-            </a:pPr>
-            <a:r>
-              <a:rPr lang="fr-FR" sz="2200" dirty="0" smtClean="0"/>
-              <a:t>Adaptation au code SAS </a:t>
-            </a:r>
-          </a:p>
-          <a:p>
-            <a:pPr marL="342900" lvl="1" indent="-342900">
-              <a:buFont typeface="Arial" pitchFamily="34" charset="0"/>
-              <a:buChar char="•"/>
-              <a:defRPr/>
-            </a:pPr>
-            <a:r>
-              <a:rPr lang="fr-FR" sz="2200" dirty="0" smtClean="0"/>
-              <a:t>Interface de SAS avec les bases de données</a:t>
-            </a:r>
-          </a:p>
-          <a:p>
-            <a:pPr marL="342900" lvl="1" indent="-342900">
-              <a:buFont typeface="Arial" pitchFamily="34" charset="0"/>
-              <a:buChar char="•"/>
-              <a:defRPr/>
-            </a:pPr>
-            <a:r>
-              <a:rPr lang="fr-FR" sz="2200" dirty="0" smtClean="0"/>
-              <a:t>Logiciel payant dans d’autres circonstances</a:t>
-            </a:r>
-            <a:endParaRPr lang="fr-FR" sz="2200" dirty="0"/>
-          </a:p>
-        </p:txBody>
-      </p:sp>
-      <p:sp>
-        <p:nvSpPr>
-          <p:cNvPr id="6" name="Espace réservé du contenu 2"/>
+            <a:pPr lvl="0"/>
+            <a:r>
+              <a:rPr lang="fr-FR" sz="2400" dirty="0" smtClean="0"/>
+              <a:t>Outils de </a:t>
+            </a:r>
+            <a:r>
+              <a:rPr lang="fr-FR" sz="2400" dirty="0" err="1" smtClean="0"/>
+              <a:t>reporting</a:t>
+            </a:r>
+            <a:r>
+              <a:rPr lang="fr-FR" sz="2400" dirty="0" smtClean="0"/>
+              <a:t> puissant </a:t>
+            </a:r>
+          </a:p>
+          <a:p>
+            <a:pPr lvl="0"/>
+            <a:r>
+              <a:rPr lang="fr-FR" sz="2400" dirty="0" smtClean="0"/>
+              <a:t>Procédures stockées</a:t>
+            </a:r>
+          </a:p>
+          <a:p>
+            <a:pPr lvl="0"/>
+            <a:r>
+              <a:rPr lang="fr-FR" sz="2400" dirty="0" smtClean="0"/>
+              <a:t>Personnalisation des tableaux (CSS) et graphiques</a:t>
+            </a:r>
+          </a:p>
+          <a:p>
+            <a:pPr lvl="0"/>
+            <a:r>
+              <a:rPr lang="fr-FR" sz="2400" dirty="0" smtClean="0"/>
+              <a:t>Export texte et PDF</a:t>
+            </a:r>
+          </a:p>
+          <a:p>
+            <a:pPr lvl="0"/>
+            <a:r>
+              <a:rPr lang="fr-FR" sz="2400" dirty="0" smtClean="0"/>
+              <a:t>Large support Web</a:t>
+            </a:r>
+          </a:p>
+          <a:p>
+            <a:pPr lvl="0"/>
+            <a:r>
+              <a:rPr lang="fr-FR" sz="2400" dirty="0" smtClean="0"/>
+              <a:t>Disponible à l’ISTIL</a:t>
+            </a:r>
+          </a:p>
+        </p:txBody>
+      </p:sp>
+      <p:pic>
+        <p:nvPicPr>
+          <p:cNvPr id="3" name="Picture 4" descr="http://www.plongeur.com/magazine/wp-content/uploads/2007/12/plus.jpg"/>
+          <p:cNvPicPr>
+            <a:picLocks noChangeAspect="1" noChangeArrowheads="1"/>
+          </p:cNvPicPr>
+          <p:nvPr/>
+        </p:nvPicPr>
+        <p:blipFill>
+          <a:blip r:embed="rId2" cstate="print"/>
+          <a:srcRect/>
+          <a:stretch>
+            <a:fillRect/>
+          </a:stretch>
+        </p:blipFill>
+        <p:spPr bwMode="auto">
+          <a:xfrm>
+            <a:off x="3203848" y="2492896"/>
+            <a:ext cx="648072" cy="648072"/>
+          </a:xfrm>
+          <a:prstGeom prst="rect">
+            <a:avLst/>
+          </a:prstGeom>
+          <a:noFill/>
+        </p:spPr>
+      </p:pic>
+      <p:pic>
+        <p:nvPicPr>
+          <p:cNvPr id="4" name="Picture 6" descr="http://www.plongeur.com/magazine/wp-content/uploads/2007/12/moins.jpg"/>
+          <p:cNvPicPr>
+            <a:picLocks noChangeAspect="1" noChangeArrowheads="1"/>
+          </p:cNvPicPr>
+          <p:nvPr/>
+        </p:nvPicPr>
+        <p:blipFill>
+          <a:blip r:embed="rId3" cstate="print"/>
+          <a:srcRect/>
+          <a:stretch>
+            <a:fillRect/>
+          </a:stretch>
+        </p:blipFill>
+        <p:spPr bwMode="auto">
+          <a:xfrm>
+            <a:off x="6804248" y="2492896"/>
+            <a:ext cx="648071" cy="648073"/>
+          </a:xfrm>
+          <a:prstGeom prst="rect">
+            <a:avLst/>
+          </a:prstGeom>
+          <a:noFill/>
+        </p:spPr>
+      </p:pic>
+      <p:sp>
+        <p:nvSpPr>
+          <p:cNvPr id="5" name="Espace réservé du contenu 3"/>
           <p:cNvSpPr txBox="1">
             <a:spLocks/>
           </p:cNvSpPr>
@@ -7315,8 +7298,8 @@
         </p:nvSpPr>
         <p:spPr>
           <a:xfrm>
-            <a:off x="2051720" y="3313484"/>
-            <a:ext cx="3734726" cy="3571900"/>
+            <a:off x="1979712" y="1916832"/>
+            <a:ext cx="6707088" cy="720080"/>
           </a:xfrm>
           <a:prstGeom prst="rect">
             <a:avLst/>
@@ -7328,7 +7311,19 @@
           </a:bodyPr>
           <a:lstStyle/>
           <a:p>
-            <a:pPr marL="342900" marR="0" lvl="1" indent="-342900" fontAlgn="auto">
+            <a:pPr marL="342900" indent="-342900" algn="ctr">
+              <a:spcBef>
+                <a:spcPct val="20000"/>
+              </a:spcBef>
+            </a:pPr>
+            <a:r>
+              <a:rPr lang="fr-FR" sz="3200" dirty="0" smtClean="0"/>
+              <a:t>SAS Enterprise Guide</a:t>
+            </a:r>
+            <a:endParaRPr lang="fr-FR" sz="2600" dirty="0" smtClean="0"/>
+          </a:p>
+          <a:p>
+            <a:pPr marL="342900" marR="0" lvl="0" indent="-342900" algn="ctr" defTabSz="914400" rtl="0" eaLnBrk="1" fontAlgn="auto" latinLnBrk="0" hangingPunct="1">
               <a:lnSpc>
                 <a:spcPct val="100000"/>
               </a:lnSpc>
@@ -7341,129 +7336,24 @@
               <a:buClrTx/>
               <a:buSzTx/>
               <a:buFont typeface="Arial" pitchFamily="34" charset="0"/>
-              <a:buChar char="•"/>
+              <a:buNone/>
               <a:tabLst/>
               <a:defRPr/>
             </a:pPr>
-            <a:r>
-              <a:rPr lang="fr-FR" sz="2200" dirty="0" smtClean="0"/>
-              <a:t>Outils de </a:t>
-            </a:r>
-            <a:r>
-              <a:rPr lang="fr-FR" sz="2200" dirty="0" err="1" smtClean="0"/>
-              <a:t>reporting</a:t>
-            </a:r>
-            <a:r>
-              <a:rPr lang="fr-FR" sz="2200" dirty="0" smtClean="0"/>
-              <a:t> puissant </a:t>
-            </a:r>
-          </a:p>
-          <a:p>
-            <a:pPr marL="342900" marR="0" lvl="1" indent="-342900" fontAlgn="auto">
-              <a:lnSpc>
-                <a:spcPct val="100000"/>
-              </a:lnSpc>
-              <a:spcBef>
-                <a:spcPct val="20000"/>
-              </a:spcBef>
-              <a:spcAft>
-                <a:spcPts val="0"/>
-              </a:spcAft>
-              <a:buClrTx/>
-              <a:buSzTx/>
-              <a:buFont typeface="Arial" pitchFamily="34" charset="0"/>
-              <a:buChar char="•"/>
-              <a:tabLst/>
-              <a:defRPr/>
-            </a:pPr>
-            <a:r>
-              <a:rPr lang="fr-FR" sz="2200" dirty="0" smtClean="0"/>
-              <a:t>Procédures stockées</a:t>
-            </a:r>
-          </a:p>
-          <a:p>
-            <a:pPr marL="342900" lvl="1" indent="-342900">
-              <a:spcBef>
-                <a:spcPct val="20000"/>
-              </a:spcBef>
-              <a:buFont typeface="Arial" pitchFamily="34" charset="0"/>
-              <a:buChar char="•"/>
-            </a:pPr>
-            <a:r>
-              <a:rPr lang="fr-FR" sz="2200" dirty="0" smtClean="0"/>
-              <a:t>Personnalisation des </a:t>
-            </a:r>
-            <a:r>
-              <a:rPr lang="fr-FR" sz="2200" dirty="0"/>
-              <a:t>tableaux (CSS</a:t>
-            </a:r>
-            <a:r>
-              <a:rPr lang="fr-FR" sz="2200" dirty="0" smtClean="0"/>
-              <a:t>) et graphiques</a:t>
-            </a:r>
-          </a:p>
-          <a:p>
-            <a:pPr marL="342900" lvl="1" indent="-342900">
-              <a:spcBef>
-                <a:spcPct val="20000"/>
-              </a:spcBef>
-              <a:buFont typeface="Arial" pitchFamily="34" charset="0"/>
-              <a:buChar char="•"/>
-            </a:pPr>
-            <a:r>
-              <a:rPr lang="fr-FR" sz="2200" dirty="0"/>
-              <a:t>Export </a:t>
-            </a:r>
-            <a:r>
-              <a:rPr lang="fr-FR" sz="2200" dirty="0" smtClean="0"/>
-              <a:t>texte et PDF</a:t>
-            </a:r>
-          </a:p>
-          <a:p>
-            <a:pPr marL="342900" marR="0" lvl="1" indent="-342900" fontAlgn="auto">
-              <a:lnSpc>
-                <a:spcPct val="100000"/>
-              </a:lnSpc>
-              <a:spcBef>
-                <a:spcPct val="20000"/>
-              </a:spcBef>
-              <a:spcAft>
-                <a:spcPts val="0"/>
-              </a:spcAft>
-              <a:buClrTx/>
-              <a:buSzTx/>
-              <a:buFont typeface="Arial" pitchFamily="34" charset="0"/>
-              <a:buChar char="•"/>
-              <a:tabLst/>
-              <a:defRPr/>
-            </a:pPr>
-            <a:r>
-              <a:rPr lang="fr-FR" sz="2200" dirty="0" smtClean="0"/>
-              <a:t>Large support Web</a:t>
-            </a:r>
-          </a:p>
-          <a:p>
-            <a:pPr marL="342900" marR="0" lvl="1" indent="-342900" fontAlgn="auto">
-              <a:lnSpc>
-                <a:spcPct val="100000"/>
-              </a:lnSpc>
-              <a:spcBef>
-                <a:spcPct val="20000"/>
-              </a:spcBef>
-              <a:spcAft>
-                <a:spcPts val="0"/>
-              </a:spcAft>
-              <a:buClrTx/>
-              <a:buSzTx/>
-              <a:buFont typeface="Arial" pitchFamily="34" charset="0"/>
-              <a:buChar char="•"/>
-              <a:tabLst/>
-              <a:defRPr/>
-            </a:pPr>
-            <a:r>
-              <a:rPr lang="fr-FR" sz="2200" dirty="0" smtClean="0"/>
-              <a:t>Disponible à l’ISTIL</a:t>
-            </a:r>
+            <a:endParaRPr kumimoji="0" lang="fr-FR" sz="3200" b="0" i="0" u="none" strike="noStrike" kern="1200" cap="none" spc="0" normalizeH="0" baseline="0" noProof="0" dirty="0" smtClean="0">
+              <a:ln>
+                <a:noFill/>
+              </a:ln>
+              <a:solidFill>
+                <a:schemeClr val="tx1"/>
+              </a:solidFill>
+              <a:effectLst/>
+              <a:uLnTx/>
+              <a:uFillTx/>
+              <a:latin typeface="+mn-lt"/>
+              <a:ea typeface="+mn-ea"/>
+              <a:cs typeface="+mn-cs"/>
+            </a:endParaRPr>
           </a:p>
           <a:p>
             <a:pPr marL="342900" marR="0" lvl="0" indent="-342900" algn="l" defTabSz="914400" rtl="0" eaLnBrk="1" fontAlgn="auto" latinLnBrk="0" hangingPunct="1">
@@ -7483,7 +7373,20 @@
               <a:tabLst/>
               <a:defRPr/>
             </a:pPr>
-            <a:endParaRPr lang="fr-FR" sz="3200" baseline="0" dirty="0" smtClean="0"/>
+            <a:endParaRPr kumimoji="0" lang="fr-FR" sz="2400" b="0" i="0" u="none" strike="noStrike" kern="1200" cap="none" spc="0" normalizeH="0" baseline="0" noProof="0" dirty="0" smtClean="0">
+              <a:ln>
+                <a:noFill/>
+              </a:ln>
+              <a:solidFill>
+                <a:schemeClr val="tx1"/>
+              </a:solidFill>
+              <a:effectLst/>
+              <a:uLnTx/>
+              <a:uFillTx/>
+              <a:latin typeface="+mn-lt"/>
+              <a:ea typeface="+mn-ea"/>
+              <a:cs typeface="+mn-cs"/>
+            </a:endParaRPr>
           </a:p>
           <a:p>
             <a:pPr marL="342900" marR="0" lvl="0" indent="-342900" algn="l" defTabSz="914400" rtl="0" eaLnBrk="1" fontAlgn="auto" latinLnBrk="0" hangingPunct="1">
@@ -7503,27 +7406,7 @@
               <a:tabLst/>
               <a:defRPr/>
             </a:pPr>
-            <a:endParaRPr lang="fr-FR" sz="3200" baseline="0" dirty="0" smtClean="0"/>
-          </a:p>
-          <a:p>
-            <a:pPr marL="342900" marR="0" lvl="0" indent="-342900" algn="l" defTabSz="914400" rtl="0" eaLnBrk="1" fontAlgn="auto" latinLnBrk="0" hangingPunct="1">
-              <a:lnSpc>
-                <a:spcPct val="100000"/>
-              </a:lnSpc>
-              <a:spcBef>
-                <a:spcPct val="20000"/>
-              </a:spcBef>
-              <a:spcAft>
-                <a:spcPts val="0"/>
-              </a:spcAft>
-              <a:buClrTx/>
-              <a:buSzTx/>
-              <a:buFont typeface="Arial" pitchFamily="34" charset="0"/>
-              <a:buChar char="•"/>
-              <a:tabLst/>
-              <a:defRPr/>
-            </a:pPr>
-            <a:endParaRPr kumimoji="0" lang="fr-FR" sz="3200" b="0" i="0" u="none" strike="noStrike" kern="1200" cap="none" spc="0" normalizeH="0" baseline="0" noProof="0" dirty="0" smtClean="0">
+            <a:endParaRPr kumimoji="0" lang="fr-FR" sz="2400" b="0" i="0" u="none" strike="noStrike" kern="1200" cap="none" spc="0" normalizeH="0" baseline="0" noProof="0" dirty="0" smtClean="0">
               <a:ln>
                 <a:noFill/>
               </a:ln>
@@ -7540,61 +7423,9 @@
           </a:p>
         </p:txBody>
       </p:sp>
-      <p:pic>
-        <p:nvPicPr>
-          <p:cNvPr id="8" name="Picture 4" descr="http://www.plongeur.com/magazine/wp-content/uploads/2007/12/plus.jpg"/>
-          <p:cNvPicPr>
-            <a:picLocks noChangeAspect="1" noChangeArrowheads="1"/>
-          </p:cNvPicPr>
-          <p:nvPr/>
-        </p:nvPicPr>
-        <p:blipFill>
-          <a:blip r:embed="rId2" cstate="print"/>
-          <a:srcRect/>
-          <a:stretch>
-            <a:fillRect/>
-          </a:stretch>
-        </p:blipFill>
-        <p:spPr bwMode="auto">
-          <a:xfrm>
-            <a:off x="3203848" y="2492896"/>
-            <a:ext cx="648072" cy="648072"/>
-          </a:xfrm>
-          <a:prstGeom prst="rect">
-            <a:avLst/>
-          </a:prstGeom>
-          <a:noFill/>
-        </p:spPr>
-      </p:pic>
-      <p:pic>
-        <p:nvPicPr>
-          <p:cNvPr id="9" name="Picture 6" descr="http://www.plongeur.com/magazine/wp-content/uploads/2007/12/moins.jpg"/>
-          <p:cNvPicPr>
-            <a:picLocks noChangeAspect="1" noChangeArrowheads="1"/>
-          </p:cNvPicPr>
-          <p:nvPr/>
-        </p:nvPicPr>
-        <p:blipFill>
-          <a:blip r:embed="rId3" cstate="print"/>
-          <a:srcRect/>
-          <a:stretch>
-            <a:fillRect/>
-          </a:stretch>
-        </p:blipFill>
-        <p:spPr bwMode="auto">
-          <a:xfrm>
-            <a:off x="6804248" y="2492896"/>
-            <a:ext cx="648071" cy="648073"/>
-          </a:xfrm>
-          <a:prstGeom prst="rect">
-            <a:avLst/>
-          </a:prstGeom>
-          <a:noFill/>
-        </p:spPr>
-      </p:pic>
-      <p:sp>
-        <p:nvSpPr>
-          <p:cNvPr id="10" name="Espace réservé du contenu 2"/>
+      <p:sp>
+        <p:nvSpPr>
+          <p:cNvPr id="6" name="Espace réservé du contenu 3"/>
           <p:cNvSpPr txBox="1">
             <a:spLocks/>
           </p:cNvSpPr>
@@ -7602,8 +7433,8 @@
         </p:nvSpPr>
         <p:spPr>
           <a:xfrm>
-            <a:off x="2357422" y="1928802"/>
-            <a:ext cx="4071966" cy="642942"/>
+            <a:off x="5796136" y="3356992"/>
+            <a:ext cx="3384376" cy="3501008"/>
           </a:xfrm>
           <a:prstGeom prst="rect">
             <a:avLst/>
@@ -7615,36 +7446,50 @@
           </a:bodyPr>
           <a:lstStyle/>
           <a:p>
-            <a:pPr marL="0" lvl="1" algn="ctr">
+            <a:pPr marL="342900" lvl="0" indent="-342900">
               <a:spcBef>
                 <a:spcPct val="20000"/>
               </a:spcBef>
+              <a:buFont typeface="Arial" pitchFamily="34" charset="0"/>
+              <a:buChar char="•"/>
             </a:pPr>
             <a:r>
-              <a:rPr lang="fr-FR" sz="3200" dirty="0" smtClean="0"/>
-              <a:t>SAS Enterprise Guide</a:t>
-            </a:r>
-            <a:endParaRPr kumimoji="0" lang="fr-FR" sz="2600" i="0" u="none" strike="noStrike" kern="1200" cap="none" spc="0" normalizeH="0" baseline="0" noProof="0" dirty="0" smtClean="0">
-              <a:ln>
-                <a:noFill/>
-              </a:ln>
-              <a:solidFill>
-                <a:schemeClr val="tx1"/>
-              </a:solidFill>
-              <a:effectLst/>
-              <a:uLnTx/>
-              <a:uFillTx/>
-              <a:latin typeface="+mn-lt"/>
-              <a:ea typeface="+mn-ea"/>
-              <a:cs typeface="+mn-cs"/>
-            </a:endParaRPr>
+              <a:rPr lang="fr-FR" sz="2400" dirty="0" smtClean="0"/>
+              <a:t>Adaptation au code SAS </a:t>
+            </a:r>
+          </a:p>
+          <a:p>
+            <a:pPr marL="342900" lvl="0" indent="-342900">
+              <a:spcBef>
+                <a:spcPct val="20000"/>
+              </a:spcBef>
+              <a:buFont typeface="Arial" pitchFamily="34" charset="0"/>
+              <a:buChar char="•"/>
+            </a:pPr>
+            <a:r>
+              <a:rPr lang="fr-FR" sz="2400" dirty="0" smtClean="0"/>
+              <a:t>Interface de SAS avec les bases de données</a:t>
+            </a:r>
+          </a:p>
+          <a:p>
+            <a:pPr marL="342900" lvl="0" indent="-342900">
+              <a:spcBef>
+                <a:spcPct val="20000"/>
+              </a:spcBef>
+              <a:buFont typeface="Arial" pitchFamily="34" charset="0"/>
+              <a:buChar char="•"/>
+            </a:pPr>
+            <a:r>
+              <a:rPr lang="fr-FR" sz="2400" dirty="0" smtClean="0"/>
+              <a:t>Logiciel payant dans d’autres circonstances</a:t>
+            </a:r>
           </a:p>
         </p:txBody>
       </p:sp>
     </p:spTree>
     <p:extLst>
       <p:ext uri="{BB962C8B-B14F-4D97-AF65-F5344CB8AC3E}">
-        <p14:creationId xmlns:p14="http://schemas.microsoft.com/office/powerpoint/2010/main" xmlns="" val="1909113337"/>
+        <p14:creationId xmlns="" xmlns:p14="http://schemas.microsoft.com/office/powerpoint/2010/main" val="2032910018"/>
       </p:ext>
     </p:extLst>
   </p:cSld>
@@ -7688,7 +7533,7 @@
             <p:ph idx="1"/>
             <p:extLst>
               <p:ext uri="{D42A27DB-BD31-4B8C-83A1-F6EECF244321}">
-                <p14:modId xmlns:p14="http://schemas.microsoft.com/office/powerpoint/2010/main" xmlns="" val="3419318785"/>
+                <p14:modId xmlns="" xmlns:p14="http://schemas.microsoft.com/office/powerpoint/2010/main" val="3419318785"/>
               </p:ext>
             </p:extLst>
           </p:nvPr>
@@ -8265,7 +8110,7 @@
     </p:spTree>
     <p:extLst>
       <p:ext uri="{BB962C8B-B14F-4D97-AF65-F5344CB8AC3E}">
-        <p14:creationId xmlns:p14="http://schemas.microsoft.com/office/powerpoint/2010/main" xmlns="" val="2066855957"/>
+        <p14:creationId xmlns="" xmlns:p14="http://schemas.microsoft.com/office/powerpoint/2010/main" val="2066855957"/>
       </p:ext>
     </p:extLst>
   </p:cSld>
@@ -8881,7 +8726,7 @@
     </p:spTree>
     <p:extLst>
       <p:ext uri="{BB962C8B-B14F-4D97-AF65-F5344CB8AC3E}">
-        <p14:creationId xmlns:p14="http://schemas.microsoft.com/office/powerpoint/2010/main" xmlns="" val="2495760150"/>
+        <p14:creationId xmlns="" xmlns:p14="http://schemas.microsoft.com/office/powerpoint/2010/main" val="2495760150"/>
       </p:ext>
     </p:extLst>
   </p:cSld>
@@ -9019,7 +8864,7 @@
     </p:spTree>
     <p:extLst>
       <p:ext uri="{BB962C8B-B14F-4D97-AF65-F5344CB8AC3E}">
-        <p14:creationId xmlns:p14="http://schemas.microsoft.com/office/powerpoint/2010/main" xmlns="" val="2549321091"/>
+        <p14:creationId xmlns="" xmlns:p14="http://schemas.microsoft.com/office/powerpoint/2010/main" val="2549321091"/>
       </p:ext>
     </p:extLst>
   </p:cSld>
@@ -9055,7 +8900,7 @@
       </p:grpSpPr>
       <p:sp>
         <p:nvSpPr>
-          <p:cNvPr id="3" name="Espace réservé du contenu 2"/>
+          <p:cNvPr id="7" name="Espace réservé du contenu 3"/>
           <p:cNvSpPr>
             <a:spLocks noGrp="1"/>
           </p:cNvSpPr>
@@ -9065,137 +8910,118 @@
         </p:nvSpPr>
         <p:spPr>
           <a:xfrm>
-            <a:off x="1979712" y="2564904"/>
-            <a:ext cx="6707088" cy="3561259"/>
+            <a:off x="1979712" y="1916832"/>
+            <a:ext cx="6707088" cy="4441126"/>
           </a:xfrm>
         </p:spPr>
         <p:txBody>
           <a:bodyPr>
-            <a:normAutofit fontScale="85000" lnSpcReduction="20000"/>
+            <a:normAutofit lnSpcReduction="10000"/>
           </a:bodyPr>
           <a:lstStyle/>
           <a:p>
+            <a:pPr algn="ctr">
+              <a:buNone/>
+            </a:pPr>
+            <a:r>
+              <a:rPr lang="fr-FR" dirty="0" err="1" smtClean="0"/>
+              <a:t>Jaspersoft</a:t>
+            </a:r>
+            <a:endParaRPr lang="fr-FR" dirty="0" smtClean="0"/>
+          </a:p>
+          <a:p>
+            <a:pPr lvl="0"/>
+            <a:r>
+              <a:rPr lang="fr-FR" sz="2400" dirty="0" smtClean="0"/>
+              <a:t>Créé en 2001</a:t>
+            </a:r>
+          </a:p>
+          <a:p>
+            <a:pPr lvl="0"/>
+            <a:r>
+              <a:rPr lang="fr-FR" sz="2400" dirty="0" smtClean="0"/>
+              <a:t>Suite décisionnelle open source la plus utilisée au </a:t>
+            </a:r>
+            <a:r>
+              <a:rPr lang="fr-FR" sz="2400" dirty="0" smtClean="0"/>
+              <a:t>monde</a:t>
+            </a:r>
+          </a:p>
+          <a:p>
+            <a:pPr lvl="0"/>
+            <a:r>
+              <a:rPr lang="fr-FR" sz="2400" dirty="0" smtClean="0"/>
+              <a:t>S</a:t>
+            </a:r>
+            <a:r>
+              <a:rPr lang="fr-FR" sz="2400" dirty="0" smtClean="0"/>
+              <a:t>uite </a:t>
+            </a:r>
+            <a:r>
+              <a:rPr lang="fr-FR" sz="2400" dirty="0" smtClean="0"/>
+              <a:t>complète de BI</a:t>
+            </a:r>
+          </a:p>
+          <a:p>
             <a:pPr lvl="1"/>
             <a:r>
-              <a:rPr lang="fr-FR" dirty="0" smtClean="0"/>
-              <a:t>Créé en 2001</a:t>
+              <a:rPr lang="fr-FR" sz="2000" dirty="0" smtClean="0"/>
+              <a:t>Jasper ETL (récupération, transformation et chargement de données)</a:t>
             </a:r>
           </a:p>
           <a:p>
             <a:pPr lvl="1"/>
             <a:r>
-              <a:rPr lang="fr-FR" dirty="0" smtClean="0"/>
-              <a:t>Suite décisionnelle open source la plus utilisée au monde</a:t>
+              <a:rPr lang="fr-FR" sz="2000" dirty="0" err="1" smtClean="0"/>
+              <a:t>iReport</a:t>
+            </a:r>
+            <a:r>
+              <a:rPr lang="fr-FR" sz="2000" dirty="0" smtClean="0"/>
+              <a:t> (conception modèle de rapport)</a:t>
             </a:r>
           </a:p>
           <a:p>
             <a:pPr lvl="1"/>
             <a:r>
-              <a:rPr lang="fr-FR" dirty="0" smtClean="0"/>
-              <a:t>Propose suite complète de BI</a:t>
-            </a:r>
-          </a:p>
-          <a:p>
-            <a:pPr lvl="2"/>
-            <a:r>
-              <a:rPr lang="fr-FR" dirty="0" smtClean="0"/>
-              <a:t>Jasper ETL (récupération, transformation et chargement de données)</a:t>
-            </a:r>
-          </a:p>
-          <a:p>
-            <a:pPr lvl="2"/>
-            <a:r>
-              <a:rPr lang="fr-FR" dirty="0" smtClean="0"/>
-              <a:t>iReport (conception modèle de rapport)</a:t>
-            </a:r>
-          </a:p>
-          <a:p>
-            <a:pPr lvl="2"/>
-            <a:r>
-              <a:rPr lang="fr-FR" dirty="0" smtClean="0"/>
+              <a:rPr lang="fr-FR" sz="2000" dirty="0" smtClean="0"/>
               <a:t>Jasper Report (exécution et lecture de données)</a:t>
             </a:r>
           </a:p>
           <a:p>
-            <a:pPr lvl="2"/>
-            <a:r>
-              <a:rPr lang="fr-FR" dirty="0" smtClean="0"/>
+            <a:pPr lvl="1"/>
+            <a:r>
+              <a:rPr lang="fr-FR" sz="2000" dirty="0" smtClean="0"/>
               <a:t>Jasper Server (distribution des rapports)</a:t>
             </a:r>
           </a:p>
           <a:p>
-            <a:pPr lvl="1"/>
-            <a:r>
-              <a:rPr lang="fr-FR" dirty="0" smtClean="0"/>
+            <a:pPr lvl="0"/>
+            <a:r>
+              <a:rPr lang="fr-FR" sz="2400" dirty="0" smtClean="0"/>
               <a:t>Solution d’analyse et de </a:t>
             </a:r>
             <a:r>
-              <a:rPr lang="fr-FR" dirty="0" err="1" smtClean="0"/>
+              <a:rPr lang="fr-FR" sz="2400" dirty="0" err="1" smtClean="0"/>
               <a:t>reporting</a:t>
             </a:r>
             <a:r>
-              <a:rPr lang="fr-FR" dirty="0" smtClean="0"/>
+              <a:rPr lang="fr-FR" sz="2400" dirty="0" smtClean="0"/>
               <a:t> performante</a:t>
             </a:r>
           </a:p>
           <a:p>
-            <a:pPr lvl="3"/>
-            <a:endParaRPr lang="fr-FR" dirty="0"/>
-          </a:p>
-        </p:txBody>
-      </p:sp>
-      <p:sp>
-        <p:nvSpPr>
-          <p:cNvPr id="4" name="Espace réservé du contenu 2"/>
-          <p:cNvSpPr txBox="1">
-            <a:spLocks/>
-          </p:cNvSpPr>
-          <p:nvPr/>
-        </p:nvSpPr>
-        <p:spPr>
-          <a:xfrm>
-            <a:off x="2357422" y="1928802"/>
-            <a:ext cx="4071966" cy="642942"/>
-          </a:xfrm>
-          <a:prstGeom prst="rect">
-            <a:avLst/>
-          </a:prstGeom>
-        </p:spPr>
-        <p:txBody>
-          <a:bodyPr vert="horz" lIns="91440" tIns="45720" rIns="91440" bIns="45720" rtlCol="0">
-            <a:normAutofit/>
-          </a:bodyPr>
-          <a:lstStyle/>
-          <a:p>
-            <a:pPr marL="0" lvl="1" algn="ctr">
-              <a:spcBef>
-                <a:spcPct val="20000"/>
-              </a:spcBef>
-            </a:pPr>
-            <a:r>
-              <a:rPr lang="fr-FR" sz="3200" dirty="0" err="1" smtClean="0"/>
-              <a:t>JasperSoft</a:t>
-            </a:r>
-            <a:endParaRPr kumimoji="0" lang="fr-FR" sz="2600" i="0" u="none" strike="noStrike" kern="1200" cap="none" spc="0" normalizeH="0" baseline="0" noProof="0" dirty="0" smtClean="0">
-              <a:ln>
-                <a:noFill/>
-              </a:ln>
-              <a:solidFill>
-                <a:schemeClr val="tx1"/>
-              </a:solidFill>
-              <a:effectLst/>
-              <a:uLnTx/>
-              <a:uFillTx/>
-              <a:latin typeface="+mn-lt"/>
-              <a:ea typeface="+mn-ea"/>
-              <a:cs typeface="+mn-cs"/>
-            </a:endParaRPr>
+            <a:pPr lvl="0"/>
+            <a:endParaRPr lang="fr-FR" sz="2400" dirty="0" smtClean="0"/>
+          </a:p>
+          <a:p>
+            <a:pPr lvl="0"/>
+            <a:endParaRPr lang="fr-FR" sz="2400" dirty="0" smtClean="0"/>
           </a:p>
         </p:txBody>
       </p:sp>
       <p:pic>
         <p:nvPicPr>
-          <p:cNvPr id="5" name="Picture 4" descr="http://www.talend.com/img/logos/P01-P1-P-jaspersoft.jpg"/>
+          <p:cNvPr id="3" name="Picture 4" descr="http://www.talend.com/img/logos/P01-P1-P-jaspersoft.jpg"/>
           <p:cNvPicPr>
             <a:picLocks noChangeAspect="1" noChangeArrowheads="1"/>
           </p:cNvPicPr>
@@ -9210,8 +9036,8 @@
         </p:blipFill>
         <p:spPr bwMode="auto">
           <a:xfrm>
-            <a:off x="6228183" y="1700808"/>
-            <a:ext cx="2399543" cy="998791"/>
+            <a:off x="6297548" y="1628800"/>
+            <a:ext cx="2882964" cy="1200011"/>
           </a:xfrm>
           <a:prstGeom prst="rect">
             <a:avLst/>
@@ -9222,7 +9048,7 @@
     </p:spTree>
     <p:extLst>
       <p:ext uri="{BB962C8B-B14F-4D97-AF65-F5344CB8AC3E}">
-        <p14:creationId xmlns:p14="http://schemas.microsoft.com/office/powerpoint/2010/main" xmlns="" val="3094988837"/>
+        <p14:creationId xmlns="" xmlns:p14="http://schemas.microsoft.com/office/powerpoint/2010/main" val="2032910018"/>
       </p:ext>
     </p:extLst>
   </p:cSld>
@@ -9258,7 +9084,7 @@
       </p:grpSpPr>
       <p:sp>
         <p:nvSpPr>
-          <p:cNvPr id="3" name="Espace réservé du contenu 2"/>
+          <p:cNvPr id="7" name="Espace réservé du contenu 3"/>
           <p:cNvSpPr>
             <a:spLocks noGrp="1"/>
           </p:cNvSpPr>
@@ -9268,112 +9094,74 @@
         </p:nvSpPr>
         <p:spPr>
           <a:xfrm>
-            <a:off x="1979712" y="2636912"/>
-            <a:ext cx="6707088" cy="3489251"/>
+            <a:off x="1979712" y="1916832"/>
+            <a:ext cx="6707088" cy="4441126"/>
           </a:xfrm>
         </p:spPr>
         <p:txBody>
           <a:bodyPr>
-            <a:normAutofit fontScale="92500" lnSpcReduction="10000"/>
-          </a:bodyPr>
-          <a:lstStyle/>
-          <a:p>
-            <a:pPr lvl="1"/>
-            <a:r>
-              <a:rPr lang="fr-FR" dirty="0" smtClean="0"/>
-              <a:t>Créer un modèle de rapport</a:t>
-            </a:r>
-          </a:p>
-          <a:p>
-            <a:pPr lvl="1"/>
-            <a:r>
-              <a:rPr lang="fr-FR" dirty="0" smtClean="0"/>
-              <a:t>Obtenir un fichier XML</a:t>
-            </a:r>
-          </a:p>
-          <a:p>
-            <a:pPr lvl="1"/>
-            <a:r>
-              <a:rPr lang="fr-FR" dirty="0" smtClean="0"/>
-              <a:t>Construire  des rapports à partir d’un modèle</a:t>
-            </a:r>
-          </a:p>
-          <a:p>
-            <a:pPr lvl="1"/>
-            <a:r>
-              <a:rPr lang="fr-FR" dirty="0" smtClean="0"/>
-              <a:t>Remplir le rapport avec des données en provenance de diverses sources</a:t>
-            </a:r>
-          </a:p>
-          <a:p>
-            <a:pPr lvl="1"/>
-            <a:r>
-              <a:rPr lang="fr-FR" dirty="0" smtClean="0"/>
-              <a:t>Exporter sous divers formats (PDF, HTML, EXCEL…)</a:t>
-            </a:r>
-            <a:endParaRPr lang="fr-FR" dirty="0"/>
-          </a:p>
-          <a:p>
-            <a:endParaRPr lang="fr-FR" dirty="0" smtClean="0"/>
-          </a:p>
-          <a:p>
-            <a:endParaRPr lang="fr-FR" dirty="0"/>
-          </a:p>
-        </p:txBody>
-      </p:sp>
-      <p:sp>
-        <p:nvSpPr>
-          <p:cNvPr id="5" name="Espace réservé du contenu 2"/>
-          <p:cNvSpPr txBox="1">
-            <a:spLocks/>
-          </p:cNvSpPr>
-          <p:nvPr/>
-        </p:nvSpPr>
-        <p:spPr>
-          <a:xfrm>
-            <a:off x="2357422" y="1928802"/>
-            <a:ext cx="4071966" cy="642942"/>
-          </a:xfrm>
-          <a:prstGeom prst="rect">
-            <a:avLst/>
-          </a:prstGeom>
-        </p:spPr>
-        <p:txBody>
-          <a:bodyPr vert="horz" lIns="91440" tIns="45720" rIns="91440" bIns="45720" rtlCol="0">
             <a:normAutofit/>
           </a:bodyPr>
           <a:lstStyle/>
           <a:p>
-            <a:pPr marL="0" lvl="1" algn="ctr">
-              <a:spcBef>
-                <a:spcPct val="20000"/>
-              </a:spcBef>
+            <a:pPr algn="ctr">
+              <a:buNone/>
             </a:pPr>
             <a:r>
-              <a:rPr lang="fr-FR" sz="3200" dirty="0" err="1" smtClean="0"/>
+              <a:rPr lang="fr-FR" dirty="0" err="1" smtClean="0"/>
               <a:t>iReport</a:t>
             </a:r>
-            <a:endParaRPr kumimoji="0" lang="fr-FR" sz="2600" i="0" u="none" strike="noStrike" kern="1200" cap="none" spc="0" normalizeH="0" baseline="0" noProof="0" dirty="0" smtClean="0">
-              <a:ln>
-                <a:noFill/>
-              </a:ln>
-              <a:solidFill>
-                <a:schemeClr val="tx1"/>
-              </a:solidFill>
-              <a:effectLst/>
-              <a:uLnTx/>
-              <a:uFillTx/>
-              <a:latin typeface="+mn-lt"/>
-              <a:ea typeface="+mn-ea"/>
-              <a:cs typeface="+mn-cs"/>
-            </a:endParaRPr>
+            <a:endParaRPr lang="fr-FR" dirty="0" smtClean="0"/>
+          </a:p>
+          <a:p>
+            <a:pPr lvl="0"/>
+            <a:r>
+              <a:rPr lang="fr-FR" sz="2400" dirty="0" smtClean="0"/>
+              <a:t>Créer un modèle de rapport</a:t>
+            </a:r>
+          </a:p>
+          <a:p>
+            <a:pPr lvl="0"/>
+            <a:r>
+              <a:rPr lang="fr-FR" sz="2400" dirty="0" smtClean="0"/>
+              <a:t>Obtenir un fichier XML</a:t>
+            </a:r>
+          </a:p>
+          <a:p>
+            <a:pPr lvl="0"/>
+            <a:r>
+              <a:rPr lang="fr-FR" sz="2400" dirty="0" smtClean="0"/>
+              <a:t>Construire  des rapports à partir d’un modèle</a:t>
+            </a:r>
+          </a:p>
+          <a:p>
+            <a:pPr lvl="0"/>
+            <a:r>
+              <a:rPr lang="fr-FR" sz="2400" dirty="0" smtClean="0"/>
+              <a:t>Remplir le rapport avec des données en provenance de diverses sources</a:t>
+            </a:r>
+          </a:p>
+          <a:p>
+            <a:pPr lvl="0"/>
+            <a:r>
+              <a:rPr lang="fr-FR" sz="2400" dirty="0" smtClean="0"/>
+              <a:t>Exporter sous divers formats (PDF, HTML, EXCEL…)</a:t>
+            </a:r>
+          </a:p>
+          <a:p>
+            <a:pPr lvl="0"/>
+            <a:endParaRPr lang="fr-FR" sz="2400" dirty="0" smtClean="0"/>
+          </a:p>
+          <a:p>
+            <a:pPr lvl="0"/>
+            <a:endParaRPr lang="fr-FR" sz="2400" dirty="0" smtClean="0"/>
           </a:p>
         </p:txBody>
       </p:sp>
     </p:spTree>
     <p:extLst>
       <p:ext uri="{BB962C8B-B14F-4D97-AF65-F5344CB8AC3E}">
-        <p14:creationId xmlns:p14="http://schemas.microsoft.com/office/powerpoint/2010/main" xmlns="" val="35597220"/>
+        <p14:creationId xmlns="" xmlns:p14="http://schemas.microsoft.com/office/powerpoint/2010/main" val="2032910018"/>
       </p:ext>
     </p:extLst>
   </p:cSld>
@@ -9409,7 +9197,7 @@
       </p:grpSpPr>
       <p:sp>
         <p:nvSpPr>
-          <p:cNvPr id="3" name="Espace réservé du contenu 2"/>
+          <p:cNvPr id="7" name="Espace réservé du contenu 3"/>
           <p:cNvSpPr>
             <a:spLocks noGrp="1"/>
           </p:cNvSpPr>
@@ -9419,35 +9207,35 @@
         </p:nvSpPr>
         <p:spPr>
           <a:xfrm>
-            <a:off x="1907704" y="2780928"/>
-            <a:ext cx="3456384" cy="3729355"/>
+            <a:off x="1979712" y="3356992"/>
+            <a:ext cx="3384376" cy="3501008"/>
           </a:xfrm>
         </p:spPr>
         <p:txBody>
           <a:bodyPr>
-            <a:normAutofit fontScale="92500" lnSpcReduction="10000"/>
+            <a:normAutofit/>
           </a:bodyPr>
           <a:lstStyle/>
           <a:p>
-            <a:pPr lvl="1"/>
-            <a:endParaRPr lang="fr-FR" sz="2400" dirty="0" smtClean="0"/>
-          </a:p>
-          <a:p>
-            <a:pPr lvl="1"/>
+            <a:pPr lvl="0"/>
+            <a:r>
+              <a:rPr lang="fr-FR" sz="2400" dirty="0" err="1" smtClean="0"/>
+              <a:t>Reporting</a:t>
+            </a:r>
             <a:r>
               <a:rPr lang="fr-FR" sz="2400" dirty="0" smtClean="0"/>
-              <a:t>Reporting complet</a:t>
-            </a:r>
-          </a:p>
-          <a:p>
-            <a:pPr lvl="1"/>
+              <a:t> complet</a:t>
+            </a:r>
+          </a:p>
+          <a:p>
+            <a:pPr lvl="0"/>
             <a:r>
               <a:rPr lang="fr-FR" sz="2400" dirty="0" smtClean="0"/>
               <a:t>Rapports dynamiques</a:t>
             </a:r>
           </a:p>
           <a:p>
-            <a:pPr lvl="1"/>
+            <a:pPr lvl="0"/>
             <a:r>
               <a:rPr lang="fr-FR" sz="2400" dirty="0" smtClean="0"/>
               <a:t>Fonctionnalités poussées </a:t>
@@ -9456,38 +9244,36 @@
               <a:rPr lang="fr-FR" sz="2400" dirty="0" smtClean="0">
                 <a:sym typeface="Wingdings" pitchFamily="2" charset="2"/>
               </a:rPr>
-              <a:t> </a:t>
+              <a:t>avec son </a:t>
             </a:r>
             <a:r>
               <a:rPr lang="fr-FR" sz="2400" dirty="0" smtClean="0"/>
-              <a:t>Système de script</a:t>
-            </a:r>
-            <a:endParaRPr lang="fr-FR" sz="2400" dirty="0" smtClean="0">
-              <a:sym typeface="Wingdings" pitchFamily="2" charset="2"/>
-            </a:endParaRPr>
-          </a:p>
-          <a:p>
-            <a:pPr lvl="1"/>
-            <a:r>
-              <a:rPr lang="fr-FR" sz="2400" dirty="0" smtClean="0">
-                <a:sym typeface="Wingdings" pitchFamily="2" charset="2"/>
-              </a:rPr>
+              <a:t>système </a:t>
+            </a:r>
+            <a:r>
+              <a:rPr lang="fr-FR" sz="2400" dirty="0" smtClean="0"/>
+              <a:t>de script</a:t>
+            </a:r>
+          </a:p>
+          <a:p>
+            <a:pPr lvl="0"/>
+            <a:r>
+              <a:rPr lang="fr-FR" sz="2400" dirty="0" smtClean="0"/>
               <a:t>Sorti des documents sous différents formats</a:t>
             </a:r>
           </a:p>
           <a:p>
-            <a:pPr lvl="1"/>
+            <a:pPr lvl="0"/>
             <a:r>
               <a:rPr lang="fr-FR" sz="2400" dirty="0" smtClean="0"/>
               <a:t>Open source</a:t>
             </a:r>
-            <a:endParaRPr lang="fr-FR" sz="2400" dirty="0"/>
           </a:p>
         </p:txBody>
       </p:sp>
       <p:pic>
         <p:nvPicPr>
-          <p:cNvPr id="5" name="Picture 4" descr="http://www.plongeur.com/magazine/wp-content/uploads/2007/12/plus.jpg"/>
+          <p:cNvPr id="3" name="Picture 4" descr="http://www.plongeur.com/magazine/wp-content/uploads/2007/12/plus.jpg"/>
           <p:cNvPicPr>
             <a:picLocks noChangeAspect="1" noChangeArrowheads="1"/>
           </p:cNvPicPr>
@@ -9513,7 +9299,7 @@
       </p:pic>
       <p:pic>
         <p:nvPicPr>
-          <p:cNvPr id="6" name="Picture 6" descr="http://www.plongeur.com/magazine/wp-content/uploads/2007/12/moins.jpg"/>
+          <p:cNvPr id="4" name="Picture 6" descr="http://www.plongeur.com/magazine/wp-content/uploads/2007/12/moins.jpg"/>
           <p:cNvPicPr>
             <a:picLocks noChangeAspect="1" noChangeArrowheads="1"/>
           </p:cNvPicPr>
@@ -9539,7 +9325,7 @@
       </p:pic>
       <p:sp>
         <p:nvSpPr>
-          <p:cNvPr id="7" name="Espace réservé du contenu 2"/>
+          <p:cNvPr id="5" name="Espace réservé du contenu 3"/>
           <p:cNvSpPr txBox="1">
             <a:spLocks/>
           </p:cNvSpPr>
@@ -9547,8 +9333,8 @@
         </p:nvSpPr>
         <p:spPr>
           <a:xfrm>
-            <a:off x="5327576" y="3140968"/>
-            <a:ext cx="3816424" cy="4525963"/>
+            <a:off x="1979712" y="1916832"/>
+            <a:ext cx="6707088" cy="720080"/>
           </a:xfrm>
           <a:prstGeom prst="rect">
             <a:avLst/>
@@ -9560,7 +9346,7 @@
           </a:bodyPr>
           <a:lstStyle/>
           <a:p>
-            <a:pPr marL="742950" marR="0" lvl="1" indent="-285750" algn="l" defTabSz="914400" rtl="0" eaLnBrk="1" fontAlgn="auto" latinLnBrk="0" hangingPunct="1">
+            <a:pPr marL="342900" marR="0" lvl="0" indent="-342900" algn="ctr" defTabSz="914400" rtl="0" eaLnBrk="1" fontAlgn="auto" latinLnBrk="0" hangingPunct="1">
               <a:lnSpc>
                 <a:spcPct val="100000"/>
               </a:lnSpc>
@@ -9573,12 +9359,12 @@
               <a:buClrTx/>
               <a:buSzTx/>
               <a:buFont typeface="Arial" pitchFamily="34" charset="0"/>
-              <a:buChar char="–"/>
+              <a:buNone/>
               <a:tabLst/>
               <a:defRPr/>
             </a:pPr>
             <a:r>
-              <a:rPr kumimoji="0" lang="fr-FR" sz="2400" b="0" i="0" u="none" strike="noStrike" kern="1200" cap="none" spc="0" normalizeH="0" baseline="0" noProof="0" dirty="0" smtClean="0">
+              <a:rPr kumimoji="0" lang="fr-FR" sz="3200" b="0" i="0" u="none" strike="noStrike" kern="1200" cap="none" spc="0" normalizeH="0" baseline="0" noProof="0" dirty="0" err="1" smtClean="0">
                 <a:ln>
                   <a:noFill/>
                 </a:ln>
@@ -9592,11 +9378,25 @@
                 <a:ea typeface="+mn-ea"/>
                 <a:cs typeface="+mn-cs"/>
               </a:rPr>
-              <a:t>Besoin de connaissance SQL</a:t>
-            </a:r>
-          </a:p>
-          <a:p>
-            <a:pPr marL="742950" marR="0" lvl="1" indent="-285750" algn="l" defTabSz="914400" rtl="0" eaLnBrk="1" fontAlgn="auto" latinLnBrk="0" hangingPunct="1">
+              <a:t>iReport</a:t>
+            </a:r>
+            <a:endParaRPr kumimoji="0" lang="fr-FR" sz="3200" b="0" i="0" u="none" strike="noStrike" kern="1200" cap="none" spc="0" normalizeH="0" baseline="0" noProof="0" dirty="0" smtClean="0">
+              <a:ln>
+                <a:noFill/>
+              </a:ln>
+              <a:solidFill>
+                <a:schemeClr val="tx1"/>
+              </a:solidFill>
+              <a:effectLst/>
+              <a:uLnTx/>
+              <a:uFillTx/>
+              <a:latin typeface="+mn-lt"/>
+              <a:ea typeface="+mn-ea"/>
+              <a:cs typeface="+mn-cs"/>
+            </a:endParaRPr>
+          </a:p>
+          <a:p>
+            <a:pPr marL="342900" marR="0" lvl="0" indent="-342900" algn="l" defTabSz="914400" rtl="0" eaLnBrk="1" fontAlgn="auto" latinLnBrk="0" hangingPunct="1">
               <a:lnSpc>
                 <a:spcPct val="100000"/>
               </a:lnSpc>
@@ -9609,44 +9409,10 @@
               <a:buClrTx/>
               <a:buSzTx/>
               <a:buFont typeface="Arial" pitchFamily="34" charset="0"/>
-              <a:buChar char="–"/>
+              <a:buChar char="•"/>
               <a:tabLst/>
               <a:defRPr/>
             </a:pPr>
-            <a:r>
-              <a:rPr kumimoji="0" lang="fr-FR" sz="2400" b="0" i="0" u="none" strike="noStrike" kern="1200" cap="none" spc="0" normalizeH="0" baseline="0" noProof="0" dirty="0" smtClean="0">
-                <a:ln>
-                  <a:noFill/>
-                </a:ln>
-                <a:solidFill>
-                  <a:schemeClr val="tx1"/>
-                </a:solidFill>
-                <a:effectLst/>
-                <a:uLnTx/>
-                <a:uFillTx/>
-                <a:latin typeface="+mn-lt"/>
-                <a:ea typeface="+mn-ea"/>
-                <a:cs typeface="+mn-cs"/>
-              </a:rPr>
-              <a:t>Maitrise système de script </a:t>
-            </a:r>
-            <a:r>
-              <a:rPr kumimoji="0" lang="fr-FR" sz="2400" b="0" i="0" u="none" strike="noStrike" kern="1200" cap="none" spc="0" normalizeH="0" baseline="0" noProof="0" dirty="0" err="1" smtClean="0">
-                <a:ln>
-                  <a:noFill/>
-                </a:ln>
-                <a:solidFill>
-                  <a:schemeClr val="tx1"/>
-                </a:solidFill>
-                <a:effectLst/>
-                <a:uLnTx/>
-                <a:uFillTx/>
-                <a:latin typeface="+mn-lt"/>
-                <a:ea typeface="+mn-ea"/>
-                <a:cs typeface="+mn-cs"/>
-              </a:rPr>
-              <a:t>iReport</a:t>
-            </a:r>
             <a:endParaRPr kumimoji="0" lang="fr-FR" sz="2400" b="0" i="0" u="none" strike="noStrike" kern="1200" cap="none" spc="0" normalizeH="0" baseline="0" noProof="0" dirty="0" smtClean="0">
               <a:ln>
                 <a:noFill/>
@@ -9663,7 +9429,7 @@
             </a:endParaRPr>
           </a:p>
           <a:p>
-            <a:pPr marL="742950" marR="0" lvl="1" indent="-285750" algn="l" defTabSz="914400" rtl="0" eaLnBrk="1" fontAlgn="auto" latinLnBrk="0" hangingPunct="1">
+            <a:pPr marL="342900" marR="0" lvl="0" indent="-342900" algn="l" defTabSz="914400" rtl="0" eaLnBrk="1" fontAlgn="auto" latinLnBrk="0" hangingPunct="1">
               <a:lnSpc>
                 <a:spcPct val="100000"/>
               </a:lnSpc>
@@ -9676,62 +9442,11 @@
               <a:buClrTx/>
               <a:buSzTx/>
               <a:buFont typeface="Arial" pitchFamily="34" charset="0"/>
-              <a:buChar char="–"/>
+              <a:buChar char="•"/>
               <a:tabLst/>
               <a:defRPr/>
             </a:pPr>
-            <a:r>
-              <a:rPr kumimoji="0" lang="fr-FR" sz="2400" b="0" i="0" u="none" strike="noStrike" kern="1200" cap="none" spc="0" normalizeH="0" baseline="0" noProof="0" dirty="0" smtClean="0">
-                <a:ln>
-                  <a:noFill/>
-                </a:ln>
-                <a:solidFill>
-                  <a:schemeClr val="tx1"/>
-                </a:solidFill>
-                <a:effectLst/>
-                <a:uLnTx/>
-                <a:uFillTx/>
-                <a:latin typeface="+mn-lt"/>
-                <a:ea typeface="+mn-ea"/>
-                <a:cs typeface="+mn-cs"/>
-              </a:rPr>
-              <a:t>1 </a:t>
-            </a:r>
-            <a:r>
-              <a:rPr kumimoji="0" lang="fr-FR" sz="2400" b="0" i="0" u="none" strike="noStrike" kern="1200" cap="none" spc="0" normalizeH="0" baseline="0" noProof="0" dirty="0" err="1" smtClean="0">
-                <a:ln>
-                  <a:noFill/>
-                </a:ln>
-                <a:solidFill>
-                  <a:schemeClr val="tx1"/>
-                </a:solidFill>
-                <a:effectLst/>
-                <a:uLnTx/>
-                <a:uFillTx/>
-                <a:latin typeface="+mn-lt"/>
-                <a:ea typeface="+mn-ea"/>
-                <a:cs typeface="+mn-cs"/>
-              </a:rPr>
-              <a:t>dataset</a:t>
-            </a:r>
-            <a:r>
-              <a:rPr kumimoji="0" lang="fr-FR" sz="2400" b="0" i="0" u="none" strike="noStrike" kern="1200" cap="none" spc="0" normalizeH="0" baseline="0" noProof="0" dirty="0" smtClean="0">
-                <a:ln>
-                  <a:noFill/>
-                </a:ln>
-                <a:solidFill>
-                  <a:schemeClr val="tx1"/>
-                </a:solidFill>
-                <a:effectLst/>
-                <a:uLnTx/>
-                <a:uFillTx/>
-                <a:latin typeface="+mn-lt"/>
-                <a:ea typeface="+mn-ea"/>
-                <a:cs typeface="+mn-cs"/>
-              </a:rPr>
-              <a:t> par tableau/graphique</a:t>
-            </a:r>
-            <a:endParaRPr kumimoji="0" lang="fr-FR" sz="2400" b="0" i="0" u="none" strike="noStrike" kern="1200" cap="none" spc="0" normalizeH="0" baseline="0" noProof="0" dirty="0">
+            <a:endParaRPr kumimoji="0" lang="fr-FR" sz="2400" b="0" i="0" u="none" strike="noStrike" kern="1200" cap="none" spc="0" normalizeH="0" baseline="0" noProof="0" dirty="0" smtClean="0">
               <a:ln>
                 <a:noFill/>
               </a:ln>
@@ -9750,7 +9465,7 @@
       </p:sp>
       <p:sp>
         <p:nvSpPr>
-          <p:cNvPr id="9" name="Espace réservé du contenu 2"/>
+          <p:cNvPr id="6" name="Espace réservé du contenu 3"/>
           <p:cNvSpPr txBox="1">
             <a:spLocks/>
           </p:cNvSpPr>
@@ -9758,8 +9473,8 @@
         </p:nvSpPr>
         <p:spPr>
           <a:xfrm>
-            <a:off x="2357422" y="1928802"/>
-            <a:ext cx="4071966" cy="642942"/>
+            <a:off x="5796136" y="3356992"/>
+            <a:ext cx="3384376" cy="3501008"/>
           </a:xfrm>
           <a:prstGeom prst="rect">
             <a:avLst/>
@@ -9771,36 +9486,63 @@
           </a:bodyPr>
           <a:lstStyle/>
           <a:p>
-            <a:pPr marL="0" lvl="1" algn="ctr">
+            <a:pPr marL="342900" lvl="0" indent="-342900">
               <a:spcBef>
                 <a:spcPct val="20000"/>
               </a:spcBef>
+              <a:buFont typeface="Arial" pitchFamily="34" charset="0"/>
+              <a:buChar char="•"/>
             </a:pPr>
             <a:r>
-              <a:rPr lang="fr-FR" sz="3200" dirty="0" err="1" smtClean="0"/>
+              <a:rPr lang="fr-FR" sz="2400" dirty="0" smtClean="0"/>
+              <a:t>Besoin de connaissance SQL</a:t>
+            </a:r>
+          </a:p>
+          <a:p>
+            <a:pPr marL="342900" lvl="0" indent="-342900">
+              <a:spcBef>
+                <a:spcPct val="20000"/>
+              </a:spcBef>
+              <a:buFont typeface="Arial" pitchFamily="34" charset="0"/>
+              <a:buChar char="•"/>
+            </a:pPr>
+            <a:r>
+              <a:rPr lang="fr-FR" sz="2400" dirty="0" smtClean="0"/>
+              <a:t>Maitrise système de script </a:t>
+            </a:r>
+            <a:r>
+              <a:rPr lang="fr-FR" sz="2400" dirty="0" err="1" smtClean="0"/>
               <a:t>iReport</a:t>
             </a:r>
-            <a:endParaRPr kumimoji="0" lang="fr-FR" sz="2600" i="0" u="none" strike="noStrike" kern="1200" cap="none" spc="0" normalizeH="0" baseline="0" noProof="0" dirty="0" smtClean="0">
-              <a:ln>
-                <a:noFill/>
-              </a:ln>
-              <a:solidFill>
-                <a:schemeClr val="tx1"/>
-              </a:solidFill>
-              <a:effectLst/>
-              <a:uLnTx/>
-              <a:uFillTx/>
-              <a:latin typeface="+mn-lt"/>
-              <a:ea typeface="+mn-ea"/>
-              <a:cs typeface="+mn-cs"/>
-            </a:endParaRPr>
+            <a:endParaRPr lang="fr-FR" sz="2400" dirty="0" smtClean="0"/>
+          </a:p>
+          <a:p>
+            <a:pPr marL="342900" lvl="0" indent="-342900">
+              <a:spcBef>
+                <a:spcPct val="20000"/>
+              </a:spcBef>
+              <a:buFont typeface="Arial" pitchFamily="34" charset="0"/>
+              <a:buChar char="•"/>
+            </a:pPr>
+            <a:r>
+              <a:rPr lang="fr-FR" sz="2400" dirty="0" smtClean="0"/>
+              <a:t>1 </a:t>
+            </a:r>
+            <a:r>
+              <a:rPr lang="fr-FR" sz="2400" dirty="0" smtClean="0"/>
+              <a:t>requête par </a:t>
+            </a:r>
+            <a:r>
+              <a:rPr lang="fr-FR" sz="2400" dirty="0" smtClean="0"/>
+              <a:t>tableau/graphique</a:t>
+            </a:r>
           </a:p>
         </p:txBody>
       </p:sp>
     </p:spTree>
     <p:extLst>
       <p:ext uri="{BB962C8B-B14F-4D97-AF65-F5344CB8AC3E}">
-        <p14:creationId xmlns:p14="http://schemas.microsoft.com/office/powerpoint/2010/main" xmlns="" val="2641382308"/>
+        <p14:creationId xmlns="" xmlns:p14="http://schemas.microsoft.com/office/powerpoint/2010/main" val="2032910018"/>
       </p:ext>
     </p:extLst>
   </p:cSld>
@@ -9836,7 +9578,7 @@
       </p:grpSpPr>
       <p:sp>
         <p:nvSpPr>
-          <p:cNvPr id="3" name="Espace réservé du contenu 2"/>
+          <p:cNvPr id="7" name="Espace réservé du contenu 3"/>
           <p:cNvSpPr>
             <a:spLocks noGrp="1"/>
           </p:cNvSpPr>
@@ -9846,120 +9588,88 @@
         </p:nvSpPr>
         <p:spPr>
           <a:xfrm>
-            <a:off x="1979712" y="2348880"/>
-            <a:ext cx="6707088" cy="3777283"/>
+            <a:off x="1979712" y="1916832"/>
+            <a:ext cx="6707088" cy="4441126"/>
           </a:xfrm>
         </p:spPr>
         <p:txBody>
           <a:bodyPr>
-            <a:normAutofit fontScale="92500" lnSpcReduction="10000"/>
+            <a:normAutofit/>
           </a:bodyPr>
           <a:lstStyle/>
           <a:p>
-            <a:pPr>
+            <a:pPr algn="ctr">
               <a:buNone/>
             </a:pPr>
             <a:r>
-              <a:rPr lang="fr-FR" dirty="0" smtClean="0"/>
-              <a:t>			</a:t>
-            </a:r>
-            <a:endParaRPr lang="fr-FR" u="sng" dirty="0" smtClean="0"/>
+              <a:rPr lang="fr-FR" dirty="0" err="1" smtClean="0"/>
+              <a:t>QlikTech</a:t>
+            </a:r>
+            <a:endParaRPr lang="fr-FR" dirty="0" smtClean="0"/>
+          </a:p>
+          <a:p>
+            <a:pPr lvl="0"/>
+            <a:r>
+              <a:rPr lang="fr-FR" sz="2400" dirty="0" smtClean="0"/>
+              <a:t>Créé en 1993 en Suède</a:t>
+            </a:r>
+          </a:p>
+          <a:p>
+            <a:pPr lvl="0"/>
+            <a:r>
+              <a:rPr lang="fr-FR" sz="2400" dirty="0" smtClean="0"/>
+              <a:t>Plus de 500 partenaires au monde</a:t>
+            </a:r>
+          </a:p>
+          <a:p>
+            <a:pPr lvl="0"/>
+            <a:r>
+              <a:rPr lang="fr-FR" sz="2400" dirty="0" smtClean="0"/>
+              <a:t>Prise </a:t>
+            </a:r>
+            <a:r>
+              <a:rPr lang="fr-FR" sz="2400" dirty="0" smtClean="0"/>
+              <a:t>de décisions des utilisateurs métier dans les </a:t>
+            </a:r>
+            <a:r>
+              <a:rPr lang="fr-FR" sz="2400" dirty="0" smtClean="0"/>
+              <a:t>entreprises simplifiée</a:t>
+            </a:r>
+            <a:endParaRPr lang="fr-FR" sz="2400" dirty="0" smtClean="0"/>
+          </a:p>
+          <a:p>
+            <a:pPr lvl="0"/>
+            <a:r>
+              <a:rPr lang="fr-FR" sz="2400" dirty="0" smtClean="0"/>
+              <a:t>Approches </a:t>
+            </a:r>
+            <a:r>
+              <a:rPr lang="fr-FR" sz="2400" dirty="0" smtClean="0"/>
+              <a:t>innovantes en matière d'accès, de gestion et d'interaction avec les données</a:t>
+            </a:r>
           </a:p>
           <a:p>
             <a:pPr lvl="1"/>
             <a:r>
-              <a:rPr lang="fr-FR" dirty="0" smtClean="0"/>
-              <a:t>Créé en 1993 en Suède</a:t>
-            </a:r>
-          </a:p>
-          <a:p>
-            <a:pPr lvl="1"/>
-            <a:r>
-              <a:rPr lang="fr-FR" dirty="0" smtClean="0"/>
-              <a:t>Plus de 500 partenaires au monde</a:t>
-            </a:r>
-          </a:p>
-          <a:p>
-            <a:pPr lvl="1"/>
-            <a:r>
-              <a:rPr lang="fr-FR" dirty="0" smtClean="0"/>
-              <a:t>Propose de simplifier la prise de décisions des utilisateurs métier dans les entreprises</a:t>
-            </a:r>
-          </a:p>
-          <a:p>
-            <a:pPr lvl="1"/>
-            <a:r>
-              <a:rPr lang="fr-FR" dirty="0" smtClean="0"/>
-              <a:t>A développé des approches innovantes en matière d'accès, de gestion et d'interaction avec les données</a:t>
-            </a:r>
-          </a:p>
-          <a:p>
-            <a:pPr lvl="2"/>
-            <a:r>
-              <a:rPr lang="fr-FR" dirty="0" err="1" smtClean="0"/>
+              <a:rPr lang="fr-FR" sz="2000" dirty="0" err="1" smtClean="0"/>
               <a:t>Qlikview</a:t>
             </a:r>
-            <a:endParaRPr lang="fr-FR" dirty="0" smtClean="0"/>
-          </a:p>
-          <a:p>
-            <a:pPr lvl="1"/>
-            <a:endParaRPr lang="fr-FR" u="sng" dirty="0"/>
-          </a:p>
-        </p:txBody>
-      </p:sp>
-      <p:sp>
-        <p:nvSpPr>
-          <p:cNvPr id="5" name="Espace réservé du contenu 2"/>
-          <p:cNvSpPr txBox="1">
-            <a:spLocks/>
-          </p:cNvSpPr>
-          <p:nvPr/>
-        </p:nvSpPr>
-        <p:spPr>
-          <a:xfrm>
-            <a:off x="2357422" y="1928802"/>
-            <a:ext cx="4071966" cy="642942"/>
-          </a:xfrm>
-          <a:prstGeom prst="rect">
-            <a:avLst/>
-          </a:prstGeom>
-        </p:spPr>
-        <p:txBody>
-          <a:bodyPr vert="horz" lIns="91440" tIns="45720" rIns="91440" bIns="45720" rtlCol="0">
-            <a:normAutofit/>
-          </a:bodyPr>
-          <a:lstStyle/>
-          <a:p>
-            <a:pPr marL="0" lvl="1" algn="ctr">
-              <a:spcBef>
-                <a:spcPct val="20000"/>
-              </a:spcBef>
-            </a:pPr>
-            <a:r>
-              <a:rPr lang="fr-FR" sz="3200" dirty="0" err="1" smtClean="0"/>
-              <a:t>QlikTech</a:t>
-            </a:r>
-            <a:endParaRPr kumimoji="0" lang="fr-FR" sz="2600" i="0" u="none" strike="noStrike" kern="1200" cap="none" spc="0" normalizeH="0" baseline="0" noProof="0" dirty="0" smtClean="0">
-              <a:ln>
-                <a:noFill/>
-              </a:ln>
-              <a:solidFill>
-                <a:schemeClr val="tx1"/>
-              </a:solidFill>
-              <a:effectLst/>
-              <a:uLnTx/>
-              <a:uFillTx/>
-              <a:latin typeface="+mn-lt"/>
-              <a:ea typeface="+mn-ea"/>
-              <a:cs typeface="+mn-cs"/>
-            </a:endParaRPr>
+            <a:endParaRPr lang="fr-FR" sz="2000" dirty="0" smtClean="0"/>
+          </a:p>
+          <a:p>
+            <a:pPr lvl="0"/>
+            <a:endParaRPr lang="fr-FR" sz="2400" dirty="0" smtClean="0"/>
+          </a:p>
+          <a:p>
+            <a:pPr lvl="0"/>
+            <a:endParaRPr lang="fr-FR" sz="2400" dirty="0" smtClean="0"/>
           </a:p>
         </p:txBody>
       </p:sp>
     </p:spTree>
     <p:extLst>
       <p:ext uri="{BB962C8B-B14F-4D97-AF65-F5344CB8AC3E}">
-        <p14:creationId xmlns:p14="http://schemas.microsoft.com/office/powerpoint/2010/main" xmlns="" val="2289717005"/>
+        <p14:creationId xmlns="" xmlns:p14="http://schemas.microsoft.com/office/powerpoint/2010/main" val="2032910018"/>
       </p:ext>
     </p:extLst>
   </p:cSld>
@@ -9995,7 +9705,7 @@
       </p:grpSpPr>
       <p:sp>
         <p:nvSpPr>
-          <p:cNvPr id="3" name="Espace réservé du contenu 2"/>
+          <p:cNvPr id="7" name="Espace réservé du contenu 3"/>
           <p:cNvSpPr>
             <a:spLocks noGrp="1"/>
           </p:cNvSpPr>
@@ -10005,114 +9715,83 @@
         </p:nvSpPr>
         <p:spPr>
           <a:xfrm>
-            <a:off x="1979712" y="2708920"/>
-            <a:ext cx="6707088" cy="3417243"/>
+            <a:off x="1979712" y="1916832"/>
+            <a:ext cx="6707088" cy="4441126"/>
           </a:xfrm>
         </p:spPr>
         <p:txBody>
           <a:bodyPr>
-            <a:normAutofit fontScale="92500" lnSpcReduction="20000"/>
-          </a:bodyPr>
-          <a:lstStyle/>
-          <a:p>
-            <a:pPr lvl="1"/>
-            <a:r>
-              <a:rPr lang="fr-FR" dirty="0" smtClean="0"/>
-              <a:t>Un outil capable de traiter et de représenter n’importe quel type de données</a:t>
-            </a:r>
-          </a:p>
-          <a:p>
-            <a:pPr lvl="1"/>
-            <a:r>
-              <a:rPr lang="fr-FR" dirty="0" smtClean="0"/>
-              <a:t>Rendu de l’analyse facile, utile et passionnante</a:t>
-            </a:r>
-          </a:p>
-          <a:p>
-            <a:pPr lvl="1"/>
-            <a:r>
-              <a:rPr lang="fr-FR" dirty="0" smtClean="0"/>
-              <a:t>Données pouvant provenir de diverses sources de données (BD relationnelle, fichiers textes délimités, </a:t>
-            </a:r>
-            <a:r>
-              <a:rPr lang="fr-FR" dirty="0" err="1" smtClean="0"/>
-              <a:t>excel</a:t>
-            </a:r>
-            <a:r>
-              <a:rPr lang="fr-FR" dirty="0" smtClean="0"/>
-              <a:t>, table </a:t>
-            </a:r>
-            <a:r>
-              <a:rPr lang="fr-FR" dirty="0" err="1" smtClean="0"/>
-              <a:t>HTML,table</a:t>
-            </a:r>
-            <a:r>
-              <a:rPr lang="fr-FR" dirty="0" smtClean="0"/>
-              <a:t> XML…)</a:t>
-            </a:r>
-          </a:p>
-          <a:p>
-            <a:pPr lvl="1"/>
-            <a:endParaRPr lang="fr-FR" u="sng" dirty="0"/>
-          </a:p>
-        </p:txBody>
-      </p:sp>
-      <p:sp>
-        <p:nvSpPr>
-          <p:cNvPr id="5" name="Espace réservé du contenu 2"/>
-          <p:cNvSpPr txBox="1">
-            <a:spLocks/>
-          </p:cNvSpPr>
-          <p:nvPr/>
-        </p:nvSpPr>
-        <p:spPr>
-          <a:xfrm>
-            <a:off x="2357422" y="1928802"/>
-            <a:ext cx="4071966" cy="642942"/>
-          </a:xfrm>
-          <a:prstGeom prst="rect">
-            <a:avLst/>
-          </a:prstGeom>
-        </p:spPr>
-        <p:txBody>
-          <a:bodyPr vert="horz" lIns="91440" tIns="45720" rIns="91440" bIns="45720" rtlCol="0">
             <a:normAutofit/>
           </a:bodyPr>
           <a:lstStyle/>
           <a:p>
-            <a:pPr marL="0" lvl="1" algn="ctr">
-              <a:spcBef>
-                <a:spcPct val="20000"/>
-              </a:spcBef>
+            <a:pPr algn="ctr">
+              <a:buNone/>
             </a:pPr>
             <a:r>
-              <a:rPr lang="fr-FR" sz="3200" dirty="0" err="1" smtClean="0"/>
-              <a:t>Qlikview</a:t>
-            </a:r>
-            <a:r>
-              <a:rPr lang="fr-FR" sz="3200" dirty="0" smtClean="0"/>
-              <a:t> (1996)</a:t>
-            </a:r>
-            <a:endParaRPr kumimoji="0" lang="fr-FR" sz="2600" i="0" u="none" strike="noStrike" kern="1200" cap="none" spc="0" normalizeH="0" baseline="0" noProof="0" dirty="0" smtClean="0">
-              <a:ln>
-                <a:noFill/>
-              </a:ln>
-              <a:solidFill>
-                <a:schemeClr val="tx1"/>
-              </a:solidFill>
-              <a:effectLst/>
-              <a:uLnTx/>
-              <a:uFillTx/>
-              <a:latin typeface="+mn-lt"/>
-              <a:ea typeface="+mn-ea"/>
-              <a:cs typeface="+mn-cs"/>
-            </a:endParaRPr>
+              <a:rPr lang="fr-FR" dirty="0" err="1" smtClean="0"/>
+              <a:t>QlikView</a:t>
+            </a:r>
+            <a:endParaRPr lang="fr-FR" dirty="0" smtClean="0"/>
+          </a:p>
+          <a:p>
+            <a:pPr lvl="0"/>
+            <a:r>
+              <a:rPr lang="fr-FR" sz="2400" dirty="0" smtClean="0"/>
+              <a:t>O</a:t>
+            </a:r>
+            <a:r>
+              <a:rPr lang="fr-FR" sz="2400" dirty="0" smtClean="0"/>
+              <a:t>util </a:t>
+            </a:r>
+            <a:r>
+              <a:rPr lang="fr-FR" sz="2400" dirty="0" smtClean="0"/>
+              <a:t>capable de traiter et de représenter n’importe quel type de données</a:t>
+            </a:r>
+          </a:p>
+          <a:p>
+            <a:pPr lvl="0"/>
+            <a:r>
+              <a:rPr lang="fr-FR" sz="2400" dirty="0" smtClean="0"/>
+              <a:t>Rendu de l’analyse facile, utile et passionnante</a:t>
+            </a:r>
+          </a:p>
+          <a:p>
+            <a:pPr lvl="0"/>
+            <a:r>
+              <a:rPr lang="fr-FR" sz="2400" dirty="0" smtClean="0"/>
+              <a:t>Données pouvant provenir de diverses sources de données (BD relationnelle, fichiers textes délimités, </a:t>
+            </a:r>
+            <a:r>
+              <a:rPr lang="fr-FR" sz="2400" dirty="0" err="1" smtClean="0"/>
+              <a:t>excel</a:t>
+            </a:r>
+            <a:r>
+              <a:rPr lang="fr-FR" sz="2400" dirty="0" smtClean="0"/>
+              <a:t>, table </a:t>
+            </a:r>
+            <a:r>
+              <a:rPr lang="fr-FR" sz="2400" dirty="0" err="1" smtClean="0"/>
+              <a:t>HTML,table</a:t>
+            </a:r>
+            <a:r>
+              <a:rPr lang="fr-FR" sz="2400" dirty="0" smtClean="0"/>
+              <a:t> XML…)</a:t>
+            </a:r>
+          </a:p>
+          <a:p>
+            <a:pPr lvl="0"/>
+            <a:endParaRPr lang="fr-FR" sz="2400" dirty="0" smtClean="0"/>
+          </a:p>
+          <a:p>
+            <a:pPr lvl="0"/>
+            <a:endParaRPr lang="fr-FR" sz="2400" dirty="0" smtClean="0"/>
           </a:p>
         </p:txBody>
       </p:sp>
       <p:pic>
         <p:nvPicPr>
-          <p:cNvPr id="6" name="Picture 2" descr="http://ntek.com.mx/wp-content/uploads/2010/11/qlikview-logo.jpg"/>
+          <p:cNvPr id="3" name="Picture 2" descr="http://ntek.com.mx/wp-content/uploads/2010/11/qlikview-logo.jpg"/>
           <p:cNvPicPr>
             <a:picLocks noChangeAspect="1" noChangeArrowheads="1"/>
           </p:cNvPicPr>
@@ -10127,8 +9806,8 @@
         </p:blipFill>
         <p:spPr bwMode="auto">
           <a:xfrm>
-            <a:off x="6228184" y="1772816"/>
-            <a:ext cx="2313946" cy="798262"/>
+            <a:off x="6228184" y="1628800"/>
+            <a:ext cx="2731409" cy="942278"/>
           </a:xfrm>
           <a:prstGeom prst="rect">
             <a:avLst/>
@@ -10139,7 +9818,7 @@
     </p:spTree>
     <p:extLst>
       <p:ext uri="{BB962C8B-B14F-4D97-AF65-F5344CB8AC3E}">
-        <p14:creationId xmlns:p14="http://schemas.microsoft.com/office/powerpoint/2010/main" xmlns="" val="2084448623"/>
+        <p14:creationId xmlns="" xmlns:p14="http://schemas.microsoft.com/office/powerpoint/2010/main" val="2032910018"/>
       </p:ext>
     </p:extLst>
   </p:cSld>
@@ -10175,7 +9854,7 @@
       </p:grpSpPr>
       <p:sp>
         <p:nvSpPr>
-          <p:cNvPr id="7" name="Espace réservé du contenu 2"/>
+          <p:cNvPr id="7" name="Espace réservé du contenu 3"/>
           <p:cNvSpPr>
             <a:spLocks noGrp="1"/>
           </p:cNvSpPr>
@@ -10185,75 +9864,125 @@
         </p:nvSpPr>
         <p:spPr>
           <a:xfrm>
-            <a:off x="1763688" y="3212976"/>
-            <a:ext cx="4464496" cy="3456384"/>
+            <a:off x="1979712" y="3356992"/>
+            <a:ext cx="3384376" cy="3501008"/>
           </a:xfrm>
         </p:spPr>
         <p:txBody>
           <a:bodyPr>
-            <a:normAutofit fontScale="62500" lnSpcReduction="20000"/>
+            <a:normAutofit fontScale="40000" lnSpcReduction="20000"/>
           </a:bodyPr>
           <a:lstStyle/>
           <a:p>
-            <a:pPr lvl="1"/>
-            <a:endParaRPr lang="fr-FR" dirty="0" smtClean="0"/>
-          </a:p>
-          <a:p>
-            <a:pPr lvl="1"/>
-            <a:r>
-              <a:rPr lang="fr-FR" dirty="0" smtClean="0"/>
-              <a:t>Utilise technologie « in </a:t>
-            </a:r>
-            <a:r>
-              <a:rPr lang="fr-FR" dirty="0" err="1" smtClean="0"/>
+            <a:pPr lvl="0"/>
+            <a:r>
+              <a:rPr lang="fr-FR" sz="4400" dirty="0" smtClean="0"/>
+              <a:t>Technologie « in </a:t>
+            </a:r>
+            <a:r>
+              <a:rPr lang="fr-FR" sz="4400" dirty="0" err="1" smtClean="0"/>
               <a:t>memory</a:t>
             </a:r>
             <a:r>
-              <a:rPr lang="fr-FR" dirty="0" smtClean="0"/>
-              <a:t> » </a:t>
-            </a:r>
-          </a:p>
-          <a:p>
-            <a:pPr lvl="1"/>
-            <a:r>
-              <a:rPr lang="fr-FR" dirty="0" smtClean="0"/>
-              <a:t>Reporting très complet : offre beaucoup de possibilités</a:t>
-            </a:r>
-          </a:p>
-          <a:p>
-            <a:pPr lvl="1"/>
-            <a:r>
-              <a:rPr lang="fr-FR" dirty="0" smtClean="0"/>
+              <a:rPr lang="fr-FR" sz="4400" dirty="0" smtClean="0"/>
+              <a:t> »</a:t>
+            </a:r>
+          </a:p>
+          <a:p>
+            <a:r>
+              <a:rPr lang="fr-FR" sz="4400" dirty="0" err="1" smtClean="0"/>
+              <a:t>Reporting</a:t>
+            </a:r>
+            <a:r>
+              <a:rPr lang="fr-FR" sz="4400" dirty="0" smtClean="0"/>
+              <a:t> très complet : offre beaucoup de possibilités</a:t>
+            </a:r>
+          </a:p>
+          <a:p>
+            <a:r>
+              <a:rPr lang="fr-FR" sz="4400" dirty="0" smtClean="0"/>
               <a:t>Sécurité complète intégrée (contrôler l’accès aux analyses de données et de déterminer qui peut consulter) </a:t>
             </a:r>
           </a:p>
           <a:p>
-            <a:pPr lvl="1"/>
-            <a:r>
-              <a:rPr lang="fr-FR" dirty="0" smtClean="0"/>
+            <a:r>
+              <a:rPr lang="fr-FR" sz="4400" dirty="0" smtClean="0"/>
               <a:t>Données prises en temps réel à la source</a:t>
             </a:r>
           </a:p>
           <a:p>
-            <a:pPr lvl="1"/>
-            <a:r>
-              <a:rPr lang="fr-FR" dirty="0" smtClean="0"/>
+            <a:r>
+              <a:rPr lang="fr-FR" sz="4400" dirty="0" smtClean="0"/>
               <a:t>Pas de connaissances techniques requises</a:t>
             </a:r>
           </a:p>
           <a:p>
-            <a:pPr lvl="1"/>
-            <a:r>
-              <a:rPr lang="fr-FR" dirty="0" smtClean="0"/>
+            <a:r>
+              <a:rPr lang="fr-FR" sz="4400" dirty="0" smtClean="0"/>
               <a:t>Pas de cout de formation (démo)</a:t>
             </a:r>
-            <a:endParaRPr lang="fr-FR" dirty="0"/>
-          </a:p>
-        </p:txBody>
-      </p:sp>
-      <p:sp>
-        <p:nvSpPr>
-          <p:cNvPr id="9" name="Espace réservé du contenu 2"/>
+          </a:p>
+          <a:p>
+            <a:pPr lvl="0"/>
+            <a:endParaRPr lang="fr-FR" sz="2400" dirty="0" smtClean="0"/>
+          </a:p>
+        </p:txBody>
+      </p:sp>
+      <p:pic>
+        <p:nvPicPr>
+          <p:cNvPr id="3" name="Picture 4" descr="http://www.plongeur.com/magazine/wp-content/uploads/2007/12/plus.jpg"/>
+          <p:cNvPicPr>
+            <a:picLocks noChangeAspect="1" noChangeArrowheads="1"/>
+          </p:cNvPicPr>
+          <p:nvPr/>
+        </p:nvPicPr>
+        <p:blipFill>
+          <a:blip r:embed="rId2" cstate="print"/>
+          <a:srcRect/>
+          <a:stretch>
+            <a:fillRect/>
+          </a:stretch>
+        </p:blipFill>
+        <p:spPr bwMode="auto">
+          <a:xfrm>
+            <a:off x="3203848" y="2492896"/>
+            <a:ext cx="648072" cy="648072"/>
+          </a:xfrm>
+          <a:prstGeom prst="rect">
+            <a:avLst/>
+          </a:prstGeom>
+          <a:noFill/>
+        </p:spPr>
+      </p:pic>
+      <p:pic>
+        <p:nvPicPr>
+          <p:cNvPr id="4" name="Picture 6" descr="http://www.plongeur.com/magazine/wp-content/uploads/2007/12/moins.jpg"/>
+          <p:cNvPicPr>
+            <a:picLocks noChangeAspect="1" noChangeArrowheads="1"/>
+          </p:cNvPicPr>
+          <p:nvPr/>
+        </p:nvPicPr>
+        <p:blipFill>
+          <a:blip r:embed="rId3" cstate="print"/>
+          <a:srcRect/>
+          <a:stretch>
+            <a:fillRect/>
+          </a:stretch>
+        </p:blipFill>
+        <p:spPr bwMode="auto">
+          <a:xfrm>
+            <a:off x="6804248" y="2492896"/>
+            <a:ext cx="648071" cy="648073"/>
+          </a:xfrm>
+          <a:prstGeom prst="rect">
+            <a:avLst/>
+          </a:prstGeom>
+          <a:noFill/>
+        </p:spPr>
+      </p:pic>
+      <p:sp>
+        <p:nvSpPr>
+          <p:cNvPr id="5" name="Espace réservé du contenu 3"/>
           <p:cNvSpPr txBox="1">
             <a:spLocks/>
           </p:cNvSpPr>
@@ -10261,8 +9990,8 @@
         </p:nvSpPr>
         <p:spPr>
           <a:xfrm>
-            <a:off x="5832648" y="3140968"/>
-            <a:ext cx="3131840" cy="648072"/>
+            <a:off x="1979712" y="1916832"/>
+            <a:ext cx="6707088" cy="720080"/>
           </a:xfrm>
           <a:prstGeom prst="rect">
             <a:avLst/>
@@ -10270,11 +9999,11 @@
         </p:spPr>
         <p:txBody>
           <a:bodyPr vert="horz" lIns="91440" tIns="45720" rIns="91440" bIns="45720" rtlCol="0">
-            <a:normAutofit fontScale="70000" lnSpcReduction="20000"/>
+            <a:normAutofit/>
           </a:bodyPr>
           <a:lstStyle/>
           <a:p>
-            <a:pPr marL="742950" marR="0" lvl="1" indent="-285750" algn="l" defTabSz="914400" rtl="0" eaLnBrk="1" fontAlgn="auto" latinLnBrk="0" hangingPunct="1">
+            <a:pPr marL="342900" marR="0" lvl="0" indent="-342900" algn="ctr" defTabSz="914400" rtl="0" eaLnBrk="1" fontAlgn="auto" latinLnBrk="0" hangingPunct="1">
               <a:lnSpc>
                 <a:spcPct val="100000"/>
               </a:lnSpc>
@@ -10287,11 +10016,28 @@
               <a:buClrTx/>
               <a:buSzTx/>
               <a:buFont typeface="Arial" pitchFamily="34" charset="0"/>
-              <a:buChar char="–"/>
+              <a:buNone/>
               <a:tabLst/>
               <a:defRPr/>
             </a:pPr>
-            <a:endParaRPr kumimoji="0" lang="fr-FR" sz="2800" b="0" i="0" u="none" strike="noStrike" kern="1200" cap="none" spc="0" normalizeH="0" baseline="0" noProof="0" dirty="0" smtClean="0">
+            <a:r>
+              <a:rPr kumimoji="0" lang="fr-FR" sz="3200" b="0" i="0" u="none" strike="noStrike" kern="1200" cap="none" spc="0" normalizeH="0" baseline="0" noProof="0" dirty="0" err="1" smtClean="0">
+                <a:ln>
+                  <a:noFill/>
+                </a:ln>
+                <a:solidFill>
+                  <a:schemeClr val="tx1"/>
+                </a:solidFill>
+                <a:effectLst/>
+                <a:uLnTx/>
+                <a:uFillTx/>
+                <a:latin typeface="+mn-lt"/>
+                <a:ea typeface="+mn-ea"/>
+                <a:cs typeface="+mn-cs"/>
+              </a:rPr>
+              <a:t>QlikView</a:t>
+            </a:r>
+            <a:endParaRPr kumimoji="0" lang="fr-FR" sz="3200" b="0" i="0" u="none" strike="noStrike" kern="1200" cap="none" spc="0" normalizeH="0" baseline="0" noProof="0" dirty="0" smtClean="0">
               <a:ln>
                 <a:noFill/>
               </a:ln>
@@ -10307,7 +10053,7 @@
             </a:endParaRPr>
           </a:p>
           <a:p>
-            <a:pPr marL="742950" marR="0" lvl="1" indent="-285750" algn="l" defTabSz="914400" rtl="0" eaLnBrk="1" fontAlgn="auto" latinLnBrk="0" hangingPunct="1">
+            <a:pPr marL="342900" marR="0" lvl="0" indent="-342900" algn="l" defTabSz="914400" rtl="0" eaLnBrk="1" fontAlgn="auto" latinLnBrk="0" hangingPunct="1">
               <a:lnSpc>
                 <a:spcPct val="100000"/>
               </a:lnSpc>
@@ -10320,28 +10066,11 @@
               <a:buClrTx/>
               <a:buSzTx/>
               <a:buFont typeface="Arial" pitchFamily="34" charset="0"/>
-              <a:buChar char="–"/>
+              <a:buChar char="•"/>
               <a:tabLst/>
               <a:defRPr/>
             </a:pPr>
-            <a:r>
-              <a:rPr kumimoji="0" lang="fr-FR" sz="2800" b="0" i="0" u="none" strike="noStrike" kern="1200" cap="none" spc="0" normalizeH="0" baseline="0" noProof="0" dirty="0" smtClean="0">
-                <a:ln>
-                  <a:noFill/>
-                </a:ln>
-                <a:solidFill>
-                  <a:schemeClr val="tx1"/>
-                </a:solidFill>
-                <a:effectLst/>
-                <a:uLnTx/>
-                <a:uFillTx/>
-                <a:latin typeface="+mn-lt"/>
-                <a:ea typeface="+mn-ea"/>
-                <a:cs typeface="+mn-cs"/>
-              </a:rPr>
-              <a:t>Licence onéreuse</a:t>
-            </a:r>
-            <a:endParaRPr kumimoji="0" lang="fr-FR" sz="2800" b="0" i="0" u="none" strike="noStrike" kern="1200" cap="none" spc="0" normalizeH="0" baseline="0" noProof="0" dirty="0">
+            <a:endParaRPr kumimoji="0" lang="fr-FR" sz="2400" b="0" i="0" u="none" strike="noStrike" kern="1200" cap="none" spc="0" normalizeH="0" baseline="0" noProof="0" dirty="0" smtClean="0">
               <a:ln>
                 <a:noFill/>
               </a:ln>
@@ -10356,93 +10085,25 @@
               <a:cs typeface="+mn-cs"/>
             </a:endParaRPr>
           </a:p>
-        </p:txBody>
-      </p:sp>
-      <p:pic>
-        <p:nvPicPr>
-          <p:cNvPr id="10" name="Picture 4" descr="http://www.plongeur.com/magazine/wp-content/uploads/2007/12/plus.jpg"/>
-          <p:cNvPicPr>
-            <a:picLocks noChangeAspect="1" noChangeArrowheads="1"/>
-          </p:cNvPicPr>
-          <p:nvPr/>
-        </p:nvPicPr>
-        <p:blipFill>
-          <a:blip r:embed="rId2" cstate="print"/>
-          <a:srcRect/>
-          <a:stretch>
-            <a:fillRect/>
-          </a:stretch>
-        </p:blipFill>
-        <p:spPr bwMode="auto">
-          <a:xfrm>
-            <a:off x="3203848" y="2492896"/>
-            <a:ext cx="648072" cy="648072"/>
-          </a:xfrm>
-          <a:prstGeom prst="rect">
-            <a:avLst/>
-          </a:prstGeom>
-          <a:noFill/>
-        </p:spPr>
-      </p:pic>
-      <p:pic>
-        <p:nvPicPr>
-          <p:cNvPr id="11" name="Picture 6" descr="http://www.plongeur.com/magazine/wp-content/uploads/2007/12/moins.jpg"/>
-          <p:cNvPicPr>
-            <a:picLocks noChangeAspect="1" noChangeArrowheads="1"/>
-          </p:cNvPicPr>
-          <p:nvPr/>
-        </p:nvPicPr>
-        <p:blipFill>
-          <a:blip r:embed="rId3" cstate="print"/>
-          <a:srcRect/>
-          <a:stretch>
-            <a:fillRect/>
-          </a:stretch>
-        </p:blipFill>
-        <p:spPr bwMode="auto">
-          <a:xfrm>
-            <a:off x="6804248" y="2492896"/>
-            <a:ext cx="648071" cy="648073"/>
-          </a:xfrm>
-          <a:prstGeom prst="rect">
-            <a:avLst/>
-          </a:prstGeom>
-          <a:noFill/>
-        </p:spPr>
-      </p:pic>
-      <p:sp>
-        <p:nvSpPr>
-          <p:cNvPr id="13" name="Espace réservé du contenu 2"/>
-          <p:cNvSpPr txBox="1">
-            <a:spLocks/>
-          </p:cNvSpPr>
-          <p:nvPr/>
-        </p:nvSpPr>
-        <p:spPr>
-          <a:xfrm>
-            <a:off x="2357422" y="1928802"/>
-            <a:ext cx="4071966" cy="642942"/>
-          </a:xfrm>
-          <a:prstGeom prst="rect">
-            <a:avLst/>
-          </a:prstGeom>
-        </p:spPr>
-        <p:txBody>
-          <a:bodyPr vert="horz" lIns="91440" tIns="45720" rIns="91440" bIns="45720" rtlCol="0">
-            <a:normAutofit/>
-          </a:bodyPr>
-          <a:lstStyle/>
-          <a:p>
-            <a:pPr marL="0" lvl="1" algn="ctr">
+          <a:p>
+            <a:pPr marL="342900" marR="0" lvl="0" indent="-342900" algn="l" defTabSz="914400" rtl="0" eaLnBrk="1" fontAlgn="auto" latinLnBrk="0" hangingPunct="1">
+              <a:lnSpc>
+                <a:spcPct val="100000"/>
+              </a:lnSpc>
               <a:spcBef>
                 <a:spcPct val="20000"/>
               </a:spcBef>
+              <a:spcAft>
+                <a:spcPts val="0"/>
+              </a:spcAft>
+              <a:buClrTx/>
+              <a:buSzTx/>
+              <a:buFont typeface="Arial" pitchFamily="34" charset="0"/>
+              <a:buChar char="•"/>
+              <a:tabLst/>
+              <a:defRPr/>
             </a:pPr>
-            <a:r>
-              <a:rPr lang="fr-FR" sz="3200" dirty="0" err="1" smtClean="0"/>
-              <a:t>Qlikview</a:t>
-            </a:r>
-            <a:endParaRPr kumimoji="0" lang="fr-FR" sz="2600" i="0" u="none" strike="noStrike" kern="1200" cap="none" spc="0" normalizeH="0" baseline="0" noProof="0" dirty="0" smtClean="0">
+            <a:endParaRPr kumimoji="0" lang="fr-FR" sz="2400" b="0" i="0" u="none" strike="noStrike" kern="1200" cap="none" spc="0" normalizeH="0" baseline="0" noProof="0" dirty="0" smtClean="0">
               <a:ln>
                 <a:noFill/>
               </a:ln>
@@ -10459,10 +10120,48 @@
           </a:p>
         </p:txBody>
       </p:sp>
+      <p:sp>
+        <p:nvSpPr>
+          <p:cNvPr id="6" name="Espace réservé du contenu 3"/>
+          <p:cNvSpPr txBox="1">
+            <a:spLocks/>
+          </p:cNvSpPr>
+          <p:nvPr/>
+        </p:nvSpPr>
+        <p:spPr>
+          <a:xfrm>
+            <a:off x="5796136" y="3356992"/>
+            <a:ext cx="3384376" cy="3501008"/>
+          </a:xfrm>
+          <a:prstGeom prst="rect">
+            <a:avLst/>
+          </a:prstGeom>
+        </p:spPr>
+        <p:txBody>
+          <a:bodyPr vert="horz" lIns="91440" tIns="45720" rIns="91440" bIns="45720" rtlCol="0">
+            <a:normAutofit/>
+          </a:bodyPr>
+          <a:lstStyle/>
+          <a:p>
+            <a:pPr marL="342900" lvl="0" indent="-342900">
+              <a:spcBef>
+                <a:spcPct val="20000"/>
+              </a:spcBef>
+              <a:buFont typeface="Arial" pitchFamily="34" charset="0"/>
+              <a:buChar char="•"/>
+            </a:pPr>
+            <a:r>
+              <a:rPr lang="fr-FR" sz="2400" dirty="0" smtClean="0"/>
+              <a:t>Licence onéreuse</a:t>
+            </a:r>
+            <a:endParaRPr lang="fr-FR" sz="2400" dirty="0" smtClean="0"/>
+          </a:p>
+        </p:txBody>
+      </p:sp>
     </p:spTree>
     <p:extLst>
       <p:ext uri="{BB962C8B-B14F-4D97-AF65-F5344CB8AC3E}">
-        <p14:creationId xmlns:p14="http://schemas.microsoft.com/office/powerpoint/2010/main" xmlns="" val="3544314285"/>
+        <p14:creationId xmlns="" xmlns:p14="http://schemas.microsoft.com/office/powerpoint/2010/main" val="2032910018"/>
       </p:ext>
     </p:extLst>
   </p:cSld>
@@ -10496,112 +10195,6 @@
           <a:chExt cx="0" cy="0"/>
         </a:xfrm>
       </p:grpSpPr>
-      <p:sp>
-        <p:nvSpPr>
-          <p:cNvPr id="3" name="Espace réservé du contenu 2"/>
-          <p:cNvSpPr>
-            <a:spLocks noGrp="1"/>
-          </p:cNvSpPr>
-          <p:nvPr>
-            <p:ph idx="1"/>
-          </p:nvPr>
-        </p:nvSpPr>
-        <p:spPr>
-          <a:xfrm>
-            <a:off x="2436912" y="3571876"/>
-            <a:ext cx="6278492" cy="3000396"/>
-          </a:xfrm>
-        </p:spPr>
-        <p:txBody>
-          <a:bodyPr>
-            <a:normAutofit/>
-          </a:bodyPr>
-          <a:lstStyle/>
-          <a:p>
-            <a:pPr marL="342900" lvl="1" indent="-342900">
-              <a:buFont typeface="Arial" pitchFamily="34" charset="0"/>
-              <a:buChar char="•"/>
-            </a:pPr>
-            <a:r>
-              <a:rPr lang="fr-FR" sz="2200" dirty="0" smtClean="0"/>
-              <a:t>Entreprise française créée en 1983</a:t>
-            </a:r>
-          </a:p>
-          <a:p>
-            <a:pPr marL="342900" lvl="1" indent="-342900">
-              <a:buFont typeface="Arial" pitchFamily="34" charset="0"/>
-              <a:buChar char="•"/>
-            </a:pPr>
-            <a:r>
-              <a:rPr lang="fr-FR" sz="2200" dirty="0"/>
-              <a:t>Implantation à </a:t>
-            </a:r>
-            <a:r>
-              <a:rPr lang="fr-FR" sz="2200" dirty="0" smtClean="0"/>
-              <a:t>Lyon, Nantes, Aix, Toulouse,…</a:t>
-            </a:r>
-            <a:endParaRPr lang="fr-FR" sz="2200" dirty="0"/>
-          </a:p>
-          <a:p>
-            <a:pPr marL="342900" lvl="1" indent="-342900">
-              <a:buFont typeface="Arial" pitchFamily="34" charset="0"/>
-              <a:buChar char="•"/>
-            </a:pPr>
-            <a:r>
-              <a:rPr lang="fr-FR" sz="2200" dirty="0" smtClean="0"/>
-              <a:t>Position </a:t>
-            </a:r>
-            <a:r>
-              <a:rPr lang="fr-FR" sz="2200" dirty="0"/>
-              <a:t>de leader sur le marché français </a:t>
-            </a:r>
-            <a:r>
-              <a:rPr lang="fr-FR" sz="2200" dirty="0" smtClean="0"/>
-              <a:t>de l’informatique décisionnelle</a:t>
-            </a:r>
-          </a:p>
-          <a:p>
-            <a:pPr marL="342900" lvl="1" indent="-342900">
-              <a:buFont typeface="Arial" pitchFamily="34" charset="0"/>
-              <a:buChar char="•"/>
-            </a:pPr>
-            <a:r>
-              <a:rPr lang="fr-FR" sz="2200" dirty="0" smtClean="0"/>
-              <a:t>SAS Version 9 (SAS </a:t>
-            </a:r>
-            <a:r>
-              <a:rPr lang="fr-FR" sz="2200" dirty="0" err="1" smtClean="0"/>
-              <a:t>Foundation</a:t>
-            </a:r>
-            <a:r>
-              <a:rPr lang="fr-FR" sz="2200" dirty="0" smtClean="0"/>
-              <a:t>) depuis 2004:</a:t>
-            </a:r>
-          </a:p>
-          <a:p>
-            <a:pPr lvl="2"/>
-            <a:r>
-              <a:rPr lang="fr-FR" sz="1800" dirty="0" smtClean="0"/>
-              <a:t>Base SAS, SAS Entreprise Guide</a:t>
-            </a:r>
-          </a:p>
-          <a:p>
-            <a:pPr lvl="2"/>
-            <a:r>
-              <a:rPr lang="fr-FR" sz="1800" dirty="0" smtClean="0"/>
-              <a:t>SAS/ACCESS, OLAP </a:t>
-            </a:r>
-          </a:p>
-          <a:p>
-            <a:pPr lvl="2"/>
-            <a:r>
-              <a:rPr lang="fr-FR" sz="1800" dirty="0" smtClean="0"/>
-              <a:t>SAS/GRAPH, SAS/STAT</a:t>
-            </a:r>
-            <a:endParaRPr lang="fr-FR" sz="2200" dirty="0" smtClean="0"/>
-          </a:p>
-        </p:txBody>
-      </p:sp>
       <p:pic>
         <p:nvPicPr>
           <p:cNvPr id="14338" name="Picture 2" descr="http://1.bp.blogspot.com/_AcBUSVxs82w/TJXPVaq8dgI/AAAAAAAAho4/BTCzoSx0amc/s320/SAS-Logo.gif"/>
@@ -10619,8 +10212,8 @@
         </p:blipFill>
         <p:spPr bwMode="auto">
           <a:xfrm>
-            <a:off x="6357950" y="1857364"/>
-            <a:ext cx="2571768" cy="1714513"/>
+            <a:off x="6877458" y="1844824"/>
+            <a:ext cx="2266542" cy="1511029"/>
           </a:xfrm>
           <a:prstGeom prst="rect">
             <a:avLst/>
@@ -10638,8 +10231,8 @@
         </p:nvSpPr>
         <p:spPr>
           <a:xfrm>
-            <a:off x="2357422" y="1928802"/>
-            <a:ext cx="4071966" cy="1571636"/>
+            <a:off x="2267744" y="1916832"/>
+            <a:ext cx="4752528" cy="1571636"/>
           </a:xfrm>
           <a:prstGeom prst="rect">
             <a:avLst/>
@@ -10647,7 +10240,7 @@
         </p:spPr>
         <p:txBody>
           <a:bodyPr vert="horz" lIns="91440" tIns="45720" rIns="91440" bIns="45720" rtlCol="0">
-            <a:normAutofit/>
+            <a:noAutofit/>
           </a:bodyPr>
           <a:lstStyle/>
           <a:p>
@@ -10669,7 +10262,7 @@
               <a:defRPr/>
             </a:pPr>
             <a:r>
-              <a:rPr kumimoji="0" lang="fr-FR" sz="3000" b="1" i="0" u="none" strike="noStrike" kern="1200" cap="none" spc="0" normalizeH="0" baseline="0" noProof="0" dirty="0" smtClean="0">
+              <a:rPr kumimoji="0" lang="fr-FR" sz="3200" b="1" i="0" u="none" strike="noStrike" kern="1200" cap="none" spc="0" normalizeH="0" baseline="0" noProof="0" dirty="0" smtClean="0">
                 <a:ln>
                   <a:noFill/>
                 </a:ln>
@@ -10686,7 +10279,7 @@
               <a:t>SAS</a:t>
             </a:r>
             <a:r>
-              <a:rPr kumimoji="0" lang="fr-FR" sz="3000" b="0" i="0" u="none" strike="noStrike" kern="1200" cap="none" spc="0" normalizeH="0" baseline="0" noProof="0" dirty="0" smtClean="0">
+              <a:rPr kumimoji="0" lang="fr-FR" sz="3200" b="0" i="0" u="none" strike="noStrike" kern="1200" cap="none" spc="0" normalizeH="0" baseline="0" noProof="0" dirty="0" smtClean="0">
                 <a:ln>
                   <a:noFill/>
                 </a:ln>
@@ -10703,7 +10296,7 @@
               <a:t>  Institute:</a:t>
             </a:r>
             <a:r>
-              <a:rPr kumimoji="0" lang="fr-FR" sz="3000" b="0" i="0" u="none" strike="noStrike" kern="1200" cap="none" spc="0" normalizeH="0" noProof="0" dirty="0" smtClean="0">
+              <a:rPr kumimoji="0" lang="fr-FR" sz="3200" b="0" i="0" u="none" strike="noStrike" kern="1200" cap="none" spc="0" normalizeH="0" noProof="0" dirty="0" smtClean="0">
                 <a:ln>
                   <a:noFill/>
                 </a:ln>
@@ -10739,7 +10332,7 @@
               <a:defRPr/>
             </a:pPr>
             <a:r>
-              <a:rPr kumimoji="0" lang="fr-FR" sz="2600" i="0" u="none" strike="noStrike" kern="1200" cap="none" spc="0" normalizeH="0" baseline="0" noProof="0" dirty="0" err="1" smtClean="0">
+              <a:rPr kumimoji="0" lang="fr-FR" sz="3200" i="0" u="none" strike="noStrike" kern="1200" cap="none" spc="0" normalizeH="0" baseline="0" noProof="0" dirty="0" err="1" smtClean="0">
                 <a:ln>
                   <a:noFill/>
                 </a:ln>
@@ -10756,7 +10349,7 @@
               <a:t>Statistical</a:t>
             </a:r>
             <a:r>
-              <a:rPr kumimoji="0" lang="fr-FR" sz="2600" i="0" u="none" strike="noStrike" kern="1200" cap="none" spc="0" normalizeH="0" baseline="0" noProof="0" dirty="0" smtClean="0">
+              <a:rPr kumimoji="0" lang="fr-FR" sz="3200" i="0" u="none" strike="noStrike" kern="1200" cap="none" spc="0" normalizeH="0" baseline="0" noProof="0" dirty="0" smtClean="0">
                 <a:ln>
                   <a:noFill/>
                 </a:ln>
@@ -10773,7 +10366,7 @@
               <a:t> </a:t>
             </a:r>
             <a:r>
-              <a:rPr kumimoji="0" lang="fr-FR" sz="2600" i="0" u="none" strike="noStrike" kern="1200" cap="none" spc="0" normalizeH="0" baseline="0" noProof="0" dirty="0" err="1" smtClean="0">
+              <a:rPr kumimoji="0" lang="fr-FR" sz="3200" i="0" u="none" strike="noStrike" kern="1200" cap="none" spc="0" normalizeH="0" baseline="0" noProof="0" dirty="0" err="1" smtClean="0">
                 <a:ln>
                   <a:noFill/>
                 </a:ln>
@@ -10790,7 +10383,7 @@
               <a:t>Analysis</a:t>
             </a:r>
             <a:r>
-              <a:rPr kumimoji="0" lang="fr-FR" sz="2600" i="0" u="none" strike="noStrike" kern="1200" cap="none" spc="0" normalizeH="0" baseline="0" noProof="0" dirty="0" smtClean="0">
+              <a:rPr kumimoji="0" lang="fr-FR" sz="3200" i="0" u="none" strike="noStrike" kern="1200" cap="none" spc="0" normalizeH="0" baseline="0" noProof="0" dirty="0" smtClean="0">
                 <a:ln>
                   <a:noFill/>
                 </a:ln>
@@ -10809,10 +10402,98 @@
           </a:p>
         </p:txBody>
       </p:sp>
+      <p:sp>
+        <p:nvSpPr>
+          <p:cNvPr id="9" name="Espace réservé du contenu 3"/>
+          <p:cNvSpPr>
+            <a:spLocks noGrp="1"/>
+          </p:cNvSpPr>
+          <p:nvPr>
+            <p:ph idx="1"/>
+          </p:nvPr>
+        </p:nvSpPr>
+        <p:spPr>
+          <a:xfrm>
+            <a:off x="1979712" y="3164338"/>
+            <a:ext cx="6707088" cy="4441126"/>
+          </a:xfrm>
+        </p:spPr>
+        <p:txBody>
+          <a:bodyPr>
+            <a:normAutofit/>
+          </a:bodyPr>
+          <a:lstStyle/>
+          <a:p>
+            <a:pPr lvl="0"/>
+            <a:r>
+              <a:rPr lang="fr-FR" sz="2400" dirty="0" smtClean="0"/>
+              <a:t>Entreprise </a:t>
+            </a:r>
+            <a:r>
+              <a:rPr lang="fr-FR" sz="2400" dirty="0" smtClean="0"/>
+              <a:t>française créée en 1983</a:t>
+            </a:r>
+          </a:p>
+          <a:p>
+            <a:pPr lvl="0"/>
+            <a:r>
+              <a:rPr lang="fr-FR" sz="2400" dirty="0" smtClean="0"/>
+              <a:t>Implantation à Lyon, Nantes, Aix, Toulouse,…</a:t>
+            </a:r>
+          </a:p>
+          <a:p>
+            <a:pPr lvl="0"/>
+            <a:r>
+              <a:rPr lang="fr-FR" sz="2400" dirty="0" smtClean="0"/>
+              <a:t>Position de leader sur le marché français de l’informatique décisionnelle</a:t>
+            </a:r>
+          </a:p>
+          <a:p>
+            <a:pPr lvl="0"/>
+            <a:r>
+              <a:rPr lang="fr-FR" sz="2400" dirty="0" smtClean="0"/>
+              <a:t>SAS Version 9 (SAS </a:t>
+            </a:r>
+            <a:r>
+              <a:rPr lang="fr-FR" sz="2400" dirty="0" err="1" smtClean="0"/>
+              <a:t>Foundation</a:t>
+            </a:r>
+            <a:r>
+              <a:rPr lang="fr-FR" sz="2400" dirty="0" smtClean="0"/>
+              <a:t>) depuis 2004:</a:t>
+            </a:r>
+          </a:p>
+          <a:p>
+            <a:pPr lvl="1"/>
+            <a:r>
+              <a:rPr lang="fr-FR" sz="2000" dirty="0" smtClean="0"/>
+              <a:t>Base SAS, SAS Entreprise Guide</a:t>
+            </a:r>
+          </a:p>
+          <a:p>
+            <a:pPr lvl="1"/>
+            <a:r>
+              <a:rPr lang="fr-FR" sz="2000" dirty="0" smtClean="0"/>
+              <a:t>SAS/ACCESS, OLAP </a:t>
+            </a:r>
+          </a:p>
+          <a:p>
+            <a:pPr lvl="1"/>
+            <a:r>
+              <a:rPr lang="fr-FR" sz="2000" dirty="0" smtClean="0"/>
+              <a:t>SAS/GRAPH, </a:t>
+            </a:r>
+            <a:r>
+              <a:rPr lang="fr-FR" sz="2000" dirty="0" smtClean="0"/>
+              <a:t>SAS/STAT</a:t>
+            </a:r>
+          </a:p>
+        </p:txBody>
+      </p:sp>
     </p:spTree>
     <p:extLst>
       <p:ext uri="{BB962C8B-B14F-4D97-AF65-F5344CB8AC3E}">
-        <p14:creationId xmlns:p14="http://schemas.microsoft.com/office/powerpoint/2010/main" xmlns="" val="2994739759"/>
+        <p14:creationId xmlns="" xmlns:p14="http://schemas.microsoft.com/office/powerpoint/2010/main" val="2994739759"/>
       </p:ext>
     </p:extLst>
   </p:cSld>
@@ -10891,13 +10572,13 @@
         </p:nvSpPr>
         <p:spPr>
           <a:xfrm>
-            <a:off x="2571736" y="3286124"/>
+            <a:off x="2571736" y="3140968"/>
             <a:ext cx="6572264" cy="3054353"/>
           </a:xfrm>
         </p:spPr>
         <p:txBody>
           <a:bodyPr>
-            <a:normAutofit/>
+            <a:normAutofit lnSpcReduction="10000"/>
           </a:bodyPr>
           <a:lstStyle/>
           <a:p>
@@ -10906,7 +10587,7 @@
               <a:buChar char="•"/>
             </a:pPr>
             <a:r>
-              <a:rPr lang="fr-FR" sz="2200" dirty="0" smtClean="0"/>
+              <a:rPr lang="fr-FR" sz="2400" dirty="0" smtClean="0"/>
               <a:t>Utilise un langage dit « de 4eme génération » ( langage de programmation combiné avec un SGBD)</a:t>
             </a:r>
           </a:p>
@@ -10916,15 +10597,15 @@
               <a:buChar char="•"/>
             </a:pPr>
             <a:r>
-              <a:rPr lang="fr-FR" sz="2200" dirty="0" smtClean="0"/>
+              <a:rPr lang="fr-FR" sz="2400" dirty="0" smtClean="0"/>
               <a:t>Extension de SAS Base avec une interface </a:t>
             </a:r>
             <a:r>
-              <a:rPr lang="fr-FR" sz="2200" dirty="0"/>
+              <a:rPr lang="fr-FR" sz="2400" dirty="0"/>
               <a:t>graphique </a:t>
             </a:r>
             <a:r>
-              <a:rPr lang="fr-FR" sz="2200" dirty="0" smtClean="0"/>
+              <a:rPr lang="fr-FR" sz="2400" dirty="0" smtClean="0"/>
               <a:t>Windows.</a:t>
             </a:r>
           </a:p>
@@ -10934,7 +10615,7 @@
               <a:buChar char="•"/>
             </a:pPr>
             <a:r>
-              <a:rPr lang="fr-FR" sz="2200" dirty="0" smtClean="0"/>
+              <a:rPr lang="fr-FR" sz="2400" dirty="0" smtClean="0"/>
               <a:t>Créer plus facilement des requêtes, tableaux et graphiques.</a:t>
             </a:r>
           </a:p>
@@ -10944,11 +10625,11 @@
               <a:buChar char="•"/>
             </a:pPr>
             <a:r>
-              <a:rPr lang="fr-FR" sz="2200" dirty="0"/>
+              <a:rPr lang="fr-FR" sz="2400" dirty="0"/>
               <a:t>D</a:t>
             </a:r>
             <a:r>
-              <a:rPr lang="fr-FR" sz="2200" dirty="0" smtClean="0"/>
+              <a:rPr lang="fr-FR" sz="2400" dirty="0" smtClean="0"/>
               <a:t>iagramme de flux de processus </a:t>
             </a:r>
           </a:p>
@@ -10967,7 +10648,7 @@
         </p:nvSpPr>
         <p:spPr>
           <a:xfrm>
-            <a:off x="2357422" y="1928802"/>
+            <a:off x="3347864" y="1916832"/>
             <a:ext cx="4071966" cy="642942"/>
           </a:xfrm>
           <a:prstGeom prst="rect">
@@ -11009,7 +10690,7 @@
     </p:spTree>
     <p:extLst>
       <p:ext uri="{BB962C8B-B14F-4D97-AF65-F5344CB8AC3E}">
-        <p14:creationId xmlns:p14="http://schemas.microsoft.com/office/powerpoint/2010/main" xmlns="" val="2433743007"/>
+        <p14:creationId xmlns="" xmlns:p14="http://schemas.microsoft.com/office/powerpoint/2010/main" val="2433743007"/>
       </p:ext>
     </p:extLst>
   </p:cSld>
